--- a/Интернет магазин.pptx
+++ b/Интернет магазин.pptx
@@ -1,39 +1,40 @@
 
 <file path=ppt/presentation.xml><?xml version="1.0" encoding="utf-8"?>
-<p:presentation xmlns:a="http://schemas.openxmlformats.org/drawingml/2006/main" xmlns:r="http://schemas.openxmlformats.org/officeDocument/2006/relationships" xmlns:mc="http://schemas.openxmlformats.org/markup-compatibility/2006" xmlns:mv="urn:schemas-microsoft-com:mac:vml" xmlns:p="http://schemas.openxmlformats.org/presentationml/2006/main" xmlns:c="http://schemas.openxmlformats.org/drawingml/2006/chart" xmlns:dgm="http://schemas.openxmlformats.org/drawingml/2006/diagram" xmlns:o="urn:schemas-microsoft-com:office:office" xmlns:v="urn:schemas-microsoft-com:vml" xmlns:pvml="urn:schemas-microsoft-com:office:powerpoint" xmlns:com="http://schemas.openxmlformats.org/drawingml/2006/compatibility" xmlns:p14="http://schemas.microsoft.com/office/powerpoint/2010/main" xmlns:p15="http://schemas.microsoft.com/office/powerpoint/2012/main" xmlns:ahyp="http://schemas.microsoft.com/office/drawing/2018/hyperlinkcolor" autoCompressPictures="0" embedTrueTypeFonts="1" strictFirstAndLastChars="0" saveSubsetFonts="1">
+<p:presentation xmlns:a="http://schemas.openxmlformats.org/drawingml/2006/main" xmlns:r="http://schemas.openxmlformats.org/officeDocument/2006/relationships" xmlns:p="http://schemas.openxmlformats.org/presentationml/2006/main" strictFirstAndLastChars="0" embedTrueTypeFonts="1" saveSubsetFonts="1" autoCompressPictures="0">
   <p:sldMasterIdLst>
-    <p:sldMasterId id="2147483659" r:id="rId4"/>
+    <p:sldMasterId id="2147483659" r:id="rId1"/>
   </p:sldMasterIdLst>
   <p:notesMasterIdLst>
-    <p:notesMasterId r:id="rId5"/>
+    <p:notesMasterId r:id="rId8"/>
   </p:notesMasterIdLst>
   <p:sldIdLst>
-    <p:sldId id="256" r:id="rId6"/>
-    <p:sldId id="257" r:id="rId7"/>
-    <p:sldId id="258" r:id="rId8"/>
-    <p:sldId id="259" r:id="rId9"/>
-    <p:sldId id="260" r:id="rId10"/>
+    <p:sldId id="256" r:id="rId2"/>
+    <p:sldId id="257" r:id="rId3"/>
+    <p:sldId id="258" r:id="rId4"/>
+    <p:sldId id="259" r:id="rId5"/>
+    <p:sldId id="260" r:id="rId6"/>
+    <p:sldId id="262" r:id="rId7"/>
   </p:sldIdLst>
-  <p:sldSz cy="5143500" cx="9144000"/>
+  <p:sldSz cx="9144000" cy="5143500" type="screen16x9"/>
   <p:notesSz cx="6858000" cy="9144000"/>
   <p:embeddedFontLst>
     <p:embeddedFont>
-      <p:font typeface="Montserrat"/>
-      <p:regular r:id="rId11"/>
-      <p:bold r:id="rId12"/>
-      <p:italic r:id="rId13"/>
-      <p:boldItalic r:id="rId14"/>
+      <p:font typeface="Lato" panose="020B0604020202020204" charset="0"/>
+      <p:regular r:id="rId9"/>
+      <p:bold r:id="rId10"/>
+      <p:italic r:id="rId11"/>
+      <p:boldItalic r:id="rId12"/>
     </p:embeddedFont>
     <p:embeddedFont>
-      <p:font typeface="Lato"/>
-      <p:regular r:id="rId15"/>
-      <p:bold r:id="rId16"/>
-      <p:italic r:id="rId17"/>
-      <p:boldItalic r:id="rId18"/>
+      <p:font typeface="Montserrat" panose="020B0604020202020204" charset="-52"/>
+      <p:regular r:id="rId13"/>
+      <p:bold r:id="rId14"/>
+      <p:italic r:id="rId15"/>
+      <p:boldItalic r:id="rId16"/>
     </p:embeddedFont>
   </p:embeddedFontLst>
   <p:defaultTextStyle>
-    <a:defPPr lvl="0" marR="0" rtl="0" algn="l">
+    <a:defPPr marR="0" lvl="0" algn="l" rtl="0">
       <a:lnSpc>
         <a:spcPct val="100000"/>
       </a:lnSpc>
@@ -44,7 +45,7 @@
         <a:spcPts val="0"/>
       </a:spcAft>
     </a:defPPr>
-    <a:lvl1pPr lvl="0" marR="0" rtl="0" algn="l">
+    <a:lvl1pPr marR="0" lvl="0" algn="l" rtl="0">
       <a:lnSpc>
         <a:spcPct val="100000"/>
       </a:lnSpc>
@@ -58,7 +59,7 @@
         <a:srgbClr val="000000"/>
       </a:buClr>
       <a:buFont typeface="Arial"/>
-      <a:defRPr b="0" i="0" sz="1400" u="none" cap="none" strike="noStrike">
+      <a:defRPr sz="1400" b="0" i="0" u="none" strike="noStrike" cap="none">
         <a:solidFill>
           <a:srgbClr val="000000"/>
         </a:solidFill>
@@ -68,7 +69,7 @@
         <a:sym typeface="Arial"/>
       </a:defRPr>
     </a:lvl1pPr>
-    <a:lvl2pPr lvl="1" marR="0" rtl="0" algn="l">
+    <a:lvl2pPr marR="0" lvl="1" algn="l" rtl="0">
       <a:lnSpc>
         <a:spcPct val="100000"/>
       </a:lnSpc>
@@ -82,7 +83,7 @@
         <a:srgbClr val="000000"/>
       </a:buClr>
       <a:buFont typeface="Arial"/>
-      <a:defRPr b="0" i="0" sz="1400" u="none" cap="none" strike="noStrike">
+      <a:defRPr sz="1400" b="0" i="0" u="none" strike="noStrike" cap="none">
         <a:solidFill>
           <a:srgbClr val="000000"/>
         </a:solidFill>
@@ -92,7 +93,7 @@
         <a:sym typeface="Arial"/>
       </a:defRPr>
     </a:lvl2pPr>
-    <a:lvl3pPr lvl="2" marR="0" rtl="0" algn="l">
+    <a:lvl3pPr marR="0" lvl="2" algn="l" rtl="0">
       <a:lnSpc>
         <a:spcPct val="100000"/>
       </a:lnSpc>
@@ -106,7 +107,7 @@
         <a:srgbClr val="000000"/>
       </a:buClr>
       <a:buFont typeface="Arial"/>
-      <a:defRPr b="0" i="0" sz="1400" u="none" cap="none" strike="noStrike">
+      <a:defRPr sz="1400" b="0" i="0" u="none" strike="noStrike" cap="none">
         <a:solidFill>
           <a:srgbClr val="000000"/>
         </a:solidFill>
@@ -116,7 +117,7 @@
         <a:sym typeface="Arial"/>
       </a:defRPr>
     </a:lvl3pPr>
-    <a:lvl4pPr lvl="3" marR="0" rtl="0" algn="l">
+    <a:lvl4pPr marR="0" lvl="3" algn="l" rtl="0">
       <a:lnSpc>
         <a:spcPct val="100000"/>
       </a:lnSpc>
@@ -130,7 +131,7 @@
         <a:srgbClr val="000000"/>
       </a:buClr>
       <a:buFont typeface="Arial"/>
-      <a:defRPr b="0" i="0" sz="1400" u="none" cap="none" strike="noStrike">
+      <a:defRPr sz="1400" b="0" i="0" u="none" strike="noStrike" cap="none">
         <a:solidFill>
           <a:srgbClr val="000000"/>
         </a:solidFill>
@@ -140,7 +141,7 @@
         <a:sym typeface="Arial"/>
       </a:defRPr>
     </a:lvl4pPr>
-    <a:lvl5pPr lvl="4" marR="0" rtl="0" algn="l">
+    <a:lvl5pPr marR="0" lvl="4" algn="l" rtl="0">
       <a:lnSpc>
         <a:spcPct val="100000"/>
       </a:lnSpc>
@@ -154,7 +155,7 @@
         <a:srgbClr val="000000"/>
       </a:buClr>
       <a:buFont typeface="Arial"/>
-      <a:defRPr b="0" i="0" sz="1400" u="none" cap="none" strike="noStrike">
+      <a:defRPr sz="1400" b="0" i="0" u="none" strike="noStrike" cap="none">
         <a:solidFill>
           <a:srgbClr val="000000"/>
         </a:solidFill>
@@ -164,7 +165,7 @@
         <a:sym typeface="Arial"/>
       </a:defRPr>
     </a:lvl5pPr>
-    <a:lvl6pPr lvl="5" marR="0" rtl="0" algn="l">
+    <a:lvl6pPr marR="0" lvl="5" algn="l" rtl="0">
       <a:lnSpc>
         <a:spcPct val="100000"/>
       </a:lnSpc>
@@ -178,7 +179,7 @@
         <a:srgbClr val="000000"/>
       </a:buClr>
       <a:buFont typeface="Arial"/>
-      <a:defRPr b="0" i="0" sz="1400" u="none" cap="none" strike="noStrike">
+      <a:defRPr sz="1400" b="0" i="0" u="none" strike="noStrike" cap="none">
         <a:solidFill>
           <a:srgbClr val="000000"/>
         </a:solidFill>
@@ -188,7 +189,7 @@
         <a:sym typeface="Arial"/>
       </a:defRPr>
     </a:lvl6pPr>
-    <a:lvl7pPr lvl="6" marR="0" rtl="0" algn="l">
+    <a:lvl7pPr marR="0" lvl="6" algn="l" rtl="0">
       <a:lnSpc>
         <a:spcPct val="100000"/>
       </a:lnSpc>
@@ -202,7 +203,7 @@
         <a:srgbClr val="000000"/>
       </a:buClr>
       <a:buFont typeface="Arial"/>
-      <a:defRPr b="0" i="0" sz="1400" u="none" cap="none" strike="noStrike">
+      <a:defRPr sz="1400" b="0" i="0" u="none" strike="noStrike" cap="none">
         <a:solidFill>
           <a:srgbClr val="000000"/>
         </a:solidFill>
@@ -212,7 +213,7 @@
         <a:sym typeface="Arial"/>
       </a:defRPr>
     </a:lvl7pPr>
-    <a:lvl8pPr lvl="7" marR="0" rtl="0" algn="l">
+    <a:lvl8pPr marR="0" lvl="7" algn="l" rtl="0">
       <a:lnSpc>
         <a:spcPct val="100000"/>
       </a:lnSpc>
@@ -226,7 +227,7 @@
         <a:srgbClr val="000000"/>
       </a:buClr>
       <a:buFont typeface="Arial"/>
-      <a:defRPr b="0" i="0" sz="1400" u="none" cap="none" strike="noStrike">
+      <a:defRPr sz="1400" b="0" i="0" u="none" strike="noStrike" cap="none">
         <a:solidFill>
           <a:srgbClr val="000000"/>
         </a:solidFill>
@@ -236,7 +237,7 @@
         <a:sym typeface="Arial"/>
       </a:defRPr>
     </a:lvl8pPr>
-    <a:lvl9pPr lvl="8" marR="0" rtl="0" algn="l">
+    <a:lvl9pPr marR="0" lvl="8" algn="l" rtl="0">
       <a:lnSpc>
         <a:spcPct val="100000"/>
       </a:lnSpc>
@@ -250,7 +251,7 @@
         <a:srgbClr val="000000"/>
       </a:buClr>
       <a:buFont typeface="Arial"/>
-      <a:defRPr b="0" i="0" sz="1400" u="none" cap="none" strike="noStrike">
+      <a:defRPr sz="1400" b="0" i="0" u="none" strike="noStrike" cap="none">
         <a:solidFill>
           <a:srgbClr val="000000"/>
         </a:solidFill>
@@ -263,7 +264,7 @@
   </p:defaultTextStyle>
   <p:extLst>
     <p:ext uri="{EFAFB233-063F-42B5-8137-9DF3F51BA10A}">
-      <p15:sldGuideLst>
+      <p15:sldGuideLst xmlns:p15="http://schemas.microsoft.com/office/powerpoint/2012/main">
         <p15:guide id="1" orient="horz" pos="1620">
           <p15:clr>
             <a:srgbClr val="747775"/>
@@ -281,11 +282,16 @@
 </file>
 
 <file path=ppt/notesMasters/notesMaster1.xml><?xml version="1.0" encoding="utf-8"?>
-<p:notesMaster xmlns:a="http://schemas.openxmlformats.org/drawingml/2006/main" xmlns:r="http://schemas.openxmlformats.org/officeDocument/2006/relationships" xmlns:mc="http://schemas.openxmlformats.org/markup-compatibility/2006" xmlns:mv="urn:schemas-microsoft-com:mac:vml" xmlns:p="http://schemas.openxmlformats.org/presentationml/2006/main" xmlns:c="http://schemas.openxmlformats.org/drawingml/2006/chart" xmlns:dgm="http://schemas.openxmlformats.org/drawingml/2006/diagram" xmlns:o="urn:schemas-microsoft-com:office:office" xmlns:v="urn:schemas-microsoft-com:vml" xmlns:pvml="urn:schemas-microsoft-com:office:powerpoint" xmlns:com="http://schemas.openxmlformats.org/drawingml/2006/compatibility" xmlns:p14="http://schemas.microsoft.com/office/powerpoint/2010/main" xmlns:p15="http://schemas.microsoft.com/office/powerpoint/2012/main" xmlns:ahyp="http://schemas.microsoft.com/office/drawing/2018/hyperlinkcolor">
+<p:notesMaster xmlns:a="http://schemas.openxmlformats.org/drawingml/2006/main" xmlns:r="http://schemas.openxmlformats.org/officeDocument/2006/relationships" xmlns:p="http://schemas.openxmlformats.org/presentationml/2006/main">
   <p:cSld>
+    <p:bg>
+      <p:bgRef idx="1001">
+        <a:schemeClr val="bg1"/>
+      </p:bgRef>
+    </p:bg>
     <p:spTree>
       <p:nvGrpSpPr>
-        <p:cNvPr id="2" name="Shape 2"/>
+        <p:cNvPr id="1" name="Shape 2"/>
         <p:cNvGrpSpPr/>
         <p:nvPr/>
       </p:nvGrpSpPr>
@@ -300,9 +306,11 @@
       <p:sp>
         <p:nvSpPr>
           <p:cNvPr id="3" name="Google Shape;3;n"/>
-          <p:cNvSpPr/>
+          <p:cNvSpPr>
+            <a:spLocks noGrp="1" noRot="1" noChangeAspect="1"/>
+          </p:cNvSpPr>
           <p:nvPr>
-            <p:ph idx="2" type="sldImg"/>
+            <p:ph type="sldImg" idx="2"/>
           </p:nvPr>
         </p:nvSpPr>
         <p:spPr>
@@ -311,9 +319,13 @@
             <a:ext cx="6096075" cy="3429000"/>
           </a:xfrm>
           <a:custGeom>
-            <a:rect b="b" l="l" r="r" t="t"/>
+            <a:avLst/>
+            <a:gdLst/>
+            <a:ahLst/>
+            <a:cxnLst/>
+            <a:rect l="l" t="t" r="r" b="b"/>
             <a:pathLst>
-              <a:path extrusionOk="0" h="120000" w="120000">
+              <a:path w="120000" h="120000" extrusionOk="0">
                 <a:moveTo>
                   <a:pt x="0" y="0"/>
                 </a:moveTo>
@@ -331,23 +343,25 @@
             </a:pathLst>
           </a:custGeom>
           <a:noFill/>
-          <a:ln cap="flat" cmpd="sng" w="9525">
+          <a:ln w="9525" cap="flat" cmpd="sng">
             <a:solidFill>
               <a:srgbClr val="000000"/>
             </a:solidFill>
             <a:prstDash val="solid"/>
             <a:round/>
-            <a:headEnd len="sm" w="sm" type="none"/>
-            <a:tailEnd len="sm" w="sm" type="none"/>
+            <a:headEnd type="none" w="sm" len="sm"/>
+            <a:tailEnd type="none" w="sm" len="sm"/>
           </a:ln>
         </p:spPr>
       </p:sp>
       <p:sp>
         <p:nvSpPr>
           <p:cNvPr id="4" name="Google Shape;4;n"/>
-          <p:cNvSpPr txBox="1"/>
+          <p:cNvSpPr txBox="1">
+            <a:spLocks noGrp="1"/>
+          </p:cNvSpPr>
           <p:nvPr>
-            <p:ph idx="1" type="body"/>
+            <p:ph type="body" idx="1"/>
           </p:nvPr>
         </p:nvSpPr>
         <p:spPr>
@@ -364,11 +378,11 @@
           </a:ln>
         </p:spPr>
         <p:txBody>
-          <a:bodyPr anchorCtr="0" anchor="t" bIns="91425" lIns="91425" spcFirstLastPara="1" rIns="91425" wrap="square" tIns="91425">
+          <a:bodyPr spcFirstLastPara="1" wrap="square" lIns="91425" tIns="91425" rIns="91425" bIns="91425" anchor="t" anchorCtr="0">
             <a:noAutofit/>
           </a:bodyPr>
           <a:lstStyle>
-            <a:lvl1pPr indent="-298450" lvl="0" marL="457200">
+            <a:lvl1pPr marL="457200" lvl="0" indent="-298450">
               <a:spcBef>
                 <a:spcPts val="0"/>
               </a:spcBef>
@@ -379,7 +393,7 @@
               <a:buChar char="●"/>
               <a:defRPr sz="1100"/>
             </a:lvl1pPr>
-            <a:lvl2pPr indent="-298450" lvl="1" marL="914400">
+            <a:lvl2pPr marL="914400" lvl="1" indent="-298450">
               <a:spcBef>
                 <a:spcPts val="0"/>
               </a:spcBef>
@@ -390,7 +404,7 @@
               <a:buChar char="○"/>
               <a:defRPr sz="1100"/>
             </a:lvl2pPr>
-            <a:lvl3pPr indent="-298450" lvl="2" marL="1371600">
+            <a:lvl3pPr marL="1371600" lvl="2" indent="-298450">
               <a:spcBef>
                 <a:spcPts val="0"/>
               </a:spcBef>
@@ -401,7 +415,7 @@
               <a:buChar char="■"/>
               <a:defRPr sz="1100"/>
             </a:lvl3pPr>
-            <a:lvl4pPr indent="-298450" lvl="3" marL="1828800">
+            <a:lvl4pPr marL="1828800" lvl="3" indent="-298450">
               <a:spcBef>
                 <a:spcPts val="0"/>
               </a:spcBef>
@@ -412,7 +426,7 @@
               <a:buChar char="●"/>
               <a:defRPr sz="1100"/>
             </a:lvl4pPr>
-            <a:lvl5pPr indent="-298450" lvl="4" marL="2286000">
+            <a:lvl5pPr marL="2286000" lvl="4" indent="-298450">
               <a:spcBef>
                 <a:spcPts val="0"/>
               </a:spcBef>
@@ -423,7 +437,7 @@
               <a:buChar char="○"/>
               <a:defRPr sz="1100"/>
             </a:lvl5pPr>
-            <a:lvl6pPr indent="-298450" lvl="5" marL="2743200">
+            <a:lvl6pPr marL="2743200" lvl="5" indent="-298450">
               <a:spcBef>
                 <a:spcPts val="0"/>
               </a:spcBef>
@@ -434,7 +448,7 @@
               <a:buChar char="■"/>
               <a:defRPr sz="1100"/>
             </a:lvl6pPr>
-            <a:lvl7pPr indent="-298450" lvl="6" marL="3200400">
+            <a:lvl7pPr marL="3200400" lvl="6" indent="-298450">
               <a:spcBef>
                 <a:spcPts val="0"/>
               </a:spcBef>
@@ -445,7 +459,7 @@
               <a:buChar char="●"/>
               <a:defRPr sz="1100"/>
             </a:lvl7pPr>
-            <a:lvl8pPr indent="-298450" lvl="7" marL="3657600">
+            <a:lvl8pPr marL="3657600" lvl="7" indent="-298450">
               <a:spcBef>
                 <a:spcPts val="0"/>
               </a:spcBef>
@@ -456,7 +470,7 @@
               <a:buChar char="○"/>
               <a:defRPr sz="1100"/>
             </a:lvl8pPr>
-            <a:lvl9pPr indent="-298450" lvl="8" marL="4114800">
+            <a:lvl9pPr marL="4114800" lvl="8" indent="-298450">
               <a:spcBef>
                 <a:spcPts val="0"/>
               </a:spcBef>
@@ -468,14 +482,16 @@
               <a:defRPr sz="1100"/>
             </a:lvl9pPr>
           </a:lstStyle>
-          <a:p/>
+          <a:p>
+            <a:endParaRPr/>
+          </a:p>
         </p:txBody>
       </p:sp>
     </p:spTree>
   </p:cSld>
-  <p:clrMap accent1="accent1" accent2="accent2" accent3="accent3" accent4="accent4" accent5="accent5" accent6="accent6" bg1="lt1" bg2="dk2" tx1="dk1" tx2="lt2" folHlink="folHlink" hlink="hlink"/>
+  <p:clrMap bg1="lt1" tx1="dk1" bg2="dk2" tx2="lt2" accent1="accent1" accent2="accent2" accent3="accent3" accent4="accent4" accent5="accent5" accent6="accent6" hlink="hlink" folHlink="folHlink"/>
   <p:notesStyle>
-    <a:defPPr lvl="0" marR="0" rtl="0" algn="l">
+    <a:defPPr marR="0" lvl="0" algn="l" rtl="0">
       <a:lnSpc>
         <a:spcPct val="100000"/>
       </a:lnSpc>
@@ -486,7 +502,7 @@
         <a:spcPts val="0"/>
       </a:spcAft>
     </a:defPPr>
-    <a:lvl1pPr lvl="0" marR="0" rtl="0" algn="l">
+    <a:lvl1pPr marR="0" lvl="0" algn="l" rtl="0">
       <a:lnSpc>
         <a:spcPct val="100000"/>
       </a:lnSpc>
@@ -500,7 +516,7 @@
         <a:srgbClr val="000000"/>
       </a:buClr>
       <a:buFont typeface="Arial"/>
-      <a:defRPr b="0" i="0" sz="1400" u="none" cap="none" strike="noStrike">
+      <a:defRPr sz="1400" b="0" i="0" u="none" strike="noStrike" cap="none">
         <a:solidFill>
           <a:srgbClr val="000000"/>
         </a:solidFill>
@@ -510,7 +526,7 @@
         <a:sym typeface="Arial"/>
       </a:defRPr>
     </a:lvl1pPr>
-    <a:lvl2pPr lvl="1" marR="0" rtl="0" algn="l">
+    <a:lvl2pPr marR="0" lvl="1" algn="l" rtl="0">
       <a:lnSpc>
         <a:spcPct val="100000"/>
       </a:lnSpc>
@@ -524,7 +540,7 @@
         <a:srgbClr val="000000"/>
       </a:buClr>
       <a:buFont typeface="Arial"/>
-      <a:defRPr b="0" i="0" sz="1400" u="none" cap="none" strike="noStrike">
+      <a:defRPr sz="1400" b="0" i="0" u="none" strike="noStrike" cap="none">
         <a:solidFill>
           <a:srgbClr val="000000"/>
         </a:solidFill>
@@ -534,7 +550,7 @@
         <a:sym typeface="Arial"/>
       </a:defRPr>
     </a:lvl2pPr>
-    <a:lvl3pPr lvl="2" marR="0" rtl="0" algn="l">
+    <a:lvl3pPr marR="0" lvl="2" algn="l" rtl="0">
       <a:lnSpc>
         <a:spcPct val="100000"/>
       </a:lnSpc>
@@ -548,7 +564,7 @@
         <a:srgbClr val="000000"/>
       </a:buClr>
       <a:buFont typeface="Arial"/>
-      <a:defRPr b="0" i="0" sz="1400" u="none" cap="none" strike="noStrike">
+      <a:defRPr sz="1400" b="0" i="0" u="none" strike="noStrike" cap="none">
         <a:solidFill>
           <a:srgbClr val="000000"/>
         </a:solidFill>
@@ -558,7 +574,7 @@
         <a:sym typeface="Arial"/>
       </a:defRPr>
     </a:lvl3pPr>
-    <a:lvl4pPr lvl="3" marR="0" rtl="0" algn="l">
+    <a:lvl4pPr marR="0" lvl="3" algn="l" rtl="0">
       <a:lnSpc>
         <a:spcPct val="100000"/>
       </a:lnSpc>
@@ -572,7 +588,7 @@
         <a:srgbClr val="000000"/>
       </a:buClr>
       <a:buFont typeface="Arial"/>
-      <a:defRPr b="0" i="0" sz="1400" u="none" cap="none" strike="noStrike">
+      <a:defRPr sz="1400" b="0" i="0" u="none" strike="noStrike" cap="none">
         <a:solidFill>
           <a:srgbClr val="000000"/>
         </a:solidFill>
@@ -582,7 +598,7 @@
         <a:sym typeface="Arial"/>
       </a:defRPr>
     </a:lvl4pPr>
-    <a:lvl5pPr lvl="4" marR="0" rtl="0" algn="l">
+    <a:lvl5pPr marR="0" lvl="4" algn="l" rtl="0">
       <a:lnSpc>
         <a:spcPct val="100000"/>
       </a:lnSpc>
@@ -596,7 +612,7 @@
         <a:srgbClr val="000000"/>
       </a:buClr>
       <a:buFont typeface="Arial"/>
-      <a:defRPr b="0" i="0" sz="1400" u="none" cap="none" strike="noStrike">
+      <a:defRPr sz="1400" b="0" i="0" u="none" strike="noStrike" cap="none">
         <a:solidFill>
           <a:srgbClr val="000000"/>
         </a:solidFill>
@@ -606,7 +622,7 @@
         <a:sym typeface="Arial"/>
       </a:defRPr>
     </a:lvl5pPr>
-    <a:lvl6pPr lvl="5" marR="0" rtl="0" algn="l">
+    <a:lvl6pPr marR="0" lvl="5" algn="l" rtl="0">
       <a:lnSpc>
         <a:spcPct val="100000"/>
       </a:lnSpc>
@@ -620,7 +636,7 @@
         <a:srgbClr val="000000"/>
       </a:buClr>
       <a:buFont typeface="Arial"/>
-      <a:defRPr b="0" i="0" sz="1400" u="none" cap="none" strike="noStrike">
+      <a:defRPr sz="1400" b="0" i="0" u="none" strike="noStrike" cap="none">
         <a:solidFill>
           <a:srgbClr val="000000"/>
         </a:solidFill>
@@ -630,7 +646,7 @@
         <a:sym typeface="Arial"/>
       </a:defRPr>
     </a:lvl6pPr>
-    <a:lvl7pPr lvl="6" marR="0" rtl="0" algn="l">
+    <a:lvl7pPr marR="0" lvl="6" algn="l" rtl="0">
       <a:lnSpc>
         <a:spcPct val="100000"/>
       </a:lnSpc>
@@ -644,7 +660,7 @@
         <a:srgbClr val="000000"/>
       </a:buClr>
       <a:buFont typeface="Arial"/>
-      <a:defRPr b="0" i="0" sz="1400" u="none" cap="none" strike="noStrike">
+      <a:defRPr sz="1400" b="0" i="0" u="none" strike="noStrike" cap="none">
         <a:solidFill>
           <a:srgbClr val="000000"/>
         </a:solidFill>
@@ -654,7 +670,7 @@
         <a:sym typeface="Arial"/>
       </a:defRPr>
     </a:lvl7pPr>
-    <a:lvl8pPr lvl="7" marR="0" rtl="0" algn="l">
+    <a:lvl8pPr marR="0" lvl="7" algn="l" rtl="0">
       <a:lnSpc>
         <a:spcPct val="100000"/>
       </a:lnSpc>
@@ -668,7 +684,7 @@
         <a:srgbClr val="000000"/>
       </a:buClr>
       <a:buFont typeface="Arial"/>
-      <a:defRPr b="0" i="0" sz="1400" u="none" cap="none" strike="noStrike">
+      <a:defRPr sz="1400" b="0" i="0" u="none" strike="noStrike" cap="none">
         <a:solidFill>
           <a:srgbClr val="000000"/>
         </a:solidFill>
@@ -678,7 +694,7 @@
         <a:sym typeface="Arial"/>
       </a:defRPr>
     </a:lvl8pPr>
-    <a:lvl9pPr lvl="8" marR="0" rtl="0" algn="l">
+    <a:lvl9pPr marR="0" lvl="8" algn="l" rtl="0">
       <a:lnSpc>
         <a:spcPct val="100000"/>
       </a:lnSpc>
@@ -692,7 +708,7 @@
         <a:srgbClr val="000000"/>
       </a:buClr>
       <a:buFont typeface="Arial"/>
-      <a:defRPr b="0" i="0" sz="1400" u="none" cap="none" strike="noStrike">
+      <a:defRPr sz="1400" b="0" i="0" u="none" strike="noStrike" cap="none">
         <a:solidFill>
           <a:srgbClr val="000000"/>
         </a:solidFill>
@@ -707,11 +723,11 @@
 </file>
 
 <file path=ppt/notesSlides/notesSlide1.xml><?xml version="1.0" encoding="utf-8"?>
-<p:notes xmlns:a="http://schemas.openxmlformats.org/drawingml/2006/main" xmlns:r="http://schemas.openxmlformats.org/officeDocument/2006/relationships" xmlns:mc="http://schemas.openxmlformats.org/markup-compatibility/2006" xmlns:mv="urn:schemas-microsoft-com:mac:vml" xmlns:p="http://schemas.openxmlformats.org/presentationml/2006/main" xmlns:c="http://schemas.openxmlformats.org/drawingml/2006/chart" xmlns:dgm="http://schemas.openxmlformats.org/drawingml/2006/diagram" xmlns:o="urn:schemas-microsoft-com:office:office" xmlns:v="urn:schemas-microsoft-com:vml" xmlns:pvml="urn:schemas-microsoft-com:office:powerpoint" xmlns:com="http://schemas.openxmlformats.org/drawingml/2006/compatibility" xmlns:p14="http://schemas.microsoft.com/office/powerpoint/2010/main" xmlns:p15="http://schemas.microsoft.com/office/powerpoint/2012/main" xmlns:ahyp="http://schemas.microsoft.com/office/drawing/2018/hyperlinkcolor" showMasterPhAnim="0" showMasterSp="0">
+<p:notes xmlns:a="http://schemas.openxmlformats.org/drawingml/2006/main" xmlns:r="http://schemas.openxmlformats.org/officeDocument/2006/relationships" xmlns:p="http://schemas.openxmlformats.org/presentationml/2006/main" showMasterSp="0" showMasterPhAnim="0">
   <p:cSld>
     <p:spTree>
       <p:nvGrpSpPr>
-        <p:cNvPr id="130" name="Shape 130"/>
+        <p:cNvPr id="1" name="Shape 130"/>
         <p:cNvGrpSpPr/>
         <p:nvPr/>
       </p:nvGrpSpPr>
@@ -726,9 +742,11 @@
       <p:sp>
         <p:nvSpPr>
           <p:cNvPr id="131" name="Google Shape;131;p:notes"/>
-          <p:cNvSpPr/>
+          <p:cNvSpPr>
+            <a:spLocks noGrp="1" noRot="1" noChangeAspect="1"/>
+          </p:cNvSpPr>
           <p:nvPr>
-            <p:ph idx="2" type="sldImg"/>
+            <p:ph type="sldImg" idx="2"/>
           </p:nvPr>
         </p:nvSpPr>
         <p:spPr>
@@ -737,9 +755,13 @@
             <a:ext cx="6096075" cy="3429000"/>
           </a:xfrm>
           <a:custGeom>
-            <a:rect b="b" l="l" r="r" t="t"/>
+            <a:avLst/>
+            <a:gdLst/>
+            <a:ahLst/>
+            <a:cxnLst/>
+            <a:rect l="l" t="t" r="r" b="b"/>
             <a:pathLst>
-              <a:path extrusionOk="0" h="120000" w="120000">
+              <a:path w="120000" h="120000" extrusionOk="0">
                 <a:moveTo>
                   <a:pt x="0" y="0"/>
                 </a:moveTo>
@@ -761,9 +783,11 @@
       <p:sp>
         <p:nvSpPr>
           <p:cNvPr id="132" name="Google Shape;132;p:notes"/>
-          <p:cNvSpPr txBox="1"/>
+          <p:cNvSpPr txBox="1">
+            <a:spLocks noGrp="1"/>
+          </p:cNvSpPr>
           <p:nvPr>
-            <p:ph idx="1" type="body"/>
+            <p:ph type="body" idx="1"/>
           </p:nvPr>
         </p:nvSpPr>
         <p:spPr>
@@ -776,12 +800,12 @@
           </a:prstGeom>
         </p:spPr>
         <p:txBody>
-          <a:bodyPr anchorCtr="0" anchor="t" bIns="91425" lIns="91425" spcFirstLastPara="1" rIns="91425" wrap="square" tIns="91425">
+          <a:bodyPr spcFirstLastPara="1" wrap="square" lIns="91425" tIns="91425" rIns="91425" bIns="91425" anchor="t" anchorCtr="0">
             <a:noAutofit/>
           </a:bodyPr>
           <a:lstStyle/>
           <a:p>
-            <a:pPr indent="0" lvl="0" marL="0" rtl="0" algn="l">
+            <a:pPr marL="0" lvl="0" indent="0" algn="l" rtl="0">
               <a:spcBef>
                 <a:spcPts val="0"/>
               </a:spcBef>
@@ -790,9 +814,6 @@
               </a:spcAft>
               <a:buNone/>
             </a:pPr>
-            <a:r>
-              <a:t/>
-            </a:r>
             <a:endParaRPr/>
           </a:p>
         </p:txBody>
@@ -806,11 +827,11 @@
 </file>
 
 <file path=ppt/notesSlides/notesSlide2.xml><?xml version="1.0" encoding="utf-8"?>
-<p:notes xmlns:a="http://schemas.openxmlformats.org/drawingml/2006/main" xmlns:r="http://schemas.openxmlformats.org/officeDocument/2006/relationships" xmlns:mc="http://schemas.openxmlformats.org/markup-compatibility/2006" xmlns:mv="urn:schemas-microsoft-com:mac:vml" xmlns:p="http://schemas.openxmlformats.org/presentationml/2006/main" xmlns:c="http://schemas.openxmlformats.org/drawingml/2006/chart" xmlns:dgm="http://schemas.openxmlformats.org/drawingml/2006/diagram" xmlns:o="urn:schemas-microsoft-com:office:office" xmlns:v="urn:schemas-microsoft-com:vml" xmlns:pvml="urn:schemas-microsoft-com:office:powerpoint" xmlns:com="http://schemas.openxmlformats.org/drawingml/2006/compatibility" xmlns:p14="http://schemas.microsoft.com/office/powerpoint/2010/main" xmlns:p15="http://schemas.microsoft.com/office/powerpoint/2012/main" xmlns:ahyp="http://schemas.microsoft.com/office/drawing/2018/hyperlinkcolor" showMasterPhAnim="0" showMasterSp="0">
+<p:notes xmlns:a="http://schemas.openxmlformats.org/drawingml/2006/main" xmlns:r="http://schemas.openxmlformats.org/officeDocument/2006/relationships" xmlns:p="http://schemas.openxmlformats.org/presentationml/2006/main" showMasterSp="0" showMasterPhAnim="0">
   <p:cSld>
     <p:spTree>
       <p:nvGrpSpPr>
-        <p:cNvPr id="136" name="Shape 136"/>
+        <p:cNvPr id="1" name="Shape 136"/>
         <p:cNvGrpSpPr/>
         <p:nvPr/>
       </p:nvGrpSpPr>
@@ -825,9 +846,11 @@
       <p:sp>
         <p:nvSpPr>
           <p:cNvPr id="137" name="Google Shape;137;g22c67d05213_0_125:notes"/>
-          <p:cNvSpPr/>
+          <p:cNvSpPr>
+            <a:spLocks noGrp="1" noRot="1" noChangeAspect="1"/>
+          </p:cNvSpPr>
           <p:nvPr>
-            <p:ph idx="2" type="sldImg"/>
+            <p:ph type="sldImg" idx="2"/>
           </p:nvPr>
         </p:nvSpPr>
         <p:spPr>
@@ -836,9 +859,13 @@
             <a:ext cx="6096000" cy="3429000"/>
           </a:xfrm>
           <a:custGeom>
-            <a:rect b="b" l="l" r="r" t="t"/>
+            <a:avLst/>
+            <a:gdLst/>
+            <a:ahLst/>
+            <a:cxnLst/>
+            <a:rect l="l" t="t" r="r" b="b"/>
             <a:pathLst>
-              <a:path extrusionOk="0" h="120000" w="120000">
+              <a:path w="120000" h="120000" extrusionOk="0">
                 <a:moveTo>
                   <a:pt x="0" y="0"/>
                 </a:moveTo>
@@ -860,9 +887,11 @@
       <p:sp>
         <p:nvSpPr>
           <p:cNvPr id="138" name="Google Shape;138;g22c67d05213_0_125:notes"/>
-          <p:cNvSpPr txBox="1"/>
+          <p:cNvSpPr txBox="1">
+            <a:spLocks noGrp="1"/>
+          </p:cNvSpPr>
           <p:nvPr>
-            <p:ph idx="1" type="body"/>
+            <p:ph type="body" idx="1"/>
           </p:nvPr>
         </p:nvSpPr>
         <p:spPr>
@@ -875,12 +904,12 @@
           </a:prstGeom>
         </p:spPr>
         <p:txBody>
-          <a:bodyPr anchorCtr="0" anchor="t" bIns="91425" lIns="91425" spcFirstLastPara="1" rIns="91425" wrap="square" tIns="91425">
+          <a:bodyPr spcFirstLastPara="1" wrap="square" lIns="91425" tIns="91425" rIns="91425" bIns="91425" anchor="t" anchorCtr="0">
             <a:noAutofit/>
           </a:bodyPr>
           <a:lstStyle/>
           <a:p>
-            <a:pPr indent="0" lvl="0" marL="0" rtl="0" algn="l">
+            <a:pPr marL="0" lvl="0" indent="0" algn="l" rtl="0">
               <a:spcBef>
                 <a:spcPts val="0"/>
               </a:spcBef>
@@ -889,9 +918,6 @@
               </a:spcAft>
               <a:buNone/>
             </a:pPr>
-            <a:r>
-              <a:t/>
-            </a:r>
             <a:endParaRPr/>
           </a:p>
         </p:txBody>
@@ -905,11 +931,11 @@
 </file>
 
 <file path=ppt/notesSlides/notesSlide3.xml><?xml version="1.0" encoding="utf-8"?>
-<p:notes xmlns:a="http://schemas.openxmlformats.org/drawingml/2006/main" xmlns:r="http://schemas.openxmlformats.org/officeDocument/2006/relationships" xmlns:mc="http://schemas.openxmlformats.org/markup-compatibility/2006" xmlns:mv="urn:schemas-microsoft-com:mac:vml" xmlns:p="http://schemas.openxmlformats.org/presentationml/2006/main" xmlns:c="http://schemas.openxmlformats.org/drawingml/2006/chart" xmlns:dgm="http://schemas.openxmlformats.org/drawingml/2006/diagram" xmlns:o="urn:schemas-microsoft-com:office:office" xmlns:v="urn:schemas-microsoft-com:vml" xmlns:pvml="urn:schemas-microsoft-com:office:powerpoint" xmlns:com="http://schemas.openxmlformats.org/drawingml/2006/compatibility" xmlns:p14="http://schemas.microsoft.com/office/powerpoint/2010/main" xmlns:p15="http://schemas.microsoft.com/office/powerpoint/2012/main" xmlns:ahyp="http://schemas.microsoft.com/office/drawing/2018/hyperlinkcolor" showMasterPhAnim="0" showMasterSp="0">
+<p:notes xmlns:a="http://schemas.openxmlformats.org/drawingml/2006/main" xmlns:r="http://schemas.openxmlformats.org/officeDocument/2006/relationships" xmlns:p="http://schemas.openxmlformats.org/presentationml/2006/main" showMasterSp="0" showMasterPhAnim="0">
   <p:cSld>
     <p:spTree>
       <p:nvGrpSpPr>
-        <p:cNvPr id="144" name="Shape 144"/>
+        <p:cNvPr id="1" name="Shape 144"/>
         <p:cNvGrpSpPr/>
         <p:nvPr/>
       </p:nvGrpSpPr>
@@ -924,20 +950,26 @@
       <p:sp>
         <p:nvSpPr>
           <p:cNvPr id="145" name="Google Shape;145;g22c67d05213_0_130:notes"/>
-          <p:cNvSpPr/>
+          <p:cNvSpPr>
+            <a:spLocks noGrp="1" noRot="1" noChangeAspect="1"/>
+          </p:cNvSpPr>
           <p:nvPr>
-            <p:ph idx="2" type="sldImg"/>
+            <p:ph type="sldImg" idx="2"/>
           </p:nvPr>
         </p:nvSpPr>
         <p:spPr>
           <a:xfrm>
-            <a:off x="381300" y="685800"/>
+            <a:off x="381000" y="685800"/>
             <a:ext cx="6096000" cy="3429000"/>
           </a:xfrm>
           <a:custGeom>
-            <a:rect b="b" l="l" r="r" t="t"/>
+            <a:avLst/>
+            <a:gdLst/>
+            <a:ahLst/>
+            <a:cxnLst/>
+            <a:rect l="l" t="t" r="r" b="b"/>
             <a:pathLst>
-              <a:path extrusionOk="0" h="120000" w="120000">
+              <a:path w="120000" h="120000" extrusionOk="0">
                 <a:moveTo>
                   <a:pt x="0" y="0"/>
                 </a:moveTo>
@@ -959,9 +991,11 @@
       <p:sp>
         <p:nvSpPr>
           <p:cNvPr id="146" name="Google Shape;146;g22c67d05213_0_130:notes"/>
-          <p:cNvSpPr txBox="1"/>
+          <p:cNvSpPr txBox="1">
+            <a:spLocks noGrp="1"/>
+          </p:cNvSpPr>
           <p:nvPr>
-            <p:ph idx="1" type="body"/>
+            <p:ph type="body" idx="1"/>
           </p:nvPr>
         </p:nvSpPr>
         <p:spPr>
@@ -974,12 +1008,12 @@
           </a:prstGeom>
         </p:spPr>
         <p:txBody>
-          <a:bodyPr anchorCtr="0" anchor="t" bIns="91425" lIns="91425" spcFirstLastPara="1" rIns="91425" wrap="square" tIns="91425">
+          <a:bodyPr spcFirstLastPara="1" wrap="square" lIns="91425" tIns="91425" rIns="91425" bIns="91425" anchor="t" anchorCtr="0">
             <a:noAutofit/>
           </a:bodyPr>
           <a:lstStyle/>
           <a:p>
-            <a:pPr indent="0" lvl="0" marL="0" rtl="0" algn="l">
+            <a:pPr marL="0" lvl="0" indent="0" algn="l" rtl="0">
               <a:spcBef>
                 <a:spcPts val="0"/>
               </a:spcBef>
@@ -988,9 +1022,6 @@
               </a:spcAft>
               <a:buNone/>
             </a:pPr>
-            <a:r>
-              <a:t/>
-            </a:r>
             <a:endParaRPr/>
           </a:p>
         </p:txBody>
@@ -1004,11 +1035,11 @@
 </file>
 
 <file path=ppt/notesSlides/notesSlide4.xml><?xml version="1.0" encoding="utf-8"?>
-<p:notes xmlns:a="http://schemas.openxmlformats.org/drawingml/2006/main" xmlns:r="http://schemas.openxmlformats.org/officeDocument/2006/relationships" xmlns:mc="http://schemas.openxmlformats.org/markup-compatibility/2006" xmlns:mv="urn:schemas-microsoft-com:mac:vml" xmlns:p="http://schemas.openxmlformats.org/presentationml/2006/main" xmlns:c="http://schemas.openxmlformats.org/drawingml/2006/chart" xmlns:dgm="http://schemas.openxmlformats.org/drawingml/2006/diagram" xmlns:o="urn:schemas-microsoft-com:office:office" xmlns:v="urn:schemas-microsoft-com:vml" xmlns:pvml="urn:schemas-microsoft-com:office:powerpoint" xmlns:com="http://schemas.openxmlformats.org/drawingml/2006/compatibility" xmlns:p14="http://schemas.microsoft.com/office/powerpoint/2010/main" xmlns:p15="http://schemas.microsoft.com/office/powerpoint/2012/main" xmlns:ahyp="http://schemas.microsoft.com/office/drawing/2018/hyperlinkcolor" showMasterPhAnim="0" showMasterSp="0">
+<p:notes xmlns:a="http://schemas.openxmlformats.org/drawingml/2006/main" xmlns:r="http://schemas.openxmlformats.org/officeDocument/2006/relationships" xmlns:p="http://schemas.openxmlformats.org/presentationml/2006/main" showMasterSp="0" showMasterPhAnim="0">
   <p:cSld>
     <p:spTree>
       <p:nvGrpSpPr>
-        <p:cNvPr id="150" name="Shape 150"/>
+        <p:cNvPr id="1" name="Shape 150"/>
         <p:cNvGrpSpPr/>
         <p:nvPr/>
       </p:nvGrpSpPr>
@@ -1023,9 +1054,11 @@
       <p:sp>
         <p:nvSpPr>
           <p:cNvPr id="151" name="Google Shape;151;g22c67d05213_0_135:notes"/>
-          <p:cNvSpPr/>
+          <p:cNvSpPr>
+            <a:spLocks noGrp="1" noRot="1" noChangeAspect="1"/>
+          </p:cNvSpPr>
           <p:nvPr>
-            <p:ph idx="2" type="sldImg"/>
+            <p:ph type="sldImg" idx="2"/>
           </p:nvPr>
         </p:nvSpPr>
         <p:spPr>
@@ -1034,9 +1067,13 @@
             <a:ext cx="6096000" cy="3429000"/>
           </a:xfrm>
           <a:custGeom>
-            <a:rect b="b" l="l" r="r" t="t"/>
+            <a:avLst/>
+            <a:gdLst/>
+            <a:ahLst/>
+            <a:cxnLst/>
+            <a:rect l="l" t="t" r="r" b="b"/>
             <a:pathLst>
-              <a:path extrusionOk="0" h="120000" w="120000">
+              <a:path w="120000" h="120000" extrusionOk="0">
                 <a:moveTo>
                   <a:pt x="0" y="0"/>
                 </a:moveTo>
@@ -1058,9 +1095,11 @@
       <p:sp>
         <p:nvSpPr>
           <p:cNvPr id="152" name="Google Shape;152;g22c67d05213_0_135:notes"/>
-          <p:cNvSpPr txBox="1"/>
+          <p:cNvSpPr txBox="1">
+            <a:spLocks noGrp="1"/>
+          </p:cNvSpPr>
           <p:nvPr>
-            <p:ph idx="1" type="body"/>
+            <p:ph type="body" idx="1"/>
           </p:nvPr>
         </p:nvSpPr>
         <p:spPr>
@@ -1073,12 +1112,12 @@
           </a:prstGeom>
         </p:spPr>
         <p:txBody>
-          <a:bodyPr anchorCtr="0" anchor="t" bIns="91425" lIns="91425" spcFirstLastPara="1" rIns="91425" wrap="square" tIns="91425">
+          <a:bodyPr spcFirstLastPara="1" wrap="square" lIns="91425" tIns="91425" rIns="91425" bIns="91425" anchor="t" anchorCtr="0">
             <a:noAutofit/>
           </a:bodyPr>
           <a:lstStyle/>
           <a:p>
-            <a:pPr indent="0" lvl="0" marL="0" rtl="0" algn="l">
+            <a:pPr marL="0" lvl="0" indent="0" algn="l" rtl="0">
               <a:spcBef>
                 <a:spcPts val="0"/>
               </a:spcBef>
@@ -1087,9 +1126,6 @@
               </a:spcAft>
               <a:buNone/>
             </a:pPr>
-            <a:r>
-              <a:t/>
-            </a:r>
             <a:endParaRPr/>
           </a:p>
         </p:txBody>
@@ -1103,11 +1139,11 @@
 </file>
 
 <file path=ppt/notesSlides/notesSlide5.xml><?xml version="1.0" encoding="utf-8"?>
-<p:notes xmlns:a="http://schemas.openxmlformats.org/drawingml/2006/main" xmlns:r="http://schemas.openxmlformats.org/officeDocument/2006/relationships" xmlns:mc="http://schemas.openxmlformats.org/markup-compatibility/2006" xmlns:mv="urn:schemas-microsoft-com:mac:vml" xmlns:p="http://schemas.openxmlformats.org/presentationml/2006/main" xmlns:c="http://schemas.openxmlformats.org/drawingml/2006/chart" xmlns:dgm="http://schemas.openxmlformats.org/drawingml/2006/diagram" xmlns:o="urn:schemas-microsoft-com:office:office" xmlns:v="urn:schemas-microsoft-com:vml" xmlns:pvml="urn:schemas-microsoft-com:office:powerpoint" xmlns:com="http://schemas.openxmlformats.org/drawingml/2006/compatibility" xmlns:p14="http://schemas.microsoft.com/office/powerpoint/2010/main" xmlns:p15="http://schemas.microsoft.com/office/powerpoint/2012/main" xmlns:ahyp="http://schemas.microsoft.com/office/drawing/2018/hyperlinkcolor" showMasterPhAnim="0" showMasterSp="0">
+<p:notes xmlns:a="http://schemas.openxmlformats.org/drawingml/2006/main" xmlns:r="http://schemas.openxmlformats.org/officeDocument/2006/relationships" xmlns:p="http://schemas.openxmlformats.org/presentationml/2006/main" showMasterSp="0" showMasterPhAnim="0">
   <p:cSld>
     <p:spTree>
       <p:nvGrpSpPr>
-        <p:cNvPr id="156" name="Shape 156"/>
+        <p:cNvPr id="1" name="Shape 159"/>
         <p:cNvGrpSpPr/>
         <p:nvPr/>
       </p:nvGrpSpPr>
@@ -1121,10 +1157,12 @@
       </p:grpSpPr>
       <p:sp>
         <p:nvSpPr>
-          <p:cNvPr id="157" name="Google Shape;157;g22c67d05213_0_140:notes"/>
-          <p:cNvSpPr/>
+          <p:cNvPr id="160" name="Google Shape;160;g22c67d05213_0_140:notes"/>
+          <p:cNvSpPr>
+            <a:spLocks noGrp="1" noRot="1" noChangeAspect="1"/>
+          </p:cNvSpPr>
           <p:nvPr>
-            <p:ph idx="2" type="sldImg"/>
+            <p:ph type="sldImg" idx="2"/>
           </p:nvPr>
         </p:nvSpPr>
         <p:spPr>
@@ -1133,9 +1171,13 @@
             <a:ext cx="6096000" cy="3429000"/>
           </a:xfrm>
           <a:custGeom>
-            <a:rect b="b" l="l" r="r" t="t"/>
+            <a:avLst/>
+            <a:gdLst/>
+            <a:ahLst/>
+            <a:cxnLst/>
+            <a:rect l="l" t="t" r="r" b="b"/>
             <a:pathLst>
-              <a:path extrusionOk="0" h="120000" w="120000">
+              <a:path w="120000" h="120000" extrusionOk="0">
                 <a:moveTo>
                   <a:pt x="0" y="0"/>
                 </a:moveTo>
@@ -1156,10 +1198,12 @@
       </p:sp>
       <p:sp>
         <p:nvSpPr>
-          <p:cNvPr id="158" name="Google Shape;158;g22c67d05213_0_140:notes"/>
-          <p:cNvSpPr txBox="1"/>
+          <p:cNvPr id="161" name="Google Shape;161;g22c67d05213_0_140:notes"/>
+          <p:cNvSpPr txBox="1">
+            <a:spLocks noGrp="1"/>
+          </p:cNvSpPr>
           <p:nvPr>
-            <p:ph idx="1" type="body"/>
+            <p:ph type="body" idx="1"/>
           </p:nvPr>
         </p:nvSpPr>
         <p:spPr>
@@ -1172,12 +1216,12 @@
           </a:prstGeom>
         </p:spPr>
         <p:txBody>
-          <a:bodyPr anchorCtr="0" anchor="t" bIns="91425" lIns="91425" spcFirstLastPara="1" rIns="91425" wrap="square" tIns="91425">
+          <a:bodyPr spcFirstLastPara="1" wrap="square" lIns="91425" tIns="91425" rIns="91425" bIns="91425" anchor="t" anchorCtr="0">
             <a:noAutofit/>
           </a:bodyPr>
           <a:lstStyle/>
           <a:p>
-            <a:pPr indent="0" lvl="0" marL="0" rtl="0" algn="l">
+            <a:pPr marL="0" lvl="0" indent="0" algn="l" rtl="0">
               <a:spcBef>
                 <a:spcPts val="0"/>
               </a:spcBef>
@@ -1186,9 +1230,6 @@
               </a:spcAft>
               <a:buNone/>
             </a:pPr>
-            <a:r>
-              <a:t/>
-            </a:r>
             <a:endParaRPr/>
           </a:p>
         </p:txBody>
@@ -1201,12 +1242,121 @@
 </p:notes>
 </file>
 
+<file path=ppt/notesSlides/notesSlide6.xml><?xml version="1.0" encoding="utf-8"?>
+<p:notes xmlns:a="http://schemas.openxmlformats.org/drawingml/2006/main" xmlns:r="http://schemas.openxmlformats.org/officeDocument/2006/relationships" xmlns:p="http://schemas.openxmlformats.org/presentationml/2006/main" showMasterSp="0" showMasterPhAnim="0">
+  <p:cSld>
+    <p:spTree>
+      <p:nvGrpSpPr>
+        <p:cNvPr id="1" name="Shape 159"/>
+        <p:cNvGrpSpPr/>
+        <p:nvPr/>
+      </p:nvGrpSpPr>
+      <p:grpSpPr>
+        <a:xfrm>
+          <a:off x="0" y="0"/>
+          <a:ext cx="0" cy="0"/>
+          <a:chOff x="0" y="0"/>
+          <a:chExt cx="0" cy="0"/>
+        </a:xfrm>
+      </p:grpSpPr>
+      <p:sp>
+        <p:nvSpPr>
+          <p:cNvPr id="160" name="Google Shape;160;g22c67d05213_0_140:notes"/>
+          <p:cNvSpPr>
+            <a:spLocks noGrp="1" noRot="1" noChangeAspect="1"/>
+          </p:cNvSpPr>
+          <p:nvPr>
+            <p:ph type="sldImg" idx="2"/>
+          </p:nvPr>
+        </p:nvSpPr>
+        <p:spPr>
+          <a:xfrm>
+            <a:off x="381000" y="685800"/>
+            <a:ext cx="6096000" cy="3429000"/>
+          </a:xfrm>
+          <a:custGeom>
+            <a:avLst/>
+            <a:gdLst/>
+            <a:ahLst/>
+            <a:cxnLst/>
+            <a:rect l="l" t="t" r="r" b="b"/>
+            <a:pathLst>
+              <a:path w="120000" h="120000" extrusionOk="0">
+                <a:moveTo>
+                  <a:pt x="0" y="0"/>
+                </a:moveTo>
+                <a:lnTo>
+                  <a:pt x="120000" y="0"/>
+                </a:lnTo>
+                <a:lnTo>
+                  <a:pt x="120000" y="120000"/>
+                </a:lnTo>
+                <a:lnTo>
+                  <a:pt x="0" y="120000"/>
+                </a:lnTo>
+                <a:close/>
+              </a:path>
+            </a:pathLst>
+          </a:custGeom>
+        </p:spPr>
+      </p:sp>
+      <p:sp>
+        <p:nvSpPr>
+          <p:cNvPr id="161" name="Google Shape;161;g22c67d05213_0_140:notes"/>
+          <p:cNvSpPr txBox="1">
+            <a:spLocks noGrp="1"/>
+          </p:cNvSpPr>
+          <p:nvPr>
+            <p:ph type="body" idx="1"/>
+          </p:nvPr>
+        </p:nvSpPr>
+        <p:spPr>
+          <a:xfrm>
+            <a:off x="685800" y="4343400"/>
+            <a:ext cx="5486400" cy="4114800"/>
+          </a:xfrm>
+          <a:prstGeom prst="rect">
+            <a:avLst/>
+          </a:prstGeom>
+        </p:spPr>
+        <p:txBody>
+          <a:bodyPr spcFirstLastPara="1" wrap="square" lIns="91425" tIns="91425" rIns="91425" bIns="91425" anchor="t" anchorCtr="0">
+            <a:noAutofit/>
+          </a:bodyPr>
+          <a:lstStyle/>
+          <a:p>
+            <a:pPr marL="0" lvl="0" indent="0" algn="l" rtl="0">
+              <a:spcBef>
+                <a:spcPts val="0"/>
+              </a:spcBef>
+              <a:spcAft>
+                <a:spcPts val="0"/>
+              </a:spcAft>
+              <a:buNone/>
+            </a:pPr>
+            <a:endParaRPr/>
+          </a:p>
+        </p:txBody>
+      </p:sp>
+    </p:spTree>
+    <p:extLst>
+      <p:ext uri="{BB962C8B-B14F-4D97-AF65-F5344CB8AC3E}">
+        <p14:creationId xmlns:p14="http://schemas.microsoft.com/office/powerpoint/2010/main" val="2514445294"/>
+      </p:ext>
+    </p:extLst>
+  </p:cSld>
+  <p:clrMapOvr>
+    <a:masterClrMapping/>
+  </p:clrMapOvr>
+</p:notes>
+</file>
+
 <file path=ppt/slideLayouts/slideLayout1.xml><?xml version="1.0" encoding="utf-8"?>
-<p:sldLayout xmlns:a="http://schemas.openxmlformats.org/drawingml/2006/main" xmlns:r="http://schemas.openxmlformats.org/officeDocument/2006/relationships" xmlns:mc="http://schemas.openxmlformats.org/markup-compatibility/2006" xmlns:mv="urn:schemas-microsoft-com:mac:vml" xmlns:p="http://schemas.openxmlformats.org/presentationml/2006/main" xmlns:c="http://schemas.openxmlformats.org/drawingml/2006/chart" xmlns:dgm="http://schemas.openxmlformats.org/drawingml/2006/diagram" xmlns:o="urn:schemas-microsoft-com:office:office" xmlns:v="urn:schemas-microsoft-com:vml" xmlns:pvml="urn:schemas-microsoft-com:office:powerpoint" xmlns:com="http://schemas.openxmlformats.org/drawingml/2006/compatibility" xmlns:p14="http://schemas.microsoft.com/office/powerpoint/2010/main" xmlns:p15="http://schemas.microsoft.com/office/powerpoint/2012/main" xmlns:ahyp="http://schemas.microsoft.com/office/drawing/2018/hyperlinkcolor" matchingName="Title slide" type="title">
+<p:sldLayout xmlns:a="http://schemas.openxmlformats.org/drawingml/2006/main" xmlns:r="http://schemas.openxmlformats.org/officeDocument/2006/relationships" xmlns:p="http://schemas.openxmlformats.org/presentationml/2006/main" matchingName="Title slide" type="title">
   <p:cSld name="TITLE">
     <p:spTree>
       <p:nvGrpSpPr>
-        <p:cNvPr id="9" name="Shape 9"/>
+        <p:cNvPr id="1" name="Shape 9"/>
         <p:cNvGrpSpPr/>
         <p:nvPr/>
       </p:nvGrpSpPr>
@@ -1231,7 +1381,7 @@
           </a:xfrm>
           <a:prstGeom prst="diagStripe">
             <a:avLst>
-              <a:gd fmla="val 0" name="adj"/>
+              <a:gd name="adj" fmla="val 0"/>
             </a:avLst>
           </a:prstGeom>
           <a:solidFill>
@@ -1244,12 +1394,12 @@
           </a:ln>
         </p:spPr>
         <p:txBody>
-          <a:bodyPr anchorCtr="0" anchor="ctr" bIns="91425" lIns="91425" spcFirstLastPara="1" rIns="91425" wrap="square" tIns="91425">
+          <a:bodyPr spcFirstLastPara="1" wrap="square" lIns="91425" tIns="91425" rIns="91425" bIns="91425" anchor="ctr" anchorCtr="0">
             <a:noAutofit/>
           </a:bodyPr>
           <a:lstStyle/>
           <a:p>
-            <a:pPr indent="0" lvl="0" marL="0" rtl="0" algn="l">
+            <a:pPr marL="0" lvl="0" indent="0" algn="l" rtl="0">
               <a:spcBef>
                 <a:spcPts val="0"/>
               </a:spcBef>
@@ -1258,9 +1408,6 @@
               </a:spcAft>
               <a:buNone/>
             </a:pPr>
-            <a:r>
-              <a:t/>
-            </a:r>
             <a:endParaRPr/>
           </a:p>
         </p:txBody>
@@ -1292,7 +1439,7 @@
             </a:xfrm>
             <a:prstGeom prst="diagStripe">
               <a:avLst>
-                <a:gd fmla="val 50000" name="adj"/>
+                <a:gd name="adj" fmla="val 50000"/>
               </a:avLst>
             </a:prstGeom>
             <a:solidFill>
@@ -1305,12 +1452,12 @@
             </a:ln>
           </p:spPr>
           <p:txBody>
-            <a:bodyPr anchorCtr="0" anchor="ctr" bIns="91425" lIns="91425" spcFirstLastPara="1" rIns="91425" wrap="square" tIns="91425">
+            <a:bodyPr spcFirstLastPara="1" wrap="square" lIns="91425" tIns="91425" rIns="91425" bIns="91425" anchor="ctr" anchorCtr="0">
               <a:noAutofit/>
             </a:bodyPr>
             <a:lstStyle/>
             <a:p>
-              <a:pPr indent="0" lvl="0" marL="0" rtl="0" algn="l">
+              <a:pPr marL="0" lvl="0" indent="0" algn="l" rtl="0">
                 <a:spcBef>
                   <a:spcPts val="0"/>
                 </a:spcBef>
@@ -1319,9 +1466,6 @@
                 </a:spcAft>
                 <a:buNone/>
               </a:pPr>
-              <a:r>
-                <a:t/>
-              </a:r>
               <a:endParaRPr/>
             </a:p>
           </p:txBody>
@@ -1339,7 +1483,7 @@
             </a:xfrm>
             <a:prstGeom prst="diagStripe">
               <a:avLst>
-                <a:gd fmla="val 58774" name="adj"/>
+                <a:gd name="adj" fmla="val 58774"/>
               </a:avLst>
             </a:prstGeom>
             <a:solidFill>
@@ -1352,12 +1496,12 @@
             </a:ln>
           </p:spPr>
           <p:txBody>
-            <a:bodyPr anchorCtr="0" anchor="ctr" bIns="91425" lIns="91425" spcFirstLastPara="1" rIns="91425" wrap="square" tIns="91425">
+            <a:bodyPr spcFirstLastPara="1" wrap="square" lIns="91425" tIns="91425" rIns="91425" bIns="91425" anchor="ctr" anchorCtr="0">
               <a:noAutofit/>
             </a:bodyPr>
             <a:lstStyle/>
             <a:p>
-              <a:pPr indent="0" lvl="0" marL="0" rtl="0" algn="l">
+              <a:pPr marL="0" lvl="0" indent="0" algn="l" rtl="0">
                 <a:spcBef>
                   <a:spcPts val="0"/>
                 </a:spcBef>
@@ -1366,9 +1510,6 @@
                 </a:spcAft>
                 <a:buNone/>
               </a:pPr>
-              <a:r>
-                <a:t/>
-              </a:r>
               <a:endParaRPr/>
             </a:p>
           </p:txBody>
@@ -1386,7 +1527,7 @@
             </a:xfrm>
             <a:prstGeom prst="diagStripe">
               <a:avLst>
-                <a:gd fmla="val 50000" name="adj"/>
+                <a:gd name="adj" fmla="val 50000"/>
               </a:avLst>
             </a:prstGeom>
             <a:solidFill>
@@ -1397,12 +1538,12 @@
             </a:ln>
           </p:spPr>
           <p:txBody>
-            <a:bodyPr anchorCtr="0" anchor="ctr" bIns="91425" lIns="91425" spcFirstLastPara="1" rIns="91425" wrap="square" tIns="91425">
+            <a:bodyPr spcFirstLastPara="1" wrap="square" lIns="91425" tIns="91425" rIns="91425" bIns="91425" anchor="ctr" anchorCtr="0">
               <a:noAutofit/>
             </a:bodyPr>
             <a:lstStyle/>
             <a:p>
-              <a:pPr indent="0" lvl="0" marL="0" rtl="0" algn="l">
+              <a:pPr marL="0" lvl="0" indent="0" algn="l" rtl="0">
                 <a:spcBef>
                   <a:spcPts val="0"/>
                 </a:spcBef>
@@ -1411,9 +1552,6 @@
                 </a:spcAft>
                 <a:buNone/>
               </a:pPr>
-              <a:r>
-                <a:t/>
-              </a:r>
               <a:endParaRPr/>
             </a:p>
           </p:txBody>
@@ -1431,7 +1569,7 @@
             </a:xfrm>
             <a:prstGeom prst="diagStripe">
               <a:avLst>
-                <a:gd fmla="val 50000" name="adj"/>
+                <a:gd name="adj" fmla="val 50000"/>
               </a:avLst>
             </a:prstGeom>
             <a:solidFill>
@@ -1442,12 +1580,12 @@
             </a:ln>
           </p:spPr>
           <p:txBody>
-            <a:bodyPr anchorCtr="0" anchor="ctr" bIns="91425" lIns="91425" spcFirstLastPara="1" rIns="91425" wrap="square" tIns="91425">
+            <a:bodyPr spcFirstLastPara="1" wrap="square" lIns="91425" tIns="91425" rIns="91425" bIns="91425" anchor="ctr" anchorCtr="0">
               <a:noAutofit/>
             </a:bodyPr>
             <a:lstStyle/>
             <a:p>
-              <a:pPr indent="0" lvl="0" marL="0" rtl="0" algn="l">
+              <a:pPr marL="0" lvl="0" indent="0" algn="l" rtl="0">
                 <a:spcBef>
                   <a:spcPts val="0"/>
                 </a:spcBef>
@@ -1456,9 +1594,6 @@
                 </a:spcAft>
                 <a:buNone/>
               </a:pPr>
-              <a:r>
-                <a:t/>
-              </a:r>
               <a:endParaRPr/>
             </a:p>
           </p:txBody>
@@ -1467,7 +1602,9 @@
       <p:sp>
         <p:nvSpPr>
           <p:cNvPr id="16" name="Google Shape;16;p2"/>
-          <p:cNvSpPr txBox="1"/>
+          <p:cNvSpPr txBox="1">
+            <a:spLocks noGrp="1"/>
+          </p:cNvSpPr>
           <p:nvPr>
             <p:ph type="ctrTitle"/>
           </p:nvPr>
@@ -1482,7 +1619,7 @@
           </a:prstGeom>
         </p:spPr>
         <p:txBody>
-          <a:bodyPr anchorCtr="0" anchor="t" bIns="91425" lIns="91425" spcFirstLastPara="1" rIns="91425" wrap="square" tIns="91425">
+          <a:bodyPr spcFirstLastPara="1" wrap="square" lIns="91425" tIns="91425" rIns="91425" bIns="91425" anchor="t" anchorCtr="0">
             <a:normAutofit/>
           </a:bodyPr>
           <a:lstStyle>
@@ -1586,15 +1723,19 @@
               <a:defRPr sz="4000"/>
             </a:lvl9pPr>
           </a:lstStyle>
-          <a:p/>
+          <a:p>
+            <a:endParaRPr/>
+          </a:p>
         </p:txBody>
       </p:sp>
       <p:sp>
         <p:nvSpPr>
           <p:cNvPr id="17" name="Google Shape;17;p2"/>
-          <p:cNvSpPr txBox="1"/>
+          <p:cNvSpPr txBox="1">
+            <a:spLocks noGrp="1"/>
+          </p:cNvSpPr>
           <p:nvPr>
-            <p:ph idx="1" type="subTitle"/>
+            <p:ph type="subTitle" idx="1"/>
           </p:nvPr>
         </p:nvSpPr>
         <p:spPr>
@@ -1607,7 +1748,7 @@
           </a:prstGeom>
         </p:spPr>
         <p:txBody>
-          <a:bodyPr anchorCtr="0" anchor="t" bIns="91425" lIns="91425" spcFirstLastPara="1" rIns="91425" wrap="square" tIns="91425">
+          <a:bodyPr spcFirstLastPara="1" wrap="square" lIns="91425" tIns="91425" rIns="91425" bIns="91425" anchor="t" anchorCtr="0">
             <a:normAutofit/>
           </a:bodyPr>
           <a:lstStyle>
@@ -1738,15 +1879,19 @@
               <a:defRPr sz="1300"/>
             </a:lvl9pPr>
           </a:lstStyle>
-          <a:p/>
+          <a:p>
+            <a:endParaRPr/>
+          </a:p>
         </p:txBody>
       </p:sp>
       <p:sp>
         <p:nvSpPr>
           <p:cNvPr id="18" name="Google Shape;18;p2"/>
-          <p:cNvSpPr txBox="1"/>
+          <p:cNvSpPr txBox="1">
+            <a:spLocks noGrp="1"/>
+          </p:cNvSpPr>
           <p:nvPr>
-            <p:ph idx="12" type="sldNum"/>
+            <p:ph type="sldNum" idx="12"/>
           </p:nvPr>
         </p:nvSpPr>
         <p:spPr>
@@ -1759,7 +1904,7 @@
           </a:prstGeom>
         </p:spPr>
         <p:txBody>
-          <a:bodyPr anchorCtr="0" anchor="ctr" bIns="91425" lIns="91425" spcFirstLastPara="1" rIns="91425" wrap="square" tIns="91425">
+          <a:bodyPr spcFirstLastPara="1" wrap="square" lIns="91425" tIns="91425" rIns="91425" bIns="91425" anchor="ctr" anchorCtr="0">
             <a:normAutofit/>
           </a:bodyPr>
           <a:lstStyle>
@@ -1801,7 +1946,7 @@
             </a:lvl9pPr>
           </a:lstStyle>
           <a:p>
-            <a:pPr indent="0" lvl="0" marL="0" rtl="0" algn="r">
+            <a:pPr marL="0" lvl="0" indent="0" algn="r" rtl="0">
               <a:spcBef>
                 <a:spcPts val="0"/>
               </a:spcBef>
@@ -1827,11 +1972,11 @@
 </file>
 
 <file path=ppt/slideLayouts/slideLayout10.xml><?xml version="1.0" encoding="utf-8"?>
-<p:sldLayout xmlns:a="http://schemas.openxmlformats.org/drawingml/2006/main" xmlns:r="http://schemas.openxmlformats.org/officeDocument/2006/relationships" xmlns:mc="http://schemas.openxmlformats.org/markup-compatibility/2006" xmlns:mv="urn:schemas-microsoft-com:mac:vml" xmlns:p="http://schemas.openxmlformats.org/presentationml/2006/main" xmlns:c="http://schemas.openxmlformats.org/drawingml/2006/chart" xmlns:dgm="http://schemas.openxmlformats.org/drawingml/2006/diagram" xmlns:o="urn:schemas-microsoft-com:office:office" xmlns:v="urn:schemas-microsoft-com:vml" xmlns:pvml="urn:schemas-microsoft-com:office:powerpoint" xmlns:com="http://schemas.openxmlformats.org/drawingml/2006/compatibility" xmlns:p14="http://schemas.microsoft.com/office/powerpoint/2010/main" xmlns:p15="http://schemas.microsoft.com/office/powerpoint/2012/main" xmlns:ahyp="http://schemas.microsoft.com/office/drawing/2018/hyperlinkcolor" matchingName="Big number">
+<p:sldLayout xmlns:a="http://schemas.openxmlformats.org/drawingml/2006/main" xmlns:r="http://schemas.openxmlformats.org/officeDocument/2006/relationships" xmlns:p="http://schemas.openxmlformats.org/presentationml/2006/main" matchingName="Big number">
   <p:cSld name="BIG_NUMBER">
     <p:spTree>
       <p:nvGrpSpPr>
-        <p:cNvPr id="105" name="Shape 105"/>
+        <p:cNvPr id="1" name="Shape 105"/>
         <p:cNvGrpSpPr/>
         <p:nvPr/>
       </p:nvGrpSpPr>
@@ -1870,7 +2015,7 @@
             </a:xfrm>
             <a:prstGeom prst="diagStripe">
               <a:avLst>
-                <a:gd fmla="val 49469" name="adj"/>
+                <a:gd name="adj" fmla="val 49469"/>
               </a:avLst>
             </a:prstGeom>
             <a:solidFill>
@@ -1883,12 +2028,12 @@
             </a:ln>
           </p:spPr>
           <p:txBody>
-            <a:bodyPr anchorCtr="0" anchor="ctr" bIns="91425" lIns="91425" spcFirstLastPara="1" rIns="91425" wrap="square" tIns="91425">
+            <a:bodyPr spcFirstLastPara="1" wrap="square" lIns="91425" tIns="91425" rIns="91425" bIns="91425" anchor="ctr" anchorCtr="0">
               <a:noAutofit/>
             </a:bodyPr>
             <a:lstStyle/>
             <a:p>
-              <a:pPr indent="0" lvl="0" marL="0" rtl="0" algn="l">
+              <a:pPr marL="0" lvl="0" indent="0" algn="l" rtl="0">
                 <a:spcBef>
                   <a:spcPts val="0"/>
                 </a:spcBef>
@@ -1897,9 +2042,6 @@
                 </a:spcAft>
                 <a:buNone/>
               </a:pPr>
-              <a:r>
-                <a:t/>
-              </a:r>
               <a:endParaRPr/>
             </a:p>
           </p:txBody>
@@ -1917,7 +2059,7 @@
             </a:xfrm>
             <a:prstGeom prst="diagStripe">
               <a:avLst>
-                <a:gd fmla="val 0" name="adj"/>
+                <a:gd name="adj" fmla="val 0"/>
               </a:avLst>
             </a:prstGeom>
             <a:solidFill>
@@ -1930,12 +2072,12 @@
             </a:ln>
           </p:spPr>
           <p:txBody>
-            <a:bodyPr anchorCtr="0" anchor="ctr" bIns="91425" lIns="91425" spcFirstLastPara="1" rIns="91425" wrap="square" tIns="91425">
+            <a:bodyPr spcFirstLastPara="1" wrap="square" lIns="91425" tIns="91425" rIns="91425" bIns="91425" anchor="ctr" anchorCtr="0">
               <a:noAutofit/>
             </a:bodyPr>
             <a:lstStyle/>
             <a:p>
-              <a:pPr indent="0" lvl="0" marL="0" rtl="0" algn="l">
+              <a:pPr marL="0" lvl="0" indent="0" algn="l" rtl="0">
                 <a:spcBef>
                   <a:spcPts val="0"/>
                 </a:spcBef>
@@ -1944,9 +2086,6 @@
                 </a:spcAft>
                 <a:buNone/>
               </a:pPr>
-              <a:r>
-                <a:t/>
-              </a:r>
               <a:endParaRPr/>
             </a:p>
           </p:txBody>
@@ -1964,7 +2103,7 @@
             </a:xfrm>
             <a:prstGeom prst="diagStripe">
               <a:avLst>
-                <a:gd fmla="val 50000" name="adj"/>
+                <a:gd name="adj" fmla="val 50000"/>
               </a:avLst>
             </a:prstGeom>
             <a:solidFill>
@@ -1977,12 +2116,12 @@
             </a:ln>
           </p:spPr>
           <p:txBody>
-            <a:bodyPr anchorCtr="0" anchor="ctr" bIns="91425" lIns="91425" spcFirstLastPara="1" rIns="91425" wrap="square" tIns="91425">
+            <a:bodyPr spcFirstLastPara="1" wrap="square" lIns="91425" tIns="91425" rIns="91425" bIns="91425" anchor="ctr" anchorCtr="0">
               <a:noAutofit/>
             </a:bodyPr>
             <a:lstStyle/>
             <a:p>
-              <a:pPr indent="0" lvl="0" marL="0" rtl="0" algn="l">
+              <a:pPr marL="0" lvl="0" indent="0" algn="l" rtl="0">
                 <a:spcBef>
                   <a:spcPts val="0"/>
                 </a:spcBef>
@@ -1991,9 +2130,6 @@
                 </a:spcAft>
                 <a:buNone/>
               </a:pPr>
-              <a:r>
-                <a:t/>
-              </a:r>
               <a:endParaRPr/>
             </a:p>
           </p:txBody>
@@ -2011,7 +2147,7 @@
             </a:xfrm>
             <a:prstGeom prst="diagStripe">
               <a:avLst>
-                <a:gd fmla="val 50000" name="adj"/>
+                <a:gd name="adj" fmla="val 50000"/>
               </a:avLst>
             </a:prstGeom>
             <a:solidFill>
@@ -2024,12 +2160,12 @@
             </a:ln>
           </p:spPr>
           <p:txBody>
-            <a:bodyPr anchorCtr="0" anchor="ctr" bIns="91425" lIns="91425" spcFirstLastPara="1" rIns="91425" wrap="square" tIns="91425">
+            <a:bodyPr spcFirstLastPara="1" wrap="square" lIns="91425" tIns="91425" rIns="91425" bIns="91425" anchor="ctr" anchorCtr="0">
               <a:noAutofit/>
             </a:bodyPr>
             <a:lstStyle/>
             <a:p>
-              <a:pPr indent="0" lvl="0" marL="0" rtl="0" algn="l">
+              <a:pPr marL="0" lvl="0" indent="0" algn="l" rtl="0">
                 <a:spcBef>
                   <a:spcPts val="0"/>
                 </a:spcBef>
@@ -2038,9 +2174,6 @@
                 </a:spcAft>
                 <a:buNone/>
               </a:pPr>
-              <a:r>
-                <a:t/>
-              </a:r>
               <a:endParaRPr/>
             </a:p>
           </p:txBody>
@@ -2058,7 +2191,7 @@
             </a:xfrm>
             <a:prstGeom prst="diagStripe">
               <a:avLst>
-                <a:gd fmla="val 50000" name="adj"/>
+                <a:gd name="adj" fmla="val 50000"/>
               </a:avLst>
             </a:prstGeom>
             <a:solidFill>
@@ -2071,12 +2204,12 @@
             </a:ln>
           </p:spPr>
           <p:txBody>
-            <a:bodyPr anchorCtr="0" anchor="ctr" bIns="91425" lIns="91425" spcFirstLastPara="1" rIns="91425" wrap="square" tIns="91425">
+            <a:bodyPr spcFirstLastPara="1" wrap="square" lIns="91425" tIns="91425" rIns="91425" bIns="91425" anchor="ctr" anchorCtr="0">
               <a:noAutofit/>
             </a:bodyPr>
             <a:lstStyle/>
             <a:p>
-              <a:pPr indent="0" lvl="0" marL="0" rtl="0" algn="l">
+              <a:pPr marL="0" lvl="0" indent="0" algn="l" rtl="0">
                 <a:spcBef>
                   <a:spcPts val="0"/>
                 </a:spcBef>
@@ -2085,9 +2218,6 @@
                 </a:spcAft>
                 <a:buNone/>
               </a:pPr>
-              <a:r>
-                <a:t/>
-              </a:r>
               <a:endParaRPr/>
             </a:p>
           </p:txBody>
@@ -2105,7 +2235,7 @@
             </a:xfrm>
             <a:prstGeom prst="diagStripe">
               <a:avLst>
-                <a:gd fmla="val 50000" name="adj"/>
+                <a:gd name="adj" fmla="val 50000"/>
               </a:avLst>
             </a:prstGeom>
             <a:solidFill>
@@ -2118,12 +2248,12 @@
             </a:ln>
           </p:spPr>
           <p:txBody>
-            <a:bodyPr anchorCtr="0" anchor="ctr" bIns="91425" lIns="91425" spcFirstLastPara="1" rIns="91425" wrap="square" tIns="91425">
+            <a:bodyPr spcFirstLastPara="1" wrap="square" lIns="91425" tIns="91425" rIns="91425" bIns="91425" anchor="ctr" anchorCtr="0">
               <a:noAutofit/>
             </a:bodyPr>
             <a:lstStyle/>
             <a:p>
-              <a:pPr indent="0" lvl="0" marL="0" rtl="0" algn="l">
+              <a:pPr marL="0" lvl="0" indent="0" algn="l" rtl="0">
                 <a:spcBef>
                   <a:spcPts val="0"/>
                 </a:spcBef>
@@ -2132,9 +2262,6 @@
                 </a:spcAft>
                 <a:buNone/>
               </a:pPr>
-              <a:r>
-                <a:t/>
-              </a:r>
               <a:endParaRPr/>
             </a:p>
           </p:txBody>
@@ -2152,7 +2279,7 @@
             </a:xfrm>
             <a:prstGeom prst="diagStripe">
               <a:avLst>
-                <a:gd fmla="val 50000" name="adj"/>
+                <a:gd name="adj" fmla="val 50000"/>
               </a:avLst>
             </a:prstGeom>
             <a:solidFill>
@@ -2165,12 +2292,12 @@
             </a:ln>
           </p:spPr>
           <p:txBody>
-            <a:bodyPr anchorCtr="0" anchor="ctr" bIns="91425" lIns="91425" spcFirstLastPara="1" rIns="91425" wrap="square" tIns="91425">
+            <a:bodyPr spcFirstLastPara="1" wrap="square" lIns="91425" tIns="91425" rIns="91425" bIns="91425" anchor="ctr" anchorCtr="0">
               <a:noAutofit/>
             </a:bodyPr>
             <a:lstStyle/>
             <a:p>
-              <a:pPr indent="0" lvl="0" marL="0" rtl="0" algn="l">
+              <a:pPr marL="0" lvl="0" indent="0" algn="l" rtl="0">
                 <a:spcBef>
                   <a:spcPts val="0"/>
                 </a:spcBef>
@@ -2179,9 +2306,6 @@
                 </a:spcAft>
                 <a:buNone/>
               </a:pPr>
-              <a:r>
-                <a:t/>
-              </a:r>
               <a:endParaRPr/>
             </a:p>
           </p:txBody>
@@ -2199,7 +2323,7 @@
             </a:xfrm>
             <a:prstGeom prst="diagStripe">
               <a:avLst>
-                <a:gd fmla="val 50000" name="adj"/>
+                <a:gd name="adj" fmla="val 50000"/>
               </a:avLst>
             </a:prstGeom>
             <a:solidFill>
@@ -2210,12 +2334,12 @@
             </a:ln>
           </p:spPr>
           <p:txBody>
-            <a:bodyPr anchorCtr="0" anchor="ctr" bIns="91425" lIns="91425" spcFirstLastPara="1" rIns="91425" wrap="square" tIns="91425">
+            <a:bodyPr spcFirstLastPara="1" wrap="square" lIns="91425" tIns="91425" rIns="91425" bIns="91425" anchor="ctr" anchorCtr="0">
               <a:noAutofit/>
             </a:bodyPr>
             <a:lstStyle/>
             <a:p>
-              <a:pPr indent="0" lvl="0" marL="0" rtl="0" algn="l">
+              <a:pPr marL="0" lvl="0" indent="0" algn="l" rtl="0">
                 <a:spcBef>
                   <a:spcPts val="0"/>
                 </a:spcBef>
@@ -2224,9 +2348,6 @@
                 </a:spcAft>
                 <a:buNone/>
               </a:pPr>
-              <a:r>
-                <a:t/>
-              </a:r>
               <a:endParaRPr/>
             </a:p>
           </p:txBody>
@@ -2244,7 +2365,7 @@
             </a:xfrm>
             <a:prstGeom prst="diagStripe">
               <a:avLst>
-                <a:gd fmla="val 50000" name="adj"/>
+                <a:gd name="adj" fmla="val 50000"/>
               </a:avLst>
             </a:prstGeom>
             <a:solidFill>
@@ -2257,12 +2378,12 @@
             </a:ln>
           </p:spPr>
           <p:txBody>
-            <a:bodyPr anchorCtr="0" anchor="ctr" bIns="91425" lIns="91425" spcFirstLastPara="1" rIns="91425" wrap="square" tIns="91425">
+            <a:bodyPr spcFirstLastPara="1" wrap="square" lIns="91425" tIns="91425" rIns="91425" bIns="91425" anchor="ctr" anchorCtr="0">
               <a:noAutofit/>
             </a:bodyPr>
             <a:lstStyle/>
             <a:p>
-              <a:pPr indent="0" lvl="0" marL="0" rtl="0" algn="l">
+              <a:pPr marL="0" lvl="0" indent="0" algn="l" rtl="0">
                 <a:spcBef>
                   <a:spcPts val="0"/>
                 </a:spcBef>
@@ -2271,9 +2392,6 @@
                 </a:spcAft>
                 <a:buNone/>
               </a:pPr>
-              <a:r>
-                <a:t/>
-              </a:r>
               <a:endParaRPr/>
             </a:p>
           </p:txBody>
@@ -2291,7 +2409,7 @@
             </a:xfrm>
             <a:prstGeom prst="diagStripe">
               <a:avLst>
-                <a:gd fmla="val 50000" name="adj"/>
+                <a:gd name="adj" fmla="val 50000"/>
               </a:avLst>
             </a:prstGeom>
             <a:solidFill>
@@ -2304,12 +2422,12 @@
             </a:ln>
           </p:spPr>
           <p:txBody>
-            <a:bodyPr anchorCtr="0" anchor="ctr" bIns="91425" lIns="91425" spcFirstLastPara="1" rIns="91425" wrap="square" tIns="91425">
+            <a:bodyPr spcFirstLastPara="1" wrap="square" lIns="91425" tIns="91425" rIns="91425" bIns="91425" anchor="ctr" anchorCtr="0">
               <a:noAutofit/>
             </a:bodyPr>
             <a:lstStyle/>
             <a:p>
-              <a:pPr indent="0" lvl="0" marL="0" rtl="0" algn="l">
+              <a:pPr marL="0" lvl="0" indent="0" algn="l" rtl="0">
                 <a:spcBef>
                   <a:spcPts val="0"/>
                 </a:spcBef>
@@ -2318,9 +2436,6 @@
                 </a:spcAft>
                 <a:buNone/>
               </a:pPr>
-              <a:r>
-                <a:t/>
-              </a:r>
               <a:endParaRPr/>
             </a:p>
           </p:txBody>
@@ -2338,7 +2453,7 @@
             </a:xfrm>
             <a:prstGeom prst="diagStripe">
               <a:avLst>
-                <a:gd fmla="val 50000" name="adj"/>
+                <a:gd name="adj" fmla="val 50000"/>
               </a:avLst>
             </a:prstGeom>
             <a:solidFill>
@@ -2351,12 +2466,12 @@
             </a:ln>
           </p:spPr>
           <p:txBody>
-            <a:bodyPr anchorCtr="0" anchor="ctr" bIns="91425" lIns="91425" spcFirstLastPara="1" rIns="91425" wrap="square" tIns="91425">
+            <a:bodyPr spcFirstLastPara="1" wrap="square" lIns="91425" tIns="91425" rIns="91425" bIns="91425" anchor="ctr" anchorCtr="0">
               <a:noAutofit/>
             </a:bodyPr>
             <a:lstStyle/>
             <a:p>
-              <a:pPr indent="0" lvl="0" marL="0" rtl="0" algn="l">
+              <a:pPr marL="0" lvl="0" indent="0" algn="l" rtl="0">
                 <a:spcBef>
                   <a:spcPts val="0"/>
                 </a:spcBef>
@@ -2365,9 +2480,6 @@
                 </a:spcAft>
                 <a:buNone/>
               </a:pPr>
-              <a:r>
-                <a:t/>
-              </a:r>
               <a:endParaRPr/>
             </a:p>
           </p:txBody>
@@ -2385,7 +2497,7 @@
             </a:xfrm>
             <a:prstGeom prst="diagStripe">
               <a:avLst>
-                <a:gd fmla="val 50000" name="adj"/>
+                <a:gd name="adj" fmla="val 50000"/>
               </a:avLst>
             </a:prstGeom>
             <a:solidFill>
@@ -2398,12 +2510,12 @@
             </a:ln>
           </p:spPr>
           <p:txBody>
-            <a:bodyPr anchorCtr="0" anchor="ctr" bIns="91425" lIns="91425" spcFirstLastPara="1" rIns="91425" wrap="square" tIns="91425">
+            <a:bodyPr spcFirstLastPara="1" wrap="square" lIns="91425" tIns="91425" rIns="91425" bIns="91425" anchor="ctr" anchorCtr="0">
               <a:noAutofit/>
             </a:bodyPr>
             <a:lstStyle/>
             <a:p>
-              <a:pPr indent="0" lvl="0" marL="0" rtl="0" algn="l">
+              <a:pPr marL="0" lvl="0" indent="0" algn="l" rtl="0">
                 <a:spcBef>
                   <a:spcPts val="0"/>
                 </a:spcBef>
@@ -2412,9 +2524,6 @@
                 </a:spcAft>
                 <a:buNone/>
               </a:pPr>
-              <a:r>
-                <a:t/>
-              </a:r>
               <a:endParaRPr/>
             </a:p>
           </p:txBody>
@@ -2432,7 +2541,7 @@
             </a:xfrm>
             <a:prstGeom prst="diagStripe">
               <a:avLst>
-                <a:gd fmla="val 50000" name="adj"/>
+                <a:gd name="adj" fmla="val 50000"/>
               </a:avLst>
             </a:prstGeom>
             <a:solidFill>
@@ -2445,12 +2554,12 @@
             </a:ln>
           </p:spPr>
           <p:txBody>
-            <a:bodyPr anchorCtr="0" anchor="ctr" bIns="91425" lIns="91425" spcFirstLastPara="1" rIns="91425" wrap="square" tIns="91425">
+            <a:bodyPr spcFirstLastPara="1" wrap="square" lIns="91425" tIns="91425" rIns="91425" bIns="91425" anchor="ctr" anchorCtr="0">
               <a:noAutofit/>
             </a:bodyPr>
             <a:lstStyle/>
             <a:p>
-              <a:pPr indent="0" lvl="0" marL="0" rtl="0" algn="l">
+              <a:pPr marL="0" lvl="0" indent="0" algn="l" rtl="0">
                 <a:spcBef>
                   <a:spcPts val="0"/>
                 </a:spcBef>
@@ -2459,9 +2568,6 @@
                 </a:spcAft>
                 <a:buNone/>
               </a:pPr>
-              <a:r>
-                <a:t/>
-              </a:r>
               <a:endParaRPr/>
             </a:p>
           </p:txBody>
@@ -2479,7 +2585,7 @@
             </a:xfrm>
             <a:prstGeom prst="diagStripe">
               <a:avLst>
-                <a:gd fmla="val 50000" name="adj"/>
+                <a:gd name="adj" fmla="val 50000"/>
               </a:avLst>
             </a:prstGeom>
             <a:solidFill>
@@ -2490,12 +2596,12 @@
             </a:ln>
           </p:spPr>
           <p:txBody>
-            <a:bodyPr anchorCtr="0" anchor="ctr" bIns="91425" lIns="91425" spcFirstLastPara="1" rIns="91425" wrap="square" tIns="91425">
+            <a:bodyPr spcFirstLastPara="1" wrap="square" lIns="91425" tIns="91425" rIns="91425" bIns="91425" anchor="ctr" anchorCtr="0">
               <a:noAutofit/>
             </a:bodyPr>
             <a:lstStyle/>
             <a:p>
-              <a:pPr indent="0" lvl="0" marL="0" rtl="0" algn="l">
+              <a:pPr marL="0" lvl="0" indent="0" algn="l" rtl="0">
                 <a:spcBef>
                   <a:spcPts val="0"/>
                 </a:spcBef>
@@ -2504,9 +2610,6 @@
                 </a:spcAft>
                 <a:buNone/>
               </a:pPr>
-              <a:r>
-                <a:t/>
-              </a:r>
               <a:endParaRPr/>
             </a:p>
           </p:txBody>
@@ -2524,7 +2627,7 @@
             </a:xfrm>
             <a:prstGeom prst="diagStripe">
               <a:avLst>
-                <a:gd fmla="val 50000" name="adj"/>
+                <a:gd name="adj" fmla="val 50000"/>
               </a:avLst>
             </a:prstGeom>
             <a:solidFill>
@@ -2537,12 +2640,12 @@
             </a:ln>
           </p:spPr>
           <p:txBody>
-            <a:bodyPr anchorCtr="0" anchor="ctr" bIns="91425" lIns="91425" spcFirstLastPara="1" rIns="91425" wrap="square" tIns="91425">
+            <a:bodyPr spcFirstLastPara="1" wrap="square" lIns="91425" tIns="91425" rIns="91425" bIns="91425" anchor="ctr" anchorCtr="0">
               <a:noAutofit/>
             </a:bodyPr>
             <a:lstStyle/>
             <a:p>
-              <a:pPr indent="0" lvl="0" marL="0" rtl="0" algn="l">
+              <a:pPr marL="0" lvl="0" indent="0" algn="l" rtl="0">
                 <a:spcBef>
                   <a:spcPts val="0"/>
                 </a:spcBef>
@@ -2551,9 +2654,6 @@
                 </a:spcAft>
                 <a:buNone/>
               </a:pPr>
-              <a:r>
-                <a:t/>
-              </a:r>
               <a:endParaRPr/>
             </a:p>
           </p:txBody>
@@ -2571,7 +2671,7 @@
             </a:xfrm>
             <a:prstGeom prst="diagStripe">
               <a:avLst>
-                <a:gd fmla="val 50000" name="adj"/>
+                <a:gd name="adj" fmla="val 50000"/>
               </a:avLst>
             </a:prstGeom>
             <a:solidFill>
@@ -2584,12 +2684,12 @@
             </a:ln>
           </p:spPr>
           <p:txBody>
-            <a:bodyPr anchorCtr="0" anchor="ctr" bIns="91425" lIns="91425" spcFirstLastPara="1" rIns="91425" wrap="square" tIns="91425">
+            <a:bodyPr spcFirstLastPara="1" wrap="square" lIns="91425" tIns="91425" rIns="91425" bIns="91425" anchor="ctr" anchorCtr="0">
               <a:noAutofit/>
             </a:bodyPr>
             <a:lstStyle/>
             <a:p>
-              <a:pPr indent="0" lvl="0" marL="0" rtl="0" algn="l">
+              <a:pPr marL="0" lvl="0" indent="0" algn="l" rtl="0">
                 <a:spcBef>
                   <a:spcPts val="0"/>
                 </a:spcBef>
@@ -2598,9 +2698,6 @@
                 </a:spcAft>
                 <a:buNone/>
               </a:pPr>
-              <a:r>
-                <a:t/>
-              </a:r>
               <a:endParaRPr/>
             </a:p>
           </p:txBody>
@@ -2618,7 +2715,7 @@
             </a:xfrm>
             <a:prstGeom prst="diagStripe">
               <a:avLst>
-                <a:gd fmla="val 50000" name="adj"/>
+                <a:gd name="adj" fmla="val 50000"/>
               </a:avLst>
             </a:prstGeom>
             <a:solidFill>
@@ -2631,12 +2728,12 @@
             </a:ln>
           </p:spPr>
           <p:txBody>
-            <a:bodyPr anchorCtr="0" anchor="ctr" bIns="91425" lIns="91425" spcFirstLastPara="1" rIns="91425" wrap="square" tIns="91425">
+            <a:bodyPr spcFirstLastPara="1" wrap="square" lIns="91425" tIns="91425" rIns="91425" bIns="91425" anchor="ctr" anchorCtr="0">
               <a:noAutofit/>
             </a:bodyPr>
             <a:lstStyle/>
             <a:p>
-              <a:pPr indent="0" lvl="0" marL="0" rtl="0" algn="l">
+              <a:pPr marL="0" lvl="0" indent="0" algn="l" rtl="0">
                 <a:spcBef>
                   <a:spcPts val="0"/>
                 </a:spcBef>
@@ -2645,9 +2742,6 @@
                 </a:spcAft>
                 <a:buNone/>
               </a:pPr>
-              <a:r>
-                <a:t/>
-              </a:r>
               <a:endParaRPr/>
             </a:p>
           </p:txBody>
@@ -2665,7 +2759,7 @@
             </a:xfrm>
             <a:prstGeom prst="diagStripe">
               <a:avLst>
-                <a:gd fmla="val 50000" name="adj"/>
+                <a:gd name="adj" fmla="val 50000"/>
               </a:avLst>
             </a:prstGeom>
             <a:solidFill>
@@ -2678,12 +2772,12 @@
             </a:ln>
           </p:spPr>
           <p:txBody>
-            <a:bodyPr anchorCtr="0" anchor="ctr" bIns="91425" lIns="91425" spcFirstLastPara="1" rIns="91425" wrap="square" tIns="91425">
+            <a:bodyPr spcFirstLastPara="1" wrap="square" lIns="91425" tIns="91425" rIns="91425" bIns="91425" anchor="ctr" anchorCtr="0">
               <a:noAutofit/>
             </a:bodyPr>
             <a:lstStyle/>
             <a:p>
-              <a:pPr indent="0" lvl="0" marL="0" rtl="0" algn="l">
+              <a:pPr marL="0" lvl="0" indent="0" algn="l" rtl="0">
                 <a:spcBef>
                   <a:spcPts val="0"/>
                 </a:spcBef>
@@ -2692,9 +2786,6 @@
                 </a:spcAft>
                 <a:buNone/>
               </a:pPr>
-              <a:r>
-                <a:t/>
-              </a:r>
               <a:endParaRPr/>
             </a:p>
           </p:txBody>
@@ -2703,9 +2794,11 @@
       <p:sp>
         <p:nvSpPr>
           <p:cNvPr id="125" name="Google Shape;125;p11"/>
-          <p:cNvSpPr txBox="1"/>
+          <p:cNvSpPr txBox="1">
+            <a:spLocks noGrp="1"/>
+          </p:cNvSpPr>
           <p:nvPr>
-            <p:ph hasCustomPrompt="1" type="title"/>
+            <p:ph type="title" hasCustomPrompt="1"/>
           </p:nvPr>
         </p:nvSpPr>
         <p:spPr>
@@ -2718,7 +2811,7 @@
           </a:prstGeom>
         </p:spPr>
         <p:txBody>
-          <a:bodyPr anchorCtr="0" anchor="t" bIns="91425" lIns="91425" spcFirstLastPara="1" rIns="91425" wrap="square" tIns="91425">
+          <a:bodyPr spcFirstLastPara="1" wrap="square" lIns="91425" tIns="91425" rIns="91425" bIns="91425" anchor="t" anchorCtr="0">
             <a:normAutofit/>
           </a:bodyPr>
           <a:lstStyle>
@@ -2832,9 +2925,11 @@
       <p:sp>
         <p:nvSpPr>
           <p:cNvPr id="126" name="Google Shape;126;p11"/>
-          <p:cNvSpPr txBox="1"/>
+          <p:cNvSpPr txBox="1">
+            <a:spLocks noGrp="1"/>
+          </p:cNvSpPr>
           <p:nvPr>
-            <p:ph idx="1" type="body"/>
+            <p:ph type="body" idx="1"/>
           </p:nvPr>
         </p:nvSpPr>
         <p:spPr>
@@ -2847,11 +2942,11 @@
           </a:prstGeom>
         </p:spPr>
         <p:txBody>
-          <a:bodyPr anchorCtr="0" anchor="t" bIns="91425" lIns="91425" spcFirstLastPara="1" rIns="91425" wrap="square" tIns="91425">
+          <a:bodyPr spcFirstLastPara="1" wrap="square" lIns="91425" tIns="91425" rIns="91425" bIns="91425" anchor="t" anchorCtr="0">
             <a:normAutofit/>
           </a:bodyPr>
           <a:lstStyle>
-            <a:lvl1pPr indent="-311150" lvl="0" marL="457200">
+            <a:lvl1pPr marL="457200" lvl="0" indent="-311150">
               <a:spcBef>
                 <a:spcPts val="0"/>
               </a:spcBef>
@@ -2862,7 +2957,7 @@
               <a:buChar char="●"/>
               <a:defRPr/>
             </a:lvl1pPr>
-            <a:lvl2pPr indent="-298450" lvl="1" marL="914400">
+            <a:lvl2pPr marL="914400" lvl="1" indent="-298450">
               <a:spcBef>
                 <a:spcPts val="0"/>
               </a:spcBef>
@@ -2873,7 +2968,7 @@
               <a:buChar char="○"/>
               <a:defRPr/>
             </a:lvl2pPr>
-            <a:lvl3pPr indent="-298450" lvl="2" marL="1371600">
+            <a:lvl3pPr marL="1371600" lvl="2" indent="-298450">
               <a:spcBef>
                 <a:spcPts val="0"/>
               </a:spcBef>
@@ -2884,7 +2979,7 @@
               <a:buChar char="■"/>
               <a:defRPr/>
             </a:lvl3pPr>
-            <a:lvl4pPr indent="-298450" lvl="3" marL="1828800">
+            <a:lvl4pPr marL="1828800" lvl="3" indent="-298450">
               <a:spcBef>
                 <a:spcPts val="0"/>
               </a:spcBef>
@@ -2895,7 +2990,7 @@
               <a:buChar char="●"/>
               <a:defRPr/>
             </a:lvl4pPr>
-            <a:lvl5pPr indent="-298450" lvl="4" marL="2286000">
+            <a:lvl5pPr marL="2286000" lvl="4" indent="-298450">
               <a:spcBef>
                 <a:spcPts val="0"/>
               </a:spcBef>
@@ -2906,7 +3001,7 @@
               <a:buChar char="○"/>
               <a:defRPr/>
             </a:lvl5pPr>
-            <a:lvl6pPr indent="-298450" lvl="5" marL="2743200">
+            <a:lvl6pPr marL="2743200" lvl="5" indent="-298450">
               <a:spcBef>
                 <a:spcPts val="0"/>
               </a:spcBef>
@@ -2917,7 +3012,7 @@
               <a:buChar char="■"/>
               <a:defRPr/>
             </a:lvl6pPr>
-            <a:lvl7pPr indent="-298450" lvl="6" marL="3200400">
+            <a:lvl7pPr marL="3200400" lvl="6" indent="-298450">
               <a:spcBef>
                 <a:spcPts val="0"/>
               </a:spcBef>
@@ -2928,7 +3023,7 @@
               <a:buChar char="●"/>
               <a:defRPr/>
             </a:lvl7pPr>
-            <a:lvl8pPr indent="-298450" lvl="7" marL="3657600">
+            <a:lvl8pPr marL="3657600" lvl="7" indent="-298450">
               <a:spcBef>
                 <a:spcPts val="0"/>
               </a:spcBef>
@@ -2939,7 +3034,7 @@
               <a:buChar char="○"/>
               <a:defRPr/>
             </a:lvl8pPr>
-            <a:lvl9pPr indent="-298450" lvl="8" marL="4114800">
+            <a:lvl9pPr marL="4114800" lvl="8" indent="-298450">
               <a:spcBef>
                 <a:spcPts val="0"/>
               </a:spcBef>
@@ -2951,15 +3046,19 @@
               <a:defRPr/>
             </a:lvl9pPr>
           </a:lstStyle>
-          <a:p/>
+          <a:p>
+            <a:endParaRPr/>
+          </a:p>
         </p:txBody>
       </p:sp>
       <p:sp>
         <p:nvSpPr>
           <p:cNvPr id="127" name="Google Shape;127;p11"/>
-          <p:cNvSpPr txBox="1"/>
+          <p:cNvSpPr txBox="1">
+            <a:spLocks noGrp="1"/>
+          </p:cNvSpPr>
           <p:nvPr>
-            <p:ph idx="12" type="sldNum"/>
+            <p:ph type="sldNum" idx="12"/>
           </p:nvPr>
         </p:nvSpPr>
         <p:spPr>
@@ -2972,7 +3071,7 @@
           </a:prstGeom>
         </p:spPr>
         <p:txBody>
-          <a:bodyPr anchorCtr="0" anchor="ctr" bIns="91425" lIns="91425" spcFirstLastPara="1" rIns="91425" wrap="square" tIns="91425">
+          <a:bodyPr spcFirstLastPara="1" wrap="square" lIns="91425" tIns="91425" rIns="91425" bIns="91425" anchor="ctr" anchorCtr="0">
             <a:normAutofit/>
           </a:bodyPr>
           <a:lstStyle>
@@ -3014,7 +3113,7 @@
             </a:lvl9pPr>
           </a:lstStyle>
           <a:p>
-            <a:pPr indent="0" lvl="0" marL="0" rtl="0" algn="r">
+            <a:pPr marL="0" lvl="0" indent="0" algn="r" rtl="0">
               <a:spcBef>
                 <a:spcPts val="0"/>
               </a:spcBef>
@@ -3040,11 +3139,11 @@
 </file>
 
 <file path=ppt/slideLayouts/slideLayout11.xml><?xml version="1.0" encoding="utf-8"?>
-<p:sldLayout xmlns:a="http://schemas.openxmlformats.org/drawingml/2006/main" xmlns:r="http://schemas.openxmlformats.org/officeDocument/2006/relationships" xmlns:mc="http://schemas.openxmlformats.org/markup-compatibility/2006" xmlns:mv="urn:schemas-microsoft-com:mac:vml" xmlns:p="http://schemas.openxmlformats.org/presentationml/2006/main" xmlns:c="http://schemas.openxmlformats.org/drawingml/2006/chart" xmlns:dgm="http://schemas.openxmlformats.org/drawingml/2006/diagram" xmlns:o="urn:schemas-microsoft-com:office:office" xmlns:v="urn:schemas-microsoft-com:vml" xmlns:pvml="urn:schemas-microsoft-com:office:powerpoint" xmlns:com="http://schemas.openxmlformats.org/drawingml/2006/compatibility" xmlns:p14="http://schemas.microsoft.com/office/powerpoint/2010/main" xmlns:p15="http://schemas.microsoft.com/office/powerpoint/2012/main" xmlns:ahyp="http://schemas.microsoft.com/office/drawing/2018/hyperlinkcolor" matchingName="Blank" type="blank">
+<p:sldLayout xmlns:a="http://schemas.openxmlformats.org/drawingml/2006/main" xmlns:r="http://schemas.openxmlformats.org/officeDocument/2006/relationships" xmlns:p="http://schemas.openxmlformats.org/presentationml/2006/main" matchingName="Blank" type="blank">
   <p:cSld name="BLANK">
     <p:spTree>
       <p:nvGrpSpPr>
-        <p:cNvPr id="128" name="Shape 128"/>
+        <p:cNvPr id="1" name="Shape 128"/>
         <p:cNvGrpSpPr/>
         <p:nvPr/>
       </p:nvGrpSpPr>
@@ -3059,9 +3158,11 @@
       <p:sp>
         <p:nvSpPr>
           <p:cNvPr id="129" name="Google Shape;129;p12"/>
-          <p:cNvSpPr txBox="1"/>
+          <p:cNvSpPr txBox="1">
+            <a:spLocks noGrp="1"/>
+          </p:cNvSpPr>
           <p:nvPr>
-            <p:ph idx="12" type="sldNum"/>
+            <p:ph type="sldNum" idx="12"/>
           </p:nvPr>
         </p:nvSpPr>
         <p:spPr>
@@ -3074,7 +3175,7 @@
           </a:prstGeom>
         </p:spPr>
         <p:txBody>
-          <a:bodyPr anchorCtr="0" anchor="ctr" bIns="91425" lIns="91425" spcFirstLastPara="1" rIns="91425" wrap="square" tIns="91425">
+          <a:bodyPr spcFirstLastPara="1" wrap="square" lIns="91425" tIns="91425" rIns="91425" bIns="91425" anchor="ctr" anchorCtr="0">
             <a:normAutofit/>
           </a:bodyPr>
           <a:lstStyle>
@@ -3116,7 +3217,7 @@
             </a:lvl9pPr>
           </a:lstStyle>
           <a:p>
-            <a:pPr indent="0" lvl="0" marL="0" rtl="0" algn="r">
+            <a:pPr marL="0" lvl="0" indent="0" algn="r" rtl="0">
               <a:spcBef>
                 <a:spcPts val="0"/>
               </a:spcBef>
@@ -3142,11 +3243,11 @@
 </file>
 
 <file path=ppt/slideLayouts/slideLayout2.xml><?xml version="1.0" encoding="utf-8"?>
-<p:sldLayout xmlns:a="http://schemas.openxmlformats.org/drawingml/2006/main" xmlns:r="http://schemas.openxmlformats.org/officeDocument/2006/relationships" xmlns:mc="http://schemas.openxmlformats.org/markup-compatibility/2006" xmlns:mv="urn:schemas-microsoft-com:mac:vml" xmlns:p="http://schemas.openxmlformats.org/presentationml/2006/main" xmlns:c="http://schemas.openxmlformats.org/drawingml/2006/chart" xmlns:dgm="http://schemas.openxmlformats.org/drawingml/2006/diagram" xmlns:o="urn:schemas-microsoft-com:office:office" xmlns:v="urn:schemas-microsoft-com:vml" xmlns:pvml="urn:schemas-microsoft-com:office:powerpoint" xmlns:com="http://schemas.openxmlformats.org/drawingml/2006/compatibility" xmlns:p14="http://schemas.microsoft.com/office/powerpoint/2010/main" xmlns:p15="http://schemas.microsoft.com/office/powerpoint/2012/main" xmlns:ahyp="http://schemas.microsoft.com/office/drawing/2018/hyperlinkcolor" matchingName="Section header" type="secHead">
+<p:sldLayout xmlns:a="http://schemas.openxmlformats.org/drawingml/2006/main" xmlns:r="http://schemas.openxmlformats.org/officeDocument/2006/relationships" xmlns:p="http://schemas.openxmlformats.org/presentationml/2006/main" matchingName="Section header" type="secHead">
   <p:cSld name="SECTION_HEADER">
     <p:spTree>
       <p:nvGrpSpPr>
-        <p:cNvPr id="19" name="Shape 19"/>
+        <p:cNvPr id="1" name="Shape 19"/>
         <p:cNvGrpSpPr/>
         <p:nvPr/>
       </p:nvGrpSpPr>
@@ -3185,7 +3286,7 @@
             </a:xfrm>
             <a:prstGeom prst="diagStripe">
               <a:avLst>
-                <a:gd fmla="val 49469" name="adj"/>
+                <a:gd name="adj" fmla="val 49469"/>
               </a:avLst>
             </a:prstGeom>
             <a:solidFill>
@@ -3198,12 +3299,12 @@
             </a:ln>
           </p:spPr>
           <p:txBody>
-            <a:bodyPr anchorCtr="0" anchor="ctr" bIns="91425" lIns="91425" spcFirstLastPara="1" rIns="91425" wrap="square" tIns="91425">
+            <a:bodyPr spcFirstLastPara="1" wrap="square" lIns="91425" tIns="91425" rIns="91425" bIns="91425" anchor="ctr" anchorCtr="0">
               <a:noAutofit/>
             </a:bodyPr>
             <a:lstStyle/>
             <a:p>
-              <a:pPr indent="0" lvl="0" marL="0" rtl="0" algn="l">
+              <a:pPr marL="0" lvl="0" indent="0" algn="l" rtl="0">
                 <a:spcBef>
                   <a:spcPts val="0"/>
                 </a:spcBef>
@@ -3212,9 +3313,6 @@
                 </a:spcAft>
                 <a:buNone/>
               </a:pPr>
-              <a:r>
-                <a:t/>
-              </a:r>
               <a:endParaRPr/>
             </a:p>
           </p:txBody>
@@ -3232,7 +3330,7 @@
             </a:xfrm>
             <a:prstGeom prst="diagStripe">
               <a:avLst>
-                <a:gd fmla="val 0" name="adj"/>
+                <a:gd name="adj" fmla="val 0"/>
               </a:avLst>
             </a:prstGeom>
             <a:solidFill>
@@ -3245,12 +3343,12 @@
             </a:ln>
           </p:spPr>
           <p:txBody>
-            <a:bodyPr anchorCtr="0" anchor="ctr" bIns="91425" lIns="91425" spcFirstLastPara="1" rIns="91425" wrap="square" tIns="91425">
+            <a:bodyPr spcFirstLastPara="1" wrap="square" lIns="91425" tIns="91425" rIns="91425" bIns="91425" anchor="ctr" anchorCtr="0">
               <a:noAutofit/>
             </a:bodyPr>
             <a:lstStyle/>
             <a:p>
-              <a:pPr indent="0" lvl="0" marL="0" rtl="0" algn="l">
+              <a:pPr marL="0" lvl="0" indent="0" algn="l" rtl="0">
                 <a:spcBef>
                   <a:spcPts val="0"/>
                 </a:spcBef>
@@ -3259,9 +3357,6 @@
                 </a:spcAft>
                 <a:buNone/>
               </a:pPr>
-              <a:r>
-                <a:t/>
-              </a:r>
               <a:endParaRPr/>
             </a:p>
           </p:txBody>
@@ -3279,7 +3374,7 @@
             </a:xfrm>
             <a:prstGeom prst="diagStripe">
               <a:avLst>
-                <a:gd fmla="val 50000" name="adj"/>
+                <a:gd name="adj" fmla="val 50000"/>
               </a:avLst>
             </a:prstGeom>
             <a:solidFill>
@@ -3292,12 +3387,12 @@
             </a:ln>
           </p:spPr>
           <p:txBody>
-            <a:bodyPr anchorCtr="0" anchor="ctr" bIns="91425" lIns="91425" spcFirstLastPara="1" rIns="91425" wrap="square" tIns="91425">
+            <a:bodyPr spcFirstLastPara="1" wrap="square" lIns="91425" tIns="91425" rIns="91425" bIns="91425" anchor="ctr" anchorCtr="0">
               <a:noAutofit/>
             </a:bodyPr>
             <a:lstStyle/>
             <a:p>
-              <a:pPr indent="0" lvl="0" marL="0" rtl="0" algn="l">
+              <a:pPr marL="0" lvl="0" indent="0" algn="l" rtl="0">
                 <a:spcBef>
                   <a:spcPts val="0"/>
                 </a:spcBef>
@@ -3306,9 +3401,6 @@
                 </a:spcAft>
                 <a:buNone/>
               </a:pPr>
-              <a:r>
-                <a:t/>
-              </a:r>
               <a:endParaRPr/>
             </a:p>
           </p:txBody>
@@ -3326,7 +3418,7 @@
             </a:xfrm>
             <a:prstGeom prst="diagStripe">
               <a:avLst>
-                <a:gd fmla="val 50000" name="adj"/>
+                <a:gd name="adj" fmla="val 50000"/>
               </a:avLst>
             </a:prstGeom>
             <a:solidFill>
@@ -3339,12 +3431,12 @@
             </a:ln>
           </p:spPr>
           <p:txBody>
-            <a:bodyPr anchorCtr="0" anchor="ctr" bIns="91425" lIns="91425" spcFirstLastPara="1" rIns="91425" wrap="square" tIns="91425">
+            <a:bodyPr spcFirstLastPara="1" wrap="square" lIns="91425" tIns="91425" rIns="91425" bIns="91425" anchor="ctr" anchorCtr="0">
               <a:noAutofit/>
             </a:bodyPr>
             <a:lstStyle/>
             <a:p>
-              <a:pPr indent="0" lvl="0" marL="0" rtl="0" algn="l">
+              <a:pPr marL="0" lvl="0" indent="0" algn="l" rtl="0">
                 <a:spcBef>
                   <a:spcPts val="0"/>
                 </a:spcBef>
@@ -3353,9 +3445,6 @@
                 </a:spcAft>
                 <a:buNone/>
               </a:pPr>
-              <a:r>
-                <a:t/>
-              </a:r>
               <a:endParaRPr/>
             </a:p>
           </p:txBody>
@@ -3373,7 +3462,7 @@
             </a:xfrm>
             <a:prstGeom prst="diagStripe">
               <a:avLst>
-                <a:gd fmla="val 50000" name="adj"/>
+                <a:gd name="adj" fmla="val 50000"/>
               </a:avLst>
             </a:prstGeom>
             <a:solidFill>
@@ -3386,12 +3475,12 @@
             </a:ln>
           </p:spPr>
           <p:txBody>
-            <a:bodyPr anchorCtr="0" anchor="ctr" bIns="91425" lIns="91425" spcFirstLastPara="1" rIns="91425" wrap="square" tIns="91425">
+            <a:bodyPr spcFirstLastPara="1" wrap="square" lIns="91425" tIns="91425" rIns="91425" bIns="91425" anchor="ctr" anchorCtr="0">
               <a:noAutofit/>
             </a:bodyPr>
             <a:lstStyle/>
             <a:p>
-              <a:pPr indent="0" lvl="0" marL="0" rtl="0" algn="l">
+              <a:pPr marL="0" lvl="0" indent="0" algn="l" rtl="0">
                 <a:spcBef>
                   <a:spcPts val="0"/>
                 </a:spcBef>
@@ -3400,9 +3489,6 @@
                 </a:spcAft>
                 <a:buNone/>
               </a:pPr>
-              <a:r>
-                <a:t/>
-              </a:r>
               <a:endParaRPr/>
             </a:p>
           </p:txBody>
@@ -3420,7 +3506,7 @@
             </a:xfrm>
             <a:prstGeom prst="diagStripe">
               <a:avLst>
-                <a:gd fmla="val 50000" name="adj"/>
+                <a:gd name="adj" fmla="val 50000"/>
               </a:avLst>
             </a:prstGeom>
             <a:solidFill>
@@ -3433,12 +3519,12 @@
             </a:ln>
           </p:spPr>
           <p:txBody>
-            <a:bodyPr anchorCtr="0" anchor="ctr" bIns="91425" lIns="91425" spcFirstLastPara="1" rIns="91425" wrap="square" tIns="91425">
+            <a:bodyPr spcFirstLastPara="1" wrap="square" lIns="91425" tIns="91425" rIns="91425" bIns="91425" anchor="ctr" anchorCtr="0">
               <a:noAutofit/>
             </a:bodyPr>
             <a:lstStyle/>
             <a:p>
-              <a:pPr indent="0" lvl="0" marL="0" rtl="0" algn="l">
+              <a:pPr marL="0" lvl="0" indent="0" algn="l" rtl="0">
                 <a:spcBef>
                   <a:spcPts val="0"/>
                 </a:spcBef>
@@ -3447,9 +3533,6 @@
                 </a:spcAft>
                 <a:buNone/>
               </a:pPr>
-              <a:r>
-                <a:t/>
-              </a:r>
               <a:endParaRPr/>
             </a:p>
           </p:txBody>
@@ -3467,7 +3550,7 @@
             </a:xfrm>
             <a:prstGeom prst="diagStripe">
               <a:avLst>
-                <a:gd fmla="val 50000" name="adj"/>
+                <a:gd name="adj" fmla="val 50000"/>
               </a:avLst>
             </a:prstGeom>
             <a:solidFill>
@@ -3480,12 +3563,12 @@
             </a:ln>
           </p:spPr>
           <p:txBody>
-            <a:bodyPr anchorCtr="0" anchor="ctr" bIns="91425" lIns="91425" spcFirstLastPara="1" rIns="91425" wrap="square" tIns="91425">
+            <a:bodyPr spcFirstLastPara="1" wrap="square" lIns="91425" tIns="91425" rIns="91425" bIns="91425" anchor="ctr" anchorCtr="0">
               <a:noAutofit/>
             </a:bodyPr>
             <a:lstStyle/>
             <a:p>
-              <a:pPr indent="0" lvl="0" marL="0" rtl="0" algn="l">
+              <a:pPr marL="0" lvl="0" indent="0" algn="l" rtl="0">
                 <a:spcBef>
                   <a:spcPts val="0"/>
                 </a:spcBef>
@@ -3494,9 +3577,6 @@
                 </a:spcAft>
                 <a:buNone/>
               </a:pPr>
-              <a:r>
-                <a:t/>
-              </a:r>
               <a:endParaRPr/>
             </a:p>
           </p:txBody>
@@ -3514,7 +3594,7 @@
             </a:xfrm>
             <a:prstGeom prst="diagStripe">
               <a:avLst>
-                <a:gd fmla="val 50000" name="adj"/>
+                <a:gd name="adj" fmla="val 50000"/>
               </a:avLst>
             </a:prstGeom>
             <a:solidFill>
@@ -3525,12 +3605,12 @@
             </a:ln>
           </p:spPr>
           <p:txBody>
-            <a:bodyPr anchorCtr="0" anchor="ctr" bIns="91425" lIns="91425" spcFirstLastPara="1" rIns="91425" wrap="square" tIns="91425">
+            <a:bodyPr spcFirstLastPara="1" wrap="square" lIns="91425" tIns="91425" rIns="91425" bIns="91425" anchor="ctr" anchorCtr="0">
               <a:noAutofit/>
             </a:bodyPr>
             <a:lstStyle/>
             <a:p>
-              <a:pPr indent="0" lvl="0" marL="0" rtl="0" algn="l">
+              <a:pPr marL="0" lvl="0" indent="0" algn="l" rtl="0">
                 <a:spcBef>
                   <a:spcPts val="0"/>
                 </a:spcBef>
@@ -3539,9 +3619,6 @@
                 </a:spcAft>
                 <a:buNone/>
               </a:pPr>
-              <a:r>
-                <a:t/>
-              </a:r>
               <a:endParaRPr/>
             </a:p>
           </p:txBody>
@@ -3559,7 +3636,7 @@
             </a:xfrm>
             <a:prstGeom prst="diagStripe">
               <a:avLst>
-                <a:gd fmla="val 50000" name="adj"/>
+                <a:gd name="adj" fmla="val 50000"/>
               </a:avLst>
             </a:prstGeom>
             <a:solidFill>
@@ -3572,12 +3649,12 @@
             </a:ln>
           </p:spPr>
           <p:txBody>
-            <a:bodyPr anchorCtr="0" anchor="ctr" bIns="91425" lIns="91425" spcFirstLastPara="1" rIns="91425" wrap="square" tIns="91425">
+            <a:bodyPr spcFirstLastPara="1" wrap="square" lIns="91425" tIns="91425" rIns="91425" bIns="91425" anchor="ctr" anchorCtr="0">
               <a:noAutofit/>
             </a:bodyPr>
             <a:lstStyle/>
             <a:p>
-              <a:pPr indent="0" lvl="0" marL="0" rtl="0" algn="l">
+              <a:pPr marL="0" lvl="0" indent="0" algn="l" rtl="0">
                 <a:spcBef>
                   <a:spcPts val="0"/>
                 </a:spcBef>
@@ -3586,9 +3663,6 @@
                 </a:spcAft>
                 <a:buNone/>
               </a:pPr>
-              <a:r>
-                <a:t/>
-              </a:r>
               <a:endParaRPr/>
             </a:p>
           </p:txBody>
@@ -3606,7 +3680,7 @@
             </a:xfrm>
             <a:prstGeom prst="diagStripe">
               <a:avLst>
-                <a:gd fmla="val 50000" name="adj"/>
+                <a:gd name="adj" fmla="val 50000"/>
               </a:avLst>
             </a:prstGeom>
             <a:solidFill>
@@ -3619,12 +3693,12 @@
             </a:ln>
           </p:spPr>
           <p:txBody>
-            <a:bodyPr anchorCtr="0" anchor="ctr" bIns="91425" lIns="91425" spcFirstLastPara="1" rIns="91425" wrap="square" tIns="91425">
+            <a:bodyPr spcFirstLastPara="1" wrap="square" lIns="91425" tIns="91425" rIns="91425" bIns="91425" anchor="ctr" anchorCtr="0">
               <a:noAutofit/>
             </a:bodyPr>
             <a:lstStyle/>
             <a:p>
-              <a:pPr indent="0" lvl="0" marL="0" rtl="0" algn="l">
+              <a:pPr marL="0" lvl="0" indent="0" algn="l" rtl="0">
                 <a:spcBef>
                   <a:spcPts val="0"/>
                 </a:spcBef>
@@ -3633,9 +3707,6 @@
                 </a:spcAft>
                 <a:buNone/>
               </a:pPr>
-              <a:r>
-                <a:t/>
-              </a:r>
               <a:endParaRPr/>
             </a:p>
           </p:txBody>
@@ -3653,7 +3724,7 @@
             </a:xfrm>
             <a:prstGeom prst="diagStripe">
               <a:avLst>
-                <a:gd fmla="val 50000" name="adj"/>
+                <a:gd name="adj" fmla="val 50000"/>
               </a:avLst>
             </a:prstGeom>
             <a:solidFill>
@@ -3666,12 +3737,12 @@
             </a:ln>
           </p:spPr>
           <p:txBody>
-            <a:bodyPr anchorCtr="0" anchor="ctr" bIns="91425" lIns="91425" spcFirstLastPara="1" rIns="91425" wrap="square" tIns="91425">
+            <a:bodyPr spcFirstLastPara="1" wrap="square" lIns="91425" tIns="91425" rIns="91425" bIns="91425" anchor="ctr" anchorCtr="0">
               <a:noAutofit/>
             </a:bodyPr>
             <a:lstStyle/>
             <a:p>
-              <a:pPr indent="0" lvl="0" marL="0" rtl="0" algn="l">
+              <a:pPr marL="0" lvl="0" indent="0" algn="l" rtl="0">
                 <a:spcBef>
                   <a:spcPts val="0"/>
                 </a:spcBef>
@@ -3680,9 +3751,6 @@
                 </a:spcAft>
                 <a:buNone/>
               </a:pPr>
-              <a:r>
-                <a:t/>
-              </a:r>
               <a:endParaRPr/>
             </a:p>
           </p:txBody>
@@ -3700,7 +3768,7 @@
             </a:xfrm>
             <a:prstGeom prst="diagStripe">
               <a:avLst>
-                <a:gd fmla="val 50000" name="adj"/>
+                <a:gd name="adj" fmla="val 50000"/>
               </a:avLst>
             </a:prstGeom>
             <a:solidFill>
@@ -3713,12 +3781,12 @@
             </a:ln>
           </p:spPr>
           <p:txBody>
-            <a:bodyPr anchorCtr="0" anchor="ctr" bIns="91425" lIns="91425" spcFirstLastPara="1" rIns="91425" wrap="square" tIns="91425">
+            <a:bodyPr spcFirstLastPara="1" wrap="square" lIns="91425" tIns="91425" rIns="91425" bIns="91425" anchor="ctr" anchorCtr="0">
               <a:noAutofit/>
             </a:bodyPr>
             <a:lstStyle/>
             <a:p>
-              <a:pPr indent="0" lvl="0" marL="0" rtl="0" algn="l">
+              <a:pPr marL="0" lvl="0" indent="0" algn="l" rtl="0">
                 <a:spcBef>
                   <a:spcPts val="0"/>
                 </a:spcBef>
@@ -3727,9 +3795,6 @@
                 </a:spcAft>
                 <a:buNone/>
               </a:pPr>
-              <a:r>
-                <a:t/>
-              </a:r>
               <a:endParaRPr/>
             </a:p>
           </p:txBody>
@@ -3747,7 +3812,7 @@
             </a:xfrm>
             <a:prstGeom prst="diagStripe">
               <a:avLst>
-                <a:gd fmla="val 50000" name="adj"/>
+                <a:gd name="adj" fmla="val 50000"/>
               </a:avLst>
             </a:prstGeom>
             <a:solidFill>
@@ -3760,12 +3825,12 @@
             </a:ln>
           </p:spPr>
           <p:txBody>
-            <a:bodyPr anchorCtr="0" anchor="ctr" bIns="91425" lIns="91425" spcFirstLastPara="1" rIns="91425" wrap="square" tIns="91425">
+            <a:bodyPr spcFirstLastPara="1" wrap="square" lIns="91425" tIns="91425" rIns="91425" bIns="91425" anchor="ctr" anchorCtr="0">
               <a:noAutofit/>
             </a:bodyPr>
             <a:lstStyle/>
             <a:p>
-              <a:pPr indent="0" lvl="0" marL="0" rtl="0" algn="l">
+              <a:pPr marL="0" lvl="0" indent="0" algn="l" rtl="0">
                 <a:spcBef>
                   <a:spcPts val="0"/>
                 </a:spcBef>
@@ -3774,9 +3839,6 @@
                 </a:spcAft>
                 <a:buNone/>
               </a:pPr>
-              <a:r>
-                <a:t/>
-              </a:r>
               <a:endParaRPr/>
             </a:p>
           </p:txBody>
@@ -3794,7 +3856,7 @@
             </a:xfrm>
             <a:prstGeom prst="diagStripe">
               <a:avLst>
-                <a:gd fmla="val 50000" name="adj"/>
+                <a:gd name="adj" fmla="val 50000"/>
               </a:avLst>
             </a:prstGeom>
             <a:solidFill>
@@ -3805,12 +3867,12 @@
             </a:ln>
           </p:spPr>
           <p:txBody>
-            <a:bodyPr anchorCtr="0" anchor="ctr" bIns="91425" lIns="91425" spcFirstLastPara="1" rIns="91425" wrap="square" tIns="91425">
+            <a:bodyPr spcFirstLastPara="1" wrap="square" lIns="91425" tIns="91425" rIns="91425" bIns="91425" anchor="ctr" anchorCtr="0">
               <a:noAutofit/>
             </a:bodyPr>
             <a:lstStyle/>
             <a:p>
-              <a:pPr indent="0" lvl="0" marL="0" rtl="0" algn="l">
+              <a:pPr marL="0" lvl="0" indent="0" algn="l" rtl="0">
                 <a:spcBef>
                   <a:spcPts val="0"/>
                 </a:spcBef>
@@ -3819,9 +3881,6 @@
                 </a:spcAft>
                 <a:buNone/>
               </a:pPr>
-              <a:r>
-                <a:t/>
-              </a:r>
               <a:endParaRPr/>
             </a:p>
           </p:txBody>
@@ -3839,7 +3898,7 @@
             </a:xfrm>
             <a:prstGeom prst="diagStripe">
               <a:avLst>
-                <a:gd fmla="val 50000" name="adj"/>
+                <a:gd name="adj" fmla="val 50000"/>
               </a:avLst>
             </a:prstGeom>
             <a:solidFill>
@@ -3852,12 +3911,12 @@
             </a:ln>
           </p:spPr>
           <p:txBody>
-            <a:bodyPr anchorCtr="0" anchor="ctr" bIns="91425" lIns="91425" spcFirstLastPara="1" rIns="91425" wrap="square" tIns="91425">
+            <a:bodyPr spcFirstLastPara="1" wrap="square" lIns="91425" tIns="91425" rIns="91425" bIns="91425" anchor="ctr" anchorCtr="0">
               <a:noAutofit/>
             </a:bodyPr>
             <a:lstStyle/>
             <a:p>
-              <a:pPr indent="0" lvl="0" marL="0" rtl="0" algn="l">
+              <a:pPr marL="0" lvl="0" indent="0" algn="l" rtl="0">
                 <a:spcBef>
                   <a:spcPts val="0"/>
                 </a:spcBef>
@@ -3866,9 +3925,6 @@
                 </a:spcAft>
                 <a:buNone/>
               </a:pPr>
-              <a:r>
-                <a:t/>
-              </a:r>
               <a:endParaRPr/>
             </a:p>
           </p:txBody>
@@ -3886,7 +3942,7 @@
             </a:xfrm>
             <a:prstGeom prst="diagStripe">
               <a:avLst>
-                <a:gd fmla="val 50000" name="adj"/>
+                <a:gd name="adj" fmla="val 50000"/>
               </a:avLst>
             </a:prstGeom>
             <a:solidFill>
@@ -3899,12 +3955,12 @@
             </a:ln>
           </p:spPr>
           <p:txBody>
-            <a:bodyPr anchorCtr="0" anchor="ctr" bIns="91425" lIns="91425" spcFirstLastPara="1" rIns="91425" wrap="square" tIns="91425">
+            <a:bodyPr spcFirstLastPara="1" wrap="square" lIns="91425" tIns="91425" rIns="91425" bIns="91425" anchor="ctr" anchorCtr="0">
               <a:noAutofit/>
             </a:bodyPr>
             <a:lstStyle/>
             <a:p>
-              <a:pPr indent="0" lvl="0" marL="0" rtl="0" algn="l">
+              <a:pPr marL="0" lvl="0" indent="0" algn="l" rtl="0">
                 <a:spcBef>
                   <a:spcPts val="0"/>
                 </a:spcBef>
@@ -3913,9 +3969,6 @@
                 </a:spcAft>
                 <a:buNone/>
               </a:pPr>
-              <a:r>
-                <a:t/>
-              </a:r>
               <a:endParaRPr/>
             </a:p>
           </p:txBody>
@@ -3933,7 +3986,7 @@
             </a:xfrm>
             <a:prstGeom prst="diagStripe">
               <a:avLst>
-                <a:gd fmla="val 50000" name="adj"/>
+                <a:gd name="adj" fmla="val 50000"/>
               </a:avLst>
             </a:prstGeom>
             <a:solidFill>
@@ -3946,12 +3999,12 @@
             </a:ln>
           </p:spPr>
           <p:txBody>
-            <a:bodyPr anchorCtr="0" anchor="ctr" bIns="91425" lIns="91425" spcFirstLastPara="1" rIns="91425" wrap="square" tIns="91425">
+            <a:bodyPr spcFirstLastPara="1" wrap="square" lIns="91425" tIns="91425" rIns="91425" bIns="91425" anchor="ctr" anchorCtr="0">
               <a:noAutofit/>
             </a:bodyPr>
             <a:lstStyle/>
             <a:p>
-              <a:pPr indent="0" lvl="0" marL="0" rtl="0" algn="l">
+              <a:pPr marL="0" lvl="0" indent="0" algn="l" rtl="0">
                 <a:spcBef>
                   <a:spcPts val="0"/>
                 </a:spcBef>
@@ -3960,9 +4013,6 @@
                 </a:spcAft>
                 <a:buNone/>
               </a:pPr>
-              <a:r>
-                <a:t/>
-              </a:r>
               <a:endParaRPr/>
             </a:p>
           </p:txBody>
@@ -3980,7 +4030,7 @@
             </a:xfrm>
             <a:prstGeom prst="diagStripe">
               <a:avLst>
-                <a:gd fmla="val 50000" name="adj"/>
+                <a:gd name="adj" fmla="val 50000"/>
               </a:avLst>
             </a:prstGeom>
             <a:solidFill>
@@ -3993,12 +4043,12 @@
             </a:ln>
           </p:spPr>
           <p:txBody>
-            <a:bodyPr anchorCtr="0" anchor="ctr" bIns="91425" lIns="91425" spcFirstLastPara="1" rIns="91425" wrap="square" tIns="91425">
+            <a:bodyPr spcFirstLastPara="1" wrap="square" lIns="91425" tIns="91425" rIns="91425" bIns="91425" anchor="ctr" anchorCtr="0">
               <a:noAutofit/>
             </a:bodyPr>
             <a:lstStyle/>
             <a:p>
-              <a:pPr indent="0" lvl="0" marL="0" rtl="0" algn="l">
+              <a:pPr marL="0" lvl="0" indent="0" algn="l" rtl="0">
                 <a:spcBef>
                   <a:spcPts val="0"/>
                 </a:spcBef>
@@ -4007,9 +4057,6 @@
                 </a:spcAft>
                 <a:buNone/>
               </a:pPr>
-              <a:r>
-                <a:t/>
-              </a:r>
               <a:endParaRPr/>
             </a:p>
           </p:txBody>
@@ -4018,7 +4065,9 @@
       <p:sp>
         <p:nvSpPr>
           <p:cNvPr id="39" name="Google Shape;39;p3"/>
-          <p:cNvSpPr txBox="1"/>
+          <p:cNvSpPr txBox="1">
+            <a:spLocks noGrp="1"/>
+          </p:cNvSpPr>
           <p:nvPr>
             <p:ph type="title"/>
           </p:nvPr>
@@ -4033,7 +4082,7 @@
           </a:prstGeom>
         </p:spPr>
         <p:txBody>
-          <a:bodyPr anchorCtr="0" anchor="ctr" bIns="91425" lIns="91425" spcFirstLastPara="1" rIns="91425" wrap="square" tIns="91425">
+          <a:bodyPr spcFirstLastPara="1" wrap="square" lIns="91425" tIns="91425" rIns="91425" bIns="91425" anchor="ctr" anchorCtr="0">
             <a:normAutofit/>
           </a:bodyPr>
           <a:lstStyle>
@@ -4137,15 +4186,19 @@
               <a:defRPr/>
             </a:lvl9pPr>
           </a:lstStyle>
-          <a:p/>
+          <a:p>
+            <a:endParaRPr/>
+          </a:p>
         </p:txBody>
       </p:sp>
       <p:sp>
         <p:nvSpPr>
           <p:cNvPr id="40" name="Google Shape;40;p3"/>
-          <p:cNvSpPr txBox="1"/>
+          <p:cNvSpPr txBox="1">
+            <a:spLocks noGrp="1"/>
+          </p:cNvSpPr>
           <p:nvPr>
-            <p:ph idx="12" type="sldNum"/>
+            <p:ph type="sldNum" idx="12"/>
           </p:nvPr>
         </p:nvSpPr>
         <p:spPr>
@@ -4158,7 +4211,7 @@
           </a:prstGeom>
         </p:spPr>
         <p:txBody>
-          <a:bodyPr anchorCtr="0" anchor="ctr" bIns="91425" lIns="91425" spcFirstLastPara="1" rIns="91425" wrap="square" tIns="91425">
+          <a:bodyPr spcFirstLastPara="1" wrap="square" lIns="91425" tIns="91425" rIns="91425" bIns="91425" anchor="ctr" anchorCtr="0">
             <a:normAutofit/>
           </a:bodyPr>
           <a:lstStyle>
@@ -4200,7 +4253,7 @@
             </a:lvl9pPr>
           </a:lstStyle>
           <a:p>
-            <a:pPr indent="0" lvl="0" marL="0" rtl="0" algn="r">
+            <a:pPr marL="0" lvl="0" indent="0" algn="r" rtl="0">
               <a:spcBef>
                 <a:spcPts val="0"/>
               </a:spcBef>
@@ -4226,11 +4279,11 @@
 </file>
 
 <file path=ppt/slideLayouts/slideLayout3.xml><?xml version="1.0" encoding="utf-8"?>
-<p:sldLayout xmlns:a="http://schemas.openxmlformats.org/drawingml/2006/main" xmlns:r="http://schemas.openxmlformats.org/officeDocument/2006/relationships" xmlns:mc="http://schemas.openxmlformats.org/markup-compatibility/2006" xmlns:mv="urn:schemas-microsoft-com:mac:vml" xmlns:p="http://schemas.openxmlformats.org/presentationml/2006/main" xmlns:c="http://schemas.openxmlformats.org/drawingml/2006/chart" xmlns:dgm="http://schemas.openxmlformats.org/drawingml/2006/diagram" xmlns:o="urn:schemas-microsoft-com:office:office" xmlns:v="urn:schemas-microsoft-com:vml" xmlns:pvml="urn:schemas-microsoft-com:office:powerpoint" xmlns:com="http://schemas.openxmlformats.org/drawingml/2006/compatibility" xmlns:p14="http://schemas.microsoft.com/office/powerpoint/2010/main" xmlns:p15="http://schemas.microsoft.com/office/powerpoint/2012/main" xmlns:ahyp="http://schemas.microsoft.com/office/drawing/2018/hyperlinkcolor" matchingName="Title and body" type="tx">
+<p:sldLayout xmlns:a="http://schemas.openxmlformats.org/drawingml/2006/main" xmlns:r="http://schemas.openxmlformats.org/officeDocument/2006/relationships" xmlns:p="http://schemas.openxmlformats.org/presentationml/2006/main" matchingName="Title and body" type="tx">
   <p:cSld name="TITLE_AND_BODY">
     <p:spTree>
       <p:nvGrpSpPr>
-        <p:cNvPr id="41" name="Shape 41"/>
+        <p:cNvPr id="1" name="Shape 41"/>
         <p:cNvGrpSpPr/>
         <p:nvPr/>
       </p:nvGrpSpPr>
@@ -4269,7 +4322,7 @@
             </a:xfrm>
             <a:prstGeom prst="diagStripe">
               <a:avLst>
-                <a:gd fmla="val 50000" name="adj"/>
+                <a:gd name="adj" fmla="val 50000"/>
               </a:avLst>
             </a:prstGeom>
             <a:solidFill>
@@ -4280,12 +4333,12 @@
             </a:ln>
           </p:spPr>
           <p:txBody>
-            <a:bodyPr anchorCtr="0" anchor="ctr" bIns="91425" lIns="91425" spcFirstLastPara="1" rIns="91425" wrap="square" tIns="91425">
+            <a:bodyPr spcFirstLastPara="1" wrap="square" lIns="91425" tIns="91425" rIns="91425" bIns="91425" anchor="ctr" anchorCtr="0">
               <a:noAutofit/>
             </a:bodyPr>
             <a:lstStyle/>
             <a:p>
-              <a:pPr indent="0" lvl="0" marL="0" rtl="0" algn="l">
+              <a:pPr marL="0" lvl="0" indent="0" algn="l" rtl="0">
                 <a:spcBef>
                   <a:spcPts val="0"/>
                 </a:spcBef>
@@ -4294,9 +4347,6 @@
                 </a:spcAft>
                 <a:buNone/>
               </a:pPr>
-              <a:r>
-                <a:t/>
-              </a:r>
               <a:endParaRPr/>
             </a:p>
           </p:txBody>
@@ -4314,7 +4364,7 @@
             </a:xfrm>
             <a:prstGeom prst="diagStripe">
               <a:avLst>
-                <a:gd fmla="val 50000" name="adj"/>
+                <a:gd name="adj" fmla="val 50000"/>
               </a:avLst>
             </a:prstGeom>
             <a:solidFill>
@@ -4325,12 +4375,12 @@
             </a:ln>
           </p:spPr>
           <p:txBody>
-            <a:bodyPr anchorCtr="0" anchor="ctr" bIns="91425" lIns="91425" spcFirstLastPara="1" rIns="91425" wrap="square" tIns="91425">
+            <a:bodyPr spcFirstLastPara="1" wrap="square" lIns="91425" tIns="91425" rIns="91425" bIns="91425" anchor="ctr" anchorCtr="0">
               <a:noAutofit/>
             </a:bodyPr>
             <a:lstStyle/>
             <a:p>
-              <a:pPr indent="0" lvl="0" marL="0" rtl="0" algn="l">
+              <a:pPr marL="0" lvl="0" indent="0" algn="l" rtl="0">
                 <a:spcBef>
                   <a:spcPts val="0"/>
                 </a:spcBef>
@@ -4339,9 +4389,6 @@
                 </a:spcAft>
                 <a:buNone/>
               </a:pPr>
-              <a:r>
-                <a:t/>
-              </a:r>
               <a:endParaRPr/>
             </a:p>
           </p:txBody>
@@ -4350,7 +4397,9 @@
       <p:sp>
         <p:nvSpPr>
           <p:cNvPr id="45" name="Google Shape;45;p4"/>
-          <p:cNvSpPr txBox="1"/>
+          <p:cNvSpPr txBox="1">
+            <a:spLocks noGrp="1"/>
+          </p:cNvSpPr>
           <p:nvPr>
             <p:ph type="title"/>
           </p:nvPr>
@@ -4365,7 +4414,7 @@
           </a:prstGeom>
         </p:spPr>
         <p:txBody>
-          <a:bodyPr anchorCtr="0" anchor="t" bIns="91425" lIns="91425" spcFirstLastPara="1" rIns="91425" wrap="square" tIns="91425">
+          <a:bodyPr spcFirstLastPara="1" wrap="square" lIns="91425" tIns="91425" rIns="91425" bIns="91425" anchor="t" anchorCtr="0">
             <a:normAutofit/>
           </a:bodyPr>
           <a:lstStyle>
@@ -4469,15 +4518,19 @@
               <a:defRPr sz="2400"/>
             </a:lvl9pPr>
           </a:lstStyle>
-          <a:p/>
+          <a:p>
+            <a:endParaRPr/>
+          </a:p>
         </p:txBody>
       </p:sp>
       <p:sp>
         <p:nvSpPr>
           <p:cNvPr id="46" name="Google Shape;46;p4"/>
-          <p:cNvSpPr txBox="1"/>
+          <p:cNvSpPr txBox="1">
+            <a:spLocks noGrp="1"/>
+          </p:cNvSpPr>
           <p:nvPr>
-            <p:ph idx="1" type="body"/>
+            <p:ph type="body" idx="1"/>
           </p:nvPr>
         </p:nvSpPr>
         <p:spPr>
@@ -4490,11 +4543,11 @@
           </a:prstGeom>
         </p:spPr>
         <p:txBody>
-          <a:bodyPr anchorCtr="0" anchor="t" bIns="91425" lIns="91425" spcFirstLastPara="1" rIns="91425" wrap="square" tIns="91425">
+          <a:bodyPr spcFirstLastPara="1" wrap="square" lIns="91425" tIns="91425" rIns="91425" bIns="91425" anchor="t" anchorCtr="0">
             <a:normAutofit/>
           </a:bodyPr>
           <a:lstStyle>
-            <a:lvl1pPr indent="-311150" lvl="0" marL="457200">
+            <a:lvl1pPr marL="457200" lvl="0" indent="-311150">
               <a:spcBef>
                 <a:spcPts val="0"/>
               </a:spcBef>
@@ -4505,7 +4558,7 @@
               <a:buChar char="●"/>
               <a:defRPr/>
             </a:lvl1pPr>
-            <a:lvl2pPr indent="-298450" lvl="1" marL="914400">
+            <a:lvl2pPr marL="914400" lvl="1" indent="-298450">
               <a:spcBef>
                 <a:spcPts val="0"/>
               </a:spcBef>
@@ -4516,7 +4569,7 @@
               <a:buChar char="○"/>
               <a:defRPr/>
             </a:lvl2pPr>
-            <a:lvl3pPr indent="-298450" lvl="2" marL="1371600">
+            <a:lvl3pPr marL="1371600" lvl="2" indent="-298450">
               <a:spcBef>
                 <a:spcPts val="0"/>
               </a:spcBef>
@@ -4527,7 +4580,7 @@
               <a:buChar char="■"/>
               <a:defRPr/>
             </a:lvl3pPr>
-            <a:lvl4pPr indent="-298450" lvl="3" marL="1828800">
+            <a:lvl4pPr marL="1828800" lvl="3" indent="-298450">
               <a:spcBef>
                 <a:spcPts val="0"/>
               </a:spcBef>
@@ -4538,7 +4591,7 @@
               <a:buChar char="●"/>
               <a:defRPr/>
             </a:lvl4pPr>
-            <a:lvl5pPr indent="-298450" lvl="4" marL="2286000">
+            <a:lvl5pPr marL="2286000" lvl="4" indent="-298450">
               <a:spcBef>
                 <a:spcPts val="0"/>
               </a:spcBef>
@@ -4549,7 +4602,7 @@
               <a:buChar char="○"/>
               <a:defRPr/>
             </a:lvl5pPr>
-            <a:lvl6pPr indent="-298450" lvl="5" marL="2743200">
+            <a:lvl6pPr marL="2743200" lvl="5" indent="-298450">
               <a:spcBef>
                 <a:spcPts val="0"/>
               </a:spcBef>
@@ -4560,7 +4613,7 @@
               <a:buChar char="■"/>
               <a:defRPr/>
             </a:lvl6pPr>
-            <a:lvl7pPr indent="-298450" lvl="6" marL="3200400">
+            <a:lvl7pPr marL="3200400" lvl="6" indent="-298450">
               <a:spcBef>
                 <a:spcPts val="0"/>
               </a:spcBef>
@@ -4571,7 +4624,7 @@
               <a:buChar char="●"/>
               <a:defRPr/>
             </a:lvl7pPr>
-            <a:lvl8pPr indent="-298450" lvl="7" marL="3657600">
+            <a:lvl8pPr marL="3657600" lvl="7" indent="-298450">
               <a:spcBef>
                 <a:spcPts val="0"/>
               </a:spcBef>
@@ -4582,7 +4635,7 @@
               <a:buChar char="○"/>
               <a:defRPr/>
             </a:lvl8pPr>
-            <a:lvl9pPr indent="-298450" lvl="8" marL="4114800">
+            <a:lvl9pPr marL="4114800" lvl="8" indent="-298450">
               <a:spcBef>
                 <a:spcPts val="0"/>
               </a:spcBef>
@@ -4594,15 +4647,19 @@
               <a:defRPr/>
             </a:lvl9pPr>
           </a:lstStyle>
-          <a:p/>
+          <a:p>
+            <a:endParaRPr/>
+          </a:p>
         </p:txBody>
       </p:sp>
       <p:sp>
         <p:nvSpPr>
           <p:cNvPr id="47" name="Google Shape;47;p4"/>
-          <p:cNvSpPr txBox="1"/>
+          <p:cNvSpPr txBox="1">
+            <a:spLocks noGrp="1"/>
+          </p:cNvSpPr>
           <p:nvPr>
-            <p:ph idx="12" type="sldNum"/>
+            <p:ph type="sldNum" idx="12"/>
           </p:nvPr>
         </p:nvSpPr>
         <p:spPr>
@@ -4615,7 +4672,7 @@
           </a:prstGeom>
         </p:spPr>
         <p:txBody>
-          <a:bodyPr anchorCtr="0" anchor="ctr" bIns="91425" lIns="91425" spcFirstLastPara="1" rIns="91425" wrap="square" tIns="91425">
+          <a:bodyPr spcFirstLastPara="1" wrap="square" lIns="91425" tIns="91425" rIns="91425" bIns="91425" anchor="ctr" anchorCtr="0">
             <a:normAutofit/>
           </a:bodyPr>
           <a:lstStyle>
@@ -4657,7 +4714,7 @@
             </a:lvl9pPr>
           </a:lstStyle>
           <a:p>
-            <a:pPr indent="0" lvl="0" marL="0" rtl="0" algn="r">
+            <a:pPr marL="0" lvl="0" indent="0" algn="r" rtl="0">
               <a:spcBef>
                 <a:spcPts val="0"/>
               </a:spcBef>
@@ -4683,11 +4740,11 @@
 </file>
 
 <file path=ppt/slideLayouts/slideLayout4.xml><?xml version="1.0" encoding="utf-8"?>
-<p:sldLayout xmlns:a="http://schemas.openxmlformats.org/drawingml/2006/main" xmlns:r="http://schemas.openxmlformats.org/officeDocument/2006/relationships" xmlns:mc="http://schemas.openxmlformats.org/markup-compatibility/2006" xmlns:mv="urn:schemas-microsoft-com:mac:vml" xmlns:p="http://schemas.openxmlformats.org/presentationml/2006/main" xmlns:c="http://schemas.openxmlformats.org/drawingml/2006/chart" xmlns:dgm="http://schemas.openxmlformats.org/drawingml/2006/diagram" xmlns:o="urn:schemas-microsoft-com:office:office" xmlns:v="urn:schemas-microsoft-com:vml" xmlns:pvml="urn:schemas-microsoft-com:office:powerpoint" xmlns:com="http://schemas.openxmlformats.org/drawingml/2006/compatibility" xmlns:p14="http://schemas.microsoft.com/office/powerpoint/2010/main" xmlns:p15="http://schemas.microsoft.com/office/powerpoint/2012/main" xmlns:ahyp="http://schemas.microsoft.com/office/drawing/2018/hyperlinkcolor" matchingName="Title and two columns" type="twoColTx">
+<p:sldLayout xmlns:a="http://schemas.openxmlformats.org/drawingml/2006/main" xmlns:r="http://schemas.openxmlformats.org/officeDocument/2006/relationships" xmlns:p="http://schemas.openxmlformats.org/presentationml/2006/main" matchingName="Title and two columns" type="twoColTx">
   <p:cSld name="TITLE_AND_TWO_COLUMNS">
     <p:spTree>
       <p:nvGrpSpPr>
-        <p:cNvPr id="48" name="Shape 48"/>
+        <p:cNvPr id="1" name="Shape 48"/>
         <p:cNvGrpSpPr/>
         <p:nvPr/>
       </p:nvGrpSpPr>
@@ -4726,7 +4783,7 @@
             </a:xfrm>
             <a:prstGeom prst="diagStripe">
               <a:avLst>
-                <a:gd fmla="val 50000" name="adj"/>
+                <a:gd name="adj" fmla="val 50000"/>
               </a:avLst>
             </a:prstGeom>
             <a:solidFill>
@@ -4737,12 +4794,12 @@
             </a:ln>
           </p:spPr>
           <p:txBody>
-            <a:bodyPr anchorCtr="0" anchor="ctr" bIns="91425" lIns="91425" spcFirstLastPara="1" rIns="91425" wrap="square" tIns="91425">
+            <a:bodyPr spcFirstLastPara="1" wrap="square" lIns="91425" tIns="91425" rIns="91425" bIns="91425" anchor="ctr" anchorCtr="0">
               <a:noAutofit/>
             </a:bodyPr>
             <a:lstStyle/>
             <a:p>
-              <a:pPr indent="0" lvl="0" marL="0" rtl="0" algn="l">
+              <a:pPr marL="0" lvl="0" indent="0" algn="l" rtl="0">
                 <a:spcBef>
                   <a:spcPts val="0"/>
                 </a:spcBef>
@@ -4751,9 +4808,6 @@
                 </a:spcAft>
                 <a:buNone/>
               </a:pPr>
-              <a:r>
-                <a:t/>
-              </a:r>
               <a:endParaRPr/>
             </a:p>
           </p:txBody>
@@ -4771,7 +4825,7 @@
             </a:xfrm>
             <a:prstGeom prst="diagStripe">
               <a:avLst>
-                <a:gd fmla="val 50000" name="adj"/>
+                <a:gd name="adj" fmla="val 50000"/>
               </a:avLst>
             </a:prstGeom>
             <a:solidFill>
@@ -4782,12 +4836,12 @@
             </a:ln>
           </p:spPr>
           <p:txBody>
-            <a:bodyPr anchorCtr="0" anchor="ctr" bIns="91425" lIns="91425" spcFirstLastPara="1" rIns="91425" wrap="square" tIns="91425">
+            <a:bodyPr spcFirstLastPara="1" wrap="square" lIns="91425" tIns="91425" rIns="91425" bIns="91425" anchor="ctr" anchorCtr="0">
               <a:noAutofit/>
             </a:bodyPr>
             <a:lstStyle/>
             <a:p>
-              <a:pPr indent="0" lvl="0" marL="0" rtl="0" algn="l">
+              <a:pPr marL="0" lvl="0" indent="0" algn="l" rtl="0">
                 <a:spcBef>
                   <a:spcPts val="0"/>
                 </a:spcBef>
@@ -4796,9 +4850,6 @@
                 </a:spcAft>
                 <a:buNone/>
               </a:pPr>
-              <a:r>
-                <a:t/>
-              </a:r>
               <a:endParaRPr/>
             </a:p>
           </p:txBody>
@@ -4807,7 +4858,9 @@
       <p:sp>
         <p:nvSpPr>
           <p:cNvPr id="52" name="Google Shape;52;p5"/>
-          <p:cNvSpPr txBox="1"/>
+          <p:cNvSpPr txBox="1">
+            <a:spLocks noGrp="1"/>
+          </p:cNvSpPr>
           <p:nvPr>
             <p:ph type="title"/>
           </p:nvPr>
@@ -4822,7 +4875,7 @@
           </a:prstGeom>
         </p:spPr>
         <p:txBody>
-          <a:bodyPr anchorCtr="0" anchor="t" bIns="91425" lIns="91425" spcFirstLastPara="1" rIns="91425" wrap="square" tIns="91425">
+          <a:bodyPr spcFirstLastPara="1" wrap="square" lIns="91425" tIns="91425" rIns="91425" bIns="91425" anchor="t" anchorCtr="0">
             <a:normAutofit/>
           </a:bodyPr>
           <a:lstStyle>
@@ -4926,15 +4979,19 @@
               <a:defRPr sz="2400"/>
             </a:lvl9pPr>
           </a:lstStyle>
-          <a:p/>
+          <a:p>
+            <a:endParaRPr/>
+          </a:p>
         </p:txBody>
       </p:sp>
       <p:sp>
         <p:nvSpPr>
           <p:cNvPr id="53" name="Google Shape;53;p5"/>
-          <p:cNvSpPr txBox="1"/>
+          <p:cNvSpPr txBox="1">
+            <a:spLocks noGrp="1"/>
+          </p:cNvSpPr>
           <p:nvPr>
-            <p:ph idx="1" type="body"/>
+            <p:ph type="body" idx="1"/>
           </p:nvPr>
         </p:nvSpPr>
         <p:spPr>
@@ -4947,11 +5004,11 @@
           </a:prstGeom>
         </p:spPr>
         <p:txBody>
-          <a:bodyPr anchorCtr="0" anchor="t" bIns="91425" lIns="91425" spcFirstLastPara="1" rIns="91425" wrap="square" tIns="91425">
+          <a:bodyPr spcFirstLastPara="1" wrap="square" lIns="91425" tIns="91425" rIns="91425" bIns="91425" anchor="t" anchorCtr="0">
             <a:normAutofit/>
           </a:bodyPr>
           <a:lstStyle>
-            <a:lvl1pPr indent="-311150" lvl="0" marL="457200">
+            <a:lvl1pPr marL="457200" lvl="0" indent="-311150">
               <a:spcBef>
                 <a:spcPts val="0"/>
               </a:spcBef>
@@ -4962,7 +5019,7 @@
               <a:buChar char="●"/>
               <a:defRPr/>
             </a:lvl1pPr>
-            <a:lvl2pPr indent="-298450" lvl="1" marL="914400">
+            <a:lvl2pPr marL="914400" lvl="1" indent="-298450">
               <a:spcBef>
                 <a:spcPts val="0"/>
               </a:spcBef>
@@ -4973,7 +5030,7 @@
               <a:buChar char="○"/>
               <a:defRPr/>
             </a:lvl2pPr>
-            <a:lvl3pPr indent="-298450" lvl="2" marL="1371600">
+            <a:lvl3pPr marL="1371600" lvl="2" indent="-298450">
               <a:spcBef>
                 <a:spcPts val="0"/>
               </a:spcBef>
@@ -4984,7 +5041,7 @@
               <a:buChar char="■"/>
               <a:defRPr/>
             </a:lvl3pPr>
-            <a:lvl4pPr indent="-298450" lvl="3" marL="1828800">
+            <a:lvl4pPr marL="1828800" lvl="3" indent="-298450">
               <a:spcBef>
                 <a:spcPts val="0"/>
               </a:spcBef>
@@ -4995,7 +5052,7 @@
               <a:buChar char="●"/>
               <a:defRPr/>
             </a:lvl4pPr>
-            <a:lvl5pPr indent="-298450" lvl="4" marL="2286000">
+            <a:lvl5pPr marL="2286000" lvl="4" indent="-298450">
               <a:spcBef>
                 <a:spcPts val="0"/>
               </a:spcBef>
@@ -5006,7 +5063,7 @@
               <a:buChar char="○"/>
               <a:defRPr/>
             </a:lvl5pPr>
-            <a:lvl6pPr indent="-298450" lvl="5" marL="2743200">
+            <a:lvl6pPr marL="2743200" lvl="5" indent="-298450">
               <a:spcBef>
                 <a:spcPts val="0"/>
               </a:spcBef>
@@ -5017,7 +5074,7 @@
               <a:buChar char="■"/>
               <a:defRPr/>
             </a:lvl6pPr>
-            <a:lvl7pPr indent="-298450" lvl="6" marL="3200400">
+            <a:lvl7pPr marL="3200400" lvl="6" indent="-298450">
               <a:spcBef>
                 <a:spcPts val="0"/>
               </a:spcBef>
@@ -5028,7 +5085,7 @@
               <a:buChar char="●"/>
               <a:defRPr/>
             </a:lvl7pPr>
-            <a:lvl8pPr indent="-298450" lvl="7" marL="3657600">
+            <a:lvl8pPr marL="3657600" lvl="7" indent="-298450">
               <a:spcBef>
                 <a:spcPts val="0"/>
               </a:spcBef>
@@ -5039,7 +5096,7 @@
               <a:buChar char="○"/>
               <a:defRPr/>
             </a:lvl8pPr>
-            <a:lvl9pPr indent="-298450" lvl="8" marL="4114800">
+            <a:lvl9pPr marL="4114800" lvl="8" indent="-298450">
               <a:spcBef>
                 <a:spcPts val="0"/>
               </a:spcBef>
@@ -5051,15 +5108,19 @@
               <a:defRPr/>
             </a:lvl9pPr>
           </a:lstStyle>
-          <a:p/>
+          <a:p>
+            <a:endParaRPr/>
+          </a:p>
         </p:txBody>
       </p:sp>
       <p:sp>
         <p:nvSpPr>
           <p:cNvPr id="54" name="Google Shape;54;p5"/>
-          <p:cNvSpPr txBox="1"/>
+          <p:cNvSpPr txBox="1">
+            <a:spLocks noGrp="1"/>
+          </p:cNvSpPr>
           <p:nvPr>
-            <p:ph idx="2" type="body"/>
+            <p:ph type="body" idx="2"/>
           </p:nvPr>
         </p:nvSpPr>
         <p:spPr>
@@ -5072,11 +5133,11 @@
           </a:prstGeom>
         </p:spPr>
         <p:txBody>
-          <a:bodyPr anchorCtr="0" anchor="t" bIns="91425" lIns="91425" spcFirstLastPara="1" rIns="91425" wrap="square" tIns="91425">
+          <a:bodyPr spcFirstLastPara="1" wrap="square" lIns="91425" tIns="91425" rIns="91425" bIns="91425" anchor="t" anchorCtr="0">
             <a:normAutofit/>
           </a:bodyPr>
           <a:lstStyle>
-            <a:lvl1pPr indent="-311150" lvl="0" marL="457200">
+            <a:lvl1pPr marL="457200" lvl="0" indent="-311150">
               <a:spcBef>
                 <a:spcPts val="0"/>
               </a:spcBef>
@@ -5087,7 +5148,7 @@
               <a:buChar char="●"/>
               <a:defRPr/>
             </a:lvl1pPr>
-            <a:lvl2pPr indent="-298450" lvl="1" marL="914400">
+            <a:lvl2pPr marL="914400" lvl="1" indent="-298450">
               <a:spcBef>
                 <a:spcPts val="0"/>
               </a:spcBef>
@@ -5098,7 +5159,7 @@
               <a:buChar char="○"/>
               <a:defRPr/>
             </a:lvl2pPr>
-            <a:lvl3pPr indent="-298450" lvl="2" marL="1371600">
+            <a:lvl3pPr marL="1371600" lvl="2" indent="-298450">
               <a:spcBef>
                 <a:spcPts val="0"/>
               </a:spcBef>
@@ -5109,7 +5170,7 @@
               <a:buChar char="■"/>
               <a:defRPr/>
             </a:lvl3pPr>
-            <a:lvl4pPr indent="-298450" lvl="3" marL="1828800">
+            <a:lvl4pPr marL="1828800" lvl="3" indent="-298450">
               <a:spcBef>
                 <a:spcPts val="0"/>
               </a:spcBef>
@@ -5120,7 +5181,7 @@
               <a:buChar char="●"/>
               <a:defRPr/>
             </a:lvl4pPr>
-            <a:lvl5pPr indent="-298450" lvl="4" marL="2286000">
+            <a:lvl5pPr marL="2286000" lvl="4" indent="-298450">
               <a:spcBef>
                 <a:spcPts val="0"/>
               </a:spcBef>
@@ -5131,7 +5192,7 @@
               <a:buChar char="○"/>
               <a:defRPr/>
             </a:lvl5pPr>
-            <a:lvl6pPr indent="-298450" lvl="5" marL="2743200">
+            <a:lvl6pPr marL="2743200" lvl="5" indent="-298450">
               <a:spcBef>
                 <a:spcPts val="0"/>
               </a:spcBef>
@@ -5142,7 +5203,7 @@
               <a:buChar char="■"/>
               <a:defRPr/>
             </a:lvl6pPr>
-            <a:lvl7pPr indent="-298450" lvl="6" marL="3200400">
+            <a:lvl7pPr marL="3200400" lvl="6" indent="-298450">
               <a:spcBef>
                 <a:spcPts val="0"/>
               </a:spcBef>
@@ -5153,7 +5214,7 @@
               <a:buChar char="●"/>
               <a:defRPr/>
             </a:lvl7pPr>
-            <a:lvl8pPr indent="-298450" lvl="7" marL="3657600">
+            <a:lvl8pPr marL="3657600" lvl="7" indent="-298450">
               <a:spcBef>
                 <a:spcPts val="0"/>
               </a:spcBef>
@@ -5164,7 +5225,7 @@
               <a:buChar char="○"/>
               <a:defRPr/>
             </a:lvl8pPr>
-            <a:lvl9pPr indent="-298450" lvl="8" marL="4114800">
+            <a:lvl9pPr marL="4114800" lvl="8" indent="-298450">
               <a:spcBef>
                 <a:spcPts val="0"/>
               </a:spcBef>
@@ -5176,15 +5237,19 @@
               <a:defRPr/>
             </a:lvl9pPr>
           </a:lstStyle>
-          <a:p/>
+          <a:p>
+            <a:endParaRPr/>
+          </a:p>
         </p:txBody>
       </p:sp>
       <p:sp>
         <p:nvSpPr>
           <p:cNvPr id="55" name="Google Shape;55;p5"/>
-          <p:cNvSpPr txBox="1"/>
+          <p:cNvSpPr txBox="1">
+            <a:spLocks noGrp="1"/>
+          </p:cNvSpPr>
           <p:nvPr>
-            <p:ph idx="12" type="sldNum"/>
+            <p:ph type="sldNum" idx="12"/>
           </p:nvPr>
         </p:nvSpPr>
         <p:spPr>
@@ -5197,7 +5262,7 @@
           </a:prstGeom>
         </p:spPr>
         <p:txBody>
-          <a:bodyPr anchorCtr="0" anchor="ctr" bIns="91425" lIns="91425" spcFirstLastPara="1" rIns="91425" wrap="square" tIns="91425">
+          <a:bodyPr spcFirstLastPara="1" wrap="square" lIns="91425" tIns="91425" rIns="91425" bIns="91425" anchor="ctr" anchorCtr="0">
             <a:normAutofit/>
           </a:bodyPr>
           <a:lstStyle>
@@ -5239,7 +5304,7 @@
             </a:lvl9pPr>
           </a:lstStyle>
           <a:p>
-            <a:pPr indent="0" lvl="0" marL="0" rtl="0" algn="r">
+            <a:pPr marL="0" lvl="0" indent="0" algn="r" rtl="0">
               <a:spcBef>
                 <a:spcPts val="0"/>
               </a:spcBef>
@@ -5265,11 +5330,11 @@
 </file>
 
 <file path=ppt/slideLayouts/slideLayout5.xml><?xml version="1.0" encoding="utf-8"?>
-<p:sldLayout xmlns:a="http://schemas.openxmlformats.org/drawingml/2006/main" xmlns:r="http://schemas.openxmlformats.org/officeDocument/2006/relationships" xmlns:mc="http://schemas.openxmlformats.org/markup-compatibility/2006" xmlns:mv="urn:schemas-microsoft-com:mac:vml" xmlns:p="http://schemas.openxmlformats.org/presentationml/2006/main" xmlns:c="http://schemas.openxmlformats.org/drawingml/2006/chart" xmlns:dgm="http://schemas.openxmlformats.org/drawingml/2006/diagram" xmlns:o="urn:schemas-microsoft-com:office:office" xmlns:v="urn:schemas-microsoft-com:vml" xmlns:pvml="urn:schemas-microsoft-com:office:powerpoint" xmlns:com="http://schemas.openxmlformats.org/drawingml/2006/compatibility" xmlns:p14="http://schemas.microsoft.com/office/powerpoint/2010/main" xmlns:p15="http://schemas.microsoft.com/office/powerpoint/2012/main" xmlns:ahyp="http://schemas.microsoft.com/office/drawing/2018/hyperlinkcolor" matchingName="Title only" type="titleOnly">
+<p:sldLayout xmlns:a="http://schemas.openxmlformats.org/drawingml/2006/main" xmlns:r="http://schemas.openxmlformats.org/officeDocument/2006/relationships" xmlns:p="http://schemas.openxmlformats.org/presentationml/2006/main" matchingName="Title only" type="titleOnly">
   <p:cSld name="TITLE_ONLY">
     <p:spTree>
       <p:nvGrpSpPr>
-        <p:cNvPr id="56" name="Shape 56"/>
+        <p:cNvPr id="1" name="Shape 56"/>
         <p:cNvGrpSpPr/>
         <p:nvPr/>
       </p:nvGrpSpPr>
@@ -5308,7 +5373,7 @@
             </a:xfrm>
             <a:prstGeom prst="diagStripe">
               <a:avLst>
-                <a:gd fmla="val 50000" name="adj"/>
+                <a:gd name="adj" fmla="val 50000"/>
               </a:avLst>
             </a:prstGeom>
             <a:solidFill>
@@ -5319,12 +5384,12 @@
             </a:ln>
           </p:spPr>
           <p:txBody>
-            <a:bodyPr anchorCtr="0" anchor="ctr" bIns="91425" lIns="91425" spcFirstLastPara="1" rIns="91425" wrap="square" tIns="91425">
+            <a:bodyPr spcFirstLastPara="1" wrap="square" lIns="91425" tIns="91425" rIns="91425" bIns="91425" anchor="ctr" anchorCtr="0">
               <a:noAutofit/>
             </a:bodyPr>
             <a:lstStyle/>
             <a:p>
-              <a:pPr indent="0" lvl="0" marL="0" rtl="0" algn="l">
+              <a:pPr marL="0" lvl="0" indent="0" algn="l" rtl="0">
                 <a:spcBef>
                   <a:spcPts val="0"/>
                 </a:spcBef>
@@ -5333,9 +5398,6 @@
                 </a:spcAft>
                 <a:buNone/>
               </a:pPr>
-              <a:r>
-                <a:t/>
-              </a:r>
               <a:endParaRPr/>
             </a:p>
           </p:txBody>
@@ -5353,7 +5415,7 @@
             </a:xfrm>
             <a:prstGeom prst="diagStripe">
               <a:avLst>
-                <a:gd fmla="val 50000" name="adj"/>
+                <a:gd name="adj" fmla="val 50000"/>
               </a:avLst>
             </a:prstGeom>
             <a:solidFill>
@@ -5364,12 +5426,12 @@
             </a:ln>
           </p:spPr>
           <p:txBody>
-            <a:bodyPr anchorCtr="0" anchor="ctr" bIns="91425" lIns="91425" spcFirstLastPara="1" rIns="91425" wrap="square" tIns="91425">
+            <a:bodyPr spcFirstLastPara="1" wrap="square" lIns="91425" tIns="91425" rIns="91425" bIns="91425" anchor="ctr" anchorCtr="0">
               <a:noAutofit/>
             </a:bodyPr>
             <a:lstStyle/>
             <a:p>
-              <a:pPr indent="0" lvl="0" marL="0" rtl="0" algn="l">
+              <a:pPr marL="0" lvl="0" indent="0" algn="l" rtl="0">
                 <a:spcBef>
                   <a:spcPts val="0"/>
                 </a:spcBef>
@@ -5378,9 +5440,6 @@
                 </a:spcAft>
                 <a:buNone/>
               </a:pPr>
-              <a:r>
-                <a:t/>
-              </a:r>
               <a:endParaRPr/>
             </a:p>
           </p:txBody>
@@ -5389,7 +5448,9 @@
       <p:sp>
         <p:nvSpPr>
           <p:cNvPr id="60" name="Google Shape;60;p6"/>
-          <p:cNvSpPr txBox="1"/>
+          <p:cNvSpPr txBox="1">
+            <a:spLocks noGrp="1"/>
+          </p:cNvSpPr>
           <p:nvPr>
             <p:ph type="title"/>
           </p:nvPr>
@@ -5404,7 +5465,7 @@
           </a:prstGeom>
         </p:spPr>
         <p:txBody>
-          <a:bodyPr anchorCtr="0" anchor="t" bIns="91425" lIns="91425" spcFirstLastPara="1" rIns="91425" wrap="square" tIns="91425">
+          <a:bodyPr spcFirstLastPara="1" wrap="square" lIns="91425" tIns="91425" rIns="91425" bIns="91425" anchor="t" anchorCtr="0">
             <a:normAutofit/>
           </a:bodyPr>
           <a:lstStyle>
@@ -5508,15 +5569,19 @@
               <a:defRPr sz="2400"/>
             </a:lvl9pPr>
           </a:lstStyle>
-          <a:p/>
+          <a:p>
+            <a:endParaRPr/>
+          </a:p>
         </p:txBody>
       </p:sp>
       <p:sp>
         <p:nvSpPr>
           <p:cNvPr id="61" name="Google Shape;61;p6"/>
-          <p:cNvSpPr txBox="1"/>
+          <p:cNvSpPr txBox="1">
+            <a:spLocks noGrp="1"/>
+          </p:cNvSpPr>
           <p:nvPr>
-            <p:ph idx="12" type="sldNum"/>
+            <p:ph type="sldNum" idx="12"/>
           </p:nvPr>
         </p:nvSpPr>
         <p:spPr>
@@ -5529,7 +5594,7 @@
           </a:prstGeom>
         </p:spPr>
         <p:txBody>
-          <a:bodyPr anchorCtr="0" anchor="ctr" bIns="91425" lIns="91425" spcFirstLastPara="1" rIns="91425" wrap="square" tIns="91425">
+          <a:bodyPr spcFirstLastPara="1" wrap="square" lIns="91425" tIns="91425" rIns="91425" bIns="91425" anchor="ctr" anchorCtr="0">
             <a:normAutofit/>
           </a:bodyPr>
           <a:lstStyle>
@@ -5571,7 +5636,7 @@
             </a:lvl9pPr>
           </a:lstStyle>
           <a:p>
-            <a:pPr indent="0" lvl="0" marL="0" rtl="0" algn="r">
+            <a:pPr marL="0" lvl="0" indent="0" algn="r" rtl="0">
               <a:spcBef>
                 <a:spcPts val="0"/>
               </a:spcBef>
@@ -5597,11 +5662,11 @@
 </file>
 
 <file path=ppt/slideLayouts/slideLayout6.xml><?xml version="1.0" encoding="utf-8"?>
-<p:sldLayout xmlns:a="http://schemas.openxmlformats.org/drawingml/2006/main" xmlns:r="http://schemas.openxmlformats.org/officeDocument/2006/relationships" xmlns:mc="http://schemas.openxmlformats.org/markup-compatibility/2006" xmlns:mv="urn:schemas-microsoft-com:mac:vml" xmlns:p="http://schemas.openxmlformats.org/presentationml/2006/main" xmlns:c="http://schemas.openxmlformats.org/drawingml/2006/chart" xmlns:dgm="http://schemas.openxmlformats.org/drawingml/2006/diagram" xmlns:o="urn:schemas-microsoft-com:office:office" xmlns:v="urn:schemas-microsoft-com:vml" xmlns:pvml="urn:schemas-microsoft-com:office:powerpoint" xmlns:com="http://schemas.openxmlformats.org/drawingml/2006/compatibility" xmlns:p14="http://schemas.microsoft.com/office/powerpoint/2010/main" xmlns:p15="http://schemas.microsoft.com/office/powerpoint/2012/main" xmlns:ahyp="http://schemas.microsoft.com/office/drawing/2018/hyperlinkcolor" matchingName="One column text">
+<p:sldLayout xmlns:a="http://schemas.openxmlformats.org/drawingml/2006/main" xmlns:r="http://schemas.openxmlformats.org/officeDocument/2006/relationships" xmlns:p="http://schemas.openxmlformats.org/presentationml/2006/main" matchingName="One column text">
   <p:cSld name="ONE_COLUMN_TEXT">
     <p:spTree>
       <p:nvGrpSpPr>
-        <p:cNvPr id="62" name="Shape 62"/>
+        <p:cNvPr id="1" name="Shape 62"/>
         <p:cNvGrpSpPr/>
         <p:nvPr/>
       </p:nvGrpSpPr>
@@ -5640,7 +5705,7 @@
             </a:xfrm>
             <a:prstGeom prst="diagStripe">
               <a:avLst>
-                <a:gd fmla="val 50000" name="adj"/>
+                <a:gd name="adj" fmla="val 50000"/>
               </a:avLst>
             </a:prstGeom>
             <a:solidFill>
@@ -5651,12 +5716,12 @@
             </a:ln>
           </p:spPr>
           <p:txBody>
-            <a:bodyPr anchorCtr="0" anchor="ctr" bIns="91425" lIns="91425" spcFirstLastPara="1" rIns="91425" wrap="square" tIns="91425">
+            <a:bodyPr spcFirstLastPara="1" wrap="square" lIns="91425" tIns="91425" rIns="91425" bIns="91425" anchor="ctr" anchorCtr="0">
               <a:noAutofit/>
             </a:bodyPr>
             <a:lstStyle/>
             <a:p>
-              <a:pPr indent="0" lvl="0" marL="0" rtl="0" algn="l">
+              <a:pPr marL="0" lvl="0" indent="0" algn="l" rtl="0">
                 <a:spcBef>
                   <a:spcPts val="0"/>
                 </a:spcBef>
@@ -5665,9 +5730,6 @@
                 </a:spcAft>
                 <a:buNone/>
               </a:pPr>
-              <a:r>
-                <a:t/>
-              </a:r>
               <a:endParaRPr/>
             </a:p>
           </p:txBody>
@@ -5685,7 +5747,7 @@
             </a:xfrm>
             <a:prstGeom prst="diagStripe">
               <a:avLst>
-                <a:gd fmla="val 50000" name="adj"/>
+                <a:gd name="adj" fmla="val 50000"/>
               </a:avLst>
             </a:prstGeom>
             <a:solidFill>
@@ -5696,12 +5758,12 @@
             </a:ln>
           </p:spPr>
           <p:txBody>
-            <a:bodyPr anchorCtr="0" anchor="ctr" bIns="91425" lIns="91425" spcFirstLastPara="1" rIns="91425" wrap="square" tIns="91425">
+            <a:bodyPr spcFirstLastPara="1" wrap="square" lIns="91425" tIns="91425" rIns="91425" bIns="91425" anchor="ctr" anchorCtr="0">
               <a:noAutofit/>
             </a:bodyPr>
             <a:lstStyle/>
             <a:p>
-              <a:pPr indent="0" lvl="0" marL="0" rtl="0" algn="l">
+              <a:pPr marL="0" lvl="0" indent="0" algn="l" rtl="0">
                 <a:spcBef>
                   <a:spcPts val="0"/>
                 </a:spcBef>
@@ -5710,9 +5772,6 @@
                 </a:spcAft>
                 <a:buNone/>
               </a:pPr>
-              <a:r>
-                <a:t/>
-              </a:r>
               <a:endParaRPr/>
             </a:p>
           </p:txBody>
@@ -5721,7 +5780,9 @@
       <p:sp>
         <p:nvSpPr>
           <p:cNvPr id="66" name="Google Shape;66;p7"/>
-          <p:cNvSpPr txBox="1"/>
+          <p:cNvSpPr txBox="1">
+            <a:spLocks noGrp="1"/>
+          </p:cNvSpPr>
           <p:nvPr>
             <p:ph type="title"/>
           </p:nvPr>
@@ -5736,7 +5797,7 @@
           </a:prstGeom>
         </p:spPr>
         <p:txBody>
-          <a:bodyPr anchorCtr="0" anchor="t" bIns="91425" lIns="91425" spcFirstLastPara="1" rIns="91425" wrap="square" tIns="91425">
+          <a:bodyPr spcFirstLastPara="1" wrap="square" lIns="91425" tIns="91425" rIns="91425" bIns="91425" anchor="t" anchorCtr="0">
             <a:normAutofit/>
           </a:bodyPr>
           <a:lstStyle>
@@ -5840,15 +5901,19 @@
               <a:defRPr sz="2400"/>
             </a:lvl9pPr>
           </a:lstStyle>
-          <a:p/>
+          <a:p>
+            <a:endParaRPr/>
+          </a:p>
         </p:txBody>
       </p:sp>
       <p:sp>
         <p:nvSpPr>
           <p:cNvPr id="67" name="Google Shape;67;p7"/>
-          <p:cNvSpPr txBox="1"/>
+          <p:cNvSpPr txBox="1">
+            <a:spLocks noGrp="1"/>
+          </p:cNvSpPr>
           <p:nvPr>
-            <p:ph idx="1" type="body"/>
+            <p:ph type="body" idx="1"/>
           </p:nvPr>
         </p:nvSpPr>
         <p:spPr>
@@ -5861,11 +5926,11 @@
           </a:prstGeom>
         </p:spPr>
         <p:txBody>
-          <a:bodyPr anchorCtr="0" anchor="t" bIns="91425" lIns="91425" spcFirstLastPara="1" rIns="91425" wrap="square" tIns="91425">
+          <a:bodyPr spcFirstLastPara="1" wrap="square" lIns="91425" tIns="91425" rIns="91425" bIns="91425" anchor="t" anchorCtr="0">
             <a:normAutofit/>
           </a:bodyPr>
           <a:lstStyle>
-            <a:lvl1pPr indent="-311150" lvl="0" marL="457200">
+            <a:lvl1pPr marL="457200" lvl="0" indent="-311150">
               <a:spcBef>
                 <a:spcPts val="0"/>
               </a:spcBef>
@@ -5876,7 +5941,7 @@
               <a:buChar char="●"/>
               <a:defRPr/>
             </a:lvl1pPr>
-            <a:lvl2pPr indent="-298450" lvl="1" marL="914400">
+            <a:lvl2pPr marL="914400" lvl="1" indent="-298450">
               <a:spcBef>
                 <a:spcPts val="0"/>
               </a:spcBef>
@@ -5887,7 +5952,7 @@
               <a:buChar char="○"/>
               <a:defRPr/>
             </a:lvl2pPr>
-            <a:lvl3pPr indent="-298450" lvl="2" marL="1371600">
+            <a:lvl3pPr marL="1371600" lvl="2" indent="-298450">
               <a:spcBef>
                 <a:spcPts val="0"/>
               </a:spcBef>
@@ -5898,7 +5963,7 @@
               <a:buChar char="■"/>
               <a:defRPr/>
             </a:lvl3pPr>
-            <a:lvl4pPr indent="-298450" lvl="3" marL="1828800">
+            <a:lvl4pPr marL="1828800" lvl="3" indent="-298450">
               <a:spcBef>
                 <a:spcPts val="0"/>
               </a:spcBef>
@@ -5909,7 +5974,7 @@
               <a:buChar char="●"/>
               <a:defRPr/>
             </a:lvl4pPr>
-            <a:lvl5pPr indent="-298450" lvl="4" marL="2286000">
+            <a:lvl5pPr marL="2286000" lvl="4" indent="-298450">
               <a:spcBef>
                 <a:spcPts val="0"/>
               </a:spcBef>
@@ -5920,7 +5985,7 @@
               <a:buChar char="○"/>
               <a:defRPr/>
             </a:lvl5pPr>
-            <a:lvl6pPr indent="-298450" lvl="5" marL="2743200">
+            <a:lvl6pPr marL="2743200" lvl="5" indent="-298450">
               <a:spcBef>
                 <a:spcPts val="0"/>
               </a:spcBef>
@@ -5931,7 +5996,7 @@
               <a:buChar char="■"/>
               <a:defRPr/>
             </a:lvl6pPr>
-            <a:lvl7pPr indent="-298450" lvl="6" marL="3200400">
+            <a:lvl7pPr marL="3200400" lvl="6" indent="-298450">
               <a:spcBef>
                 <a:spcPts val="0"/>
               </a:spcBef>
@@ -5942,7 +6007,7 @@
               <a:buChar char="●"/>
               <a:defRPr/>
             </a:lvl7pPr>
-            <a:lvl8pPr indent="-298450" lvl="7" marL="3657600">
+            <a:lvl8pPr marL="3657600" lvl="7" indent="-298450">
               <a:spcBef>
                 <a:spcPts val="0"/>
               </a:spcBef>
@@ -5953,7 +6018,7 @@
               <a:buChar char="○"/>
               <a:defRPr/>
             </a:lvl8pPr>
-            <a:lvl9pPr indent="-298450" lvl="8" marL="4114800">
+            <a:lvl9pPr marL="4114800" lvl="8" indent="-298450">
               <a:spcBef>
                 <a:spcPts val="0"/>
               </a:spcBef>
@@ -5965,15 +6030,19 @@
               <a:defRPr/>
             </a:lvl9pPr>
           </a:lstStyle>
-          <a:p/>
+          <a:p>
+            <a:endParaRPr/>
+          </a:p>
         </p:txBody>
       </p:sp>
       <p:sp>
         <p:nvSpPr>
           <p:cNvPr id="68" name="Google Shape;68;p7"/>
-          <p:cNvSpPr txBox="1"/>
+          <p:cNvSpPr txBox="1">
+            <a:spLocks noGrp="1"/>
+          </p:cNvSpPr>
           <p:nvPr>
-            <p:ph idx="12" type="sldNum"/>
+            <p:ph type="sldNum" idx="12"/>
           </p:nvPr>
         </p:nvSpPr>
         <p:spPr>
@@ -5986,7 +6055,7 @@
           </a:prstGeom>
         </p:spPr>
         <p:txBody>
-          <a:bodyPr anchorCtr="0" anchor="ctr" bIns="91425" lIns="91425" spcFirstLastPara="1" rIns="91425" wrap="square" tIns="91425">
+          <a:bodyPr spcFirstLastPara="1" wrap="square" lIns="91425" tIns="91425" rIns="91425" bIns="91425" anchor="ctr" anchorCtr="0">
             <a:normAutofit/>
           </a:bodyPr>
           <a:lstStyle>
@@ -6028,7 +6097,7 @@
             </a:lvl9pPr>
           </a:lstStyle>
           <a:p>
-            <a:pPr indent="0" lvl="0" marL="0" rtl="0" algn="r">
+            <a:pPr marL="0" lvl="0" indent="0" algn="r" rtl="0">
               <a:spcBef>
                 <a:spcPts val="0"/>
               </a:spcBef>
@@ -6054,11 +6123,11 @@
 </file>
 
 <file path=ppt/slideLayouts/slideLayout7.xml><?xml version="1.0" encoding="utf-8"?>
-<p:sldLayout xmlns:a="http://schemas.openxmlformats.org/drawingml/2006/main" xmlns:r="http://schemas.openxmlformats.org/officeDocument/2006/relationships" xmlns:mc="http://schemas.openxmlformats.org/markup-compatibility/2006" xmlns:mv="urn:schemas-microsoft-com:mac:vml" xmlns:p="http://schemas.openxmlformats.org/presentationml/2006/main" xmlns:c="http://schemas.openxmlformats.org/drawingml/2006/chart" xmlns:dgm="http://schemas.openxmlformats.org/drawingml/2006/diagram" xmlns:o="urn:schemas-microsoft-com:office:office" xmlns:v="urn:schemas-microsoft-com:vml" xmlns:pvml="urn:schemas-microsoft-com:office:powerpoint" xmlns:com="http://schemas.openxmlformats.org/drawingml/2006/compatibility" xmlns:p14="http://schemas.microsoft.com/office/powerpoint/2010/main" xmlns:p15="http://schemas.microsoft.com/office/powerpoint/2012/main" xmlns:ahyp="http://schemas.microsoft.com/office/drawing/2018/hyperlinkcolor" matchingName="Main point">
+<p:sldLayout xmlns:a="http://schemas.openxmlformats.org/drawingml/2006/main" xmlns:r="http://schemas.openxmlformats.org/officeDocument/2006/relationships" xmlns:p="http://schemas.openxmlformats.org/presentationml/2006/main" matchingName="Main point">
   <p:cSld name="MAIN_POINT">
     <p:spTree>
       <p:nvGrpSpPr>
-        <p:cNvPr id="69" name="Shape 69"/>
+        <p:cNvPr id="1" name="Shape 69"/>
         <p:cNvGrpSpPr/>
         <p:nvPr/>
       </p:nvGrpSpPr>
@@ -6097,7 +6166,7 @@
             </a:xfrm>
             <a:prstGeom prst="diagStripe">
               <a:avLst>
-                <a:gd fmla="val 49469" name="adj"/>
+                <a:gd name="adj" fmla="val 49469"/>
               </a:avLst>
             </a:prstGeom>
             <a:solidFill>
@@ -6110,12 +6179,12 @@
             </a:ln>
           </p:spPr>
           <p:txBody>
-            <a:bodyPr anchorCtr="0" anchor="ctr" bIns="91425" lIns="91425" spcFirstLastPara="1" rIns="91425" wrap="square" tIns="91425">
+            <a:bodyPr spcFirstLastPara="1" wrap="square" lIns="91425" tIns="91425" rIns="91425" bIns="91425" anchor="ctr" anchorCtr="0">
               <a:noAutofit/>
             </a:bodyPr>
             <a:lstStyle/>
             <a:p>
-              <a:pPr indent="0" lvl="0" marL="0" rtl="0" algn="l">
+              <a:pPr marL="0" lvl="0" indent="0" algn="l" rtl="0">
                 <a:spcBef>
                   <a:spcPts val="0"/>
                 </a:spcBef>
@@ -6124,9 +6193,6 @@
                 </a:spcAft>
                 <a:buNone/>
               </a:pPr>
-              <a:r>
-                <a:t/>
-              </a:r>
               <a:endParaRPr/>
             </a:p>
           </p:txBody>
@@ -6144,7 +6210,7 @@
             </a:xfrm>
             <a:prstGeom prst="diagStripe">
               <a:avLst>
-                <a:gd fmla="val 0" name="adj"/>
+                <a:gd name="adj" fmla="val 0"/>
               </a:avLst>
             </a:prstGeom>
             <a:solidFill>
@@ -6157,12 +6223,12 @@
             </a:ln>
           </p:spPr>
           <p:txBody>
-            <a:bodyPr anchorCtr="0" anchor="ctr" bIns="91425" lIns="91425" spcFirstLastPara="1" rIns="91425" wrap="square" tIns="91425">
+            <a:bodyPr spcFirstLastPara="1" wrap="square" lIns="91425" tIns="91425" rIns="91425" bIns="91425" anchor="ctr" anchorCtr="0">
               <a:noAutofit/>
             </a:bodyPr>
             <a:lstStyle/>
             <a:p>
-              <a:pPr indent="0" lvl="0" marL="0" rtl="0" algn="l">
+              <a:pPr marL="0" lvl="0" indent="0" algn="l" rtl="0">
                 <a:spcBef>
                   <a:spcPts val="0"/>
                 </a:spcBef>
@@ -6171,9 +6237,6 @@
                 </a:spcAft>
                 <a:buNone/>
               </a:pPr>
-              <a:r>
-                <a:t/>
-              </a:r>
               <a:endParaRPr/>
             </a:p>
           </p:txBody>
@@ -6191,7 +6254,7 @@
             </a:xfrm>
             <a:prstGeom prst="diagStripe">
               <a:avLst>
-                <a:gd fmla="val 50000" name="adj"/>
+                <a:gd name="adj" fmla="val 50000"/>
               </a:avLst>
             </a:prstGeom>
             <a:solidFill>
@@ -6204,12 +6267,12 @@
             </a:ln>
           </p:spPr>
           <p:txBody>
-            <a:bodyPr anchorCtr="0" anchor="ctr" bIns="91425" lIns="91425" spcFirstLastPara="1" rIns="91425" wrap="square" tIns="91425">
+            <a:bodyPr spcFirstLastPara="1" wrap="square" lIns="91425" tIns="91425" rIns="91425" bIns="91425" anchor="ctr" anchorCtr="0">
               <a:noAutofit/>
             </a:bodyPr>
             <a:lstStyle/>
             <a:p>
-              <a:pPr indent="0" lvl="0" marL="0" rtl="0" algn="l">
+              <a:pPr marL="0" lvl="0" indent="0" algn="l" rtl="0">
                 <a:spcBef>
                   <a:spcPts val="0"/>
                 </a:spcBef>
@@ -6218,9 +6281,6 @@
                 </a:spcAft>
                 <a:buNone/>
               </a:pPr>
-              <a:r>
-                <a:t/>
-              </a:r>
               <a:endParaRPr/>
             </a:p>
           </p:txBody>
@@ -6238,7 +6298,7 @@
             </a:xfrm>
             <a:prstGeom prst="diagStripe">
               <a:avLst>
-                <a:gd fmla="val 50000" name="adj"/>
+                <a:gd name="adj" fmla="val 50000"/>
               </a:avLst>
             </a:prstGeom>
             <a:solidFill>
@@ -6251,12 +6311,12 @@
             </a:ln>
           </p:spPr>
           <p:txBody>
-            <a:bodyPr anchorCtr="0" anchor="ctr" bIns="91425" lIns="91425" spcFirstLastPara="1" rIns="91425" wrap="square" tIns="91425">
+            <a:bodyPr spcFirstLastPara="1" wrap="square" lIns="91425" tIns="91425" rIns="91425" bIns="91425" anchor="ctr" anchorCtr="0">
               <a:noAutofit/>
             </a:bodyPr>
             <a:lstStyle/>
             <a:p>
-              <a:pPr indent="0" lvl="0" marL="0" rtl="0" algn="l">
+              <a:pPr marL="0" lvl="0" indent="0" algn="l" rtl="0">
                 <a:spcBef>
                   <a:spcPts val="0"/>
                 </a:spcBef>
@@ -6265,9 +6325,6 @@
                 </a:spcAft>
                 <a:buNone/>
               </a:pPr>
-              <a:r>
-                <a:t/>
-              </a:r>
               <a:endParaRPr/>
             </a:p>
           </p:txBody>
@@ -6285,7 +6342,7 @@
             </a:xfrm>
             <a:prstGeom prst="diagStripe">
               <a:avLst>
-                <a:gd fmla="val 50000" name="adj"/>
+                <a:gd name="adj" fmla="val 50000"/>
               </a:avLst>
             </a:prstGeom>
             <a:solidFill>
@@ -6298,12 +6355,12 @@
             </a:ln>
           </p:spPr>
           <p:txBody>
-            <a:bodyPr anchorCtr="0" anchor="ctr" bIns="91425" lIns="91425" spcFirstLastPara="1" rIns="91425" wrap="square" tIns="91425">
+            <a:bodyPr spcFirstLastPara="1" wrap="square" lIns="91425" tIns="91425" rIns="91425" bIns="91425" anchor="ctr" anchorCtr="0">
               <a:noAutofit/>
             </a:bodyPr>
             <a:lstStyle/>
             <a:p>
-              <a:pPr indent="0" lvl="0" marL="0" rtl="0" algn="l">
+              <a:pPr marL="0" lvl="0" indent="0" algn="l" rtl="0">
                 <a:spcBef>
                   <a:spcPts val="0"/>
                 </a:spcBef>
@@ -6312,9 +6369,6 @@
                 </a:spcAft>
                 <a:buNone/>
               </a:pPr>
-              <a:r>
-                <a:t/>
-              </a:r>
               <a:endParaRPr/>
             </a:p>
           </p:txBody>
@@ -6332,7 +6386,7 @@
             </a:xfrm>
             <a:prstGeom prst="diagStripe">
               <a:avLst>
-                <a:gd fmla="val 50000" name="adj"/>
+                <a:gd name="adj" fmla="val 50000"/>
               </a:avLst>
             </a:prstGeom>
             <a:solidFill>
@@ -6345,12 +6399,12 @@
             </a:ln>
           </p:spPr>
           <p:txBody>
-            <a:bodyPr anchorCtr="0" anchor="ctr" bIns="91425" lIns="91425" spcFirstLastPara="1" rIns="91425" wrap="square" tIns="91425">
+            <a:bodyPr spcFirstLastPara="1" wrap="square" lIns="91425" tIns="91425" rIns="91425" bIns="91425" anchor="ctr" anchorCtr="0">
               <a:noAutofit/>
             </a:bodyPr>
             <a:lstStyle/>
             <a:p>
-              <a:pPr indent="0" lvl="0" marL="0" rtl="0" algn="l">
+              <a:pPr marL="0" lvl="0" indent="0" algn="l" rtl="0">
                 <a:spcBef>
                   <a:spcPts val="0"/>
                 </a:spcBef>
@@ -6359,9 +6413,6 @@
                 </a:spcAft>
                 <a:buNone/>
               </a:pPr>
-              <a:r>
-                <a:t/>
-              </a:r>
               <a:endParaRPr/>
             </a:p>
           </p:txBody>
@@ -6379,7 +6430,7 @@
             </a:xfrm>
             <a:prstGeom prst="diagStripe">
               <a:avLst>
-                <a:gd fmla="val 50000" name="adj"/>
+                <a:gd name="adj" fmla="val 50000"/>
               </a:avLst>
             </a:prstGeom>
             <a:solidFill>
@@ -6392,12 +6443,12 @@
             </a:ln>
           </p:spPr>
           <p:txBody>
-            <a:bodyPr anchorCtr="0" anchor="ctr" bIns="91425" lIns="91425" spcFirstLastPara="1" rIns="91425" wrap="square" tIns="91425">
+            <a:bodyPr spcFirstLastPara="1" wrap="square" lIns="91425" tIns="91425" rIns="91425" bIns="91425" anchor="ctr" anchorCtr="0">
               <a:noAutofit/>
             </a:bodyPr>
             <a:lstStyle/>
             <a:p>
-              <a:pPr indent="0" lvl="0" marL="0" rtl="0" algn="l">
+              <a:pPr marL="0" lvl="0" indent="0" algn="l" rtl="0">
                 <a:spcBef>
                   <a:spcPts val="0"/>
                 </a:spcBef>
@@ -6406,9 +6457,6 @@
                 </a:spcAft>
                 <a:buNone/>
               </a:pPr>
-              <a:r>
-                <a:t/>
-              </a:r>
               <a:endParaRPr/>
             </a:p>
           </p:txBody>
@@ -6426,7 +6474,7 @@
             </a:xfrm>
             <a:prstGeom prst="diagStripe">
               <a:avLst>
-                <a:gd fmla="val 50000" name="adj"/>
+                <a:gd name="adj" fmla="val 50000"/>
               </a:avLst>
             </a:prstGeom>
             <a:solidFill>
@@ -6437,12 +6485,12 @@
             </a:ln>
           </p:spPr>
           <p:txBody>
-            <a:bodyPr anchorCtr="0" anchor="ctr" bIns="91425" lIns="91425" spcFirstLastPara="1" rIns="91425" wrap="square" tIns="91425">
+            <a:bodyPr spcFirstLastPara="1" wrap="square" lIns="91425" tIns="91425" rIns="91425" bIns="91425" anchor="ctr" anchorCtr="0">
               <a:noAutofit/>
             </a:bodyPr>
             <a:lstStyle/>
             <a:p>
-              <a:pPr indent="0" lvl="0" marL="0" rtl="0" algn="l">
+              <a:pPr marL="0" lvl="0" indent="0" algn="l" rtl="0">
                 <a:spcBef>
                   <a:spcPts val="0"/>
                 </a:spcBef>
@@ -6451,9 +6499,6 @@
                 </a:spcAft>
                 <a:buNone/>
               </a:pPr>
-              <a:r>
-                <a:t/>
-              </a:r>
               <a:endParaRPr/>
             </a:p>
           </p:txBody>
@@ -6471,7 +6516,7 @@
             </a:xfrm>
             <a:prstGeom prst="diagStripe">
               <a:avLst>
-                <a:gd fmla="val 50000" name="adj"/>
+                <a:gd name="adj" fmla="val 50000"/>
               </a:avLst>
             </a:prstGeom>
             <a:solidFill>
@@ -6484,12 +6529,12 @@
             </a:ln>
           </p:spPr>
           <p:txBody>
-            <a:bodyPr anchorCtr="0" anchor="ctr" bIns="91425" lIns="91425" spcFirstLastPara="1" rIns="91425" wrap="square" tIns="91425">
+            <a:bodyPr spcFirstLastPara="1" wrap="square" lIns="91425" tIns="91425" rIns="91425" bIns="91425" anchor="ctr" anchorCtr="0">
               <a:noAutofit/>
             </a:bodyPr>
             <a:lstStyle/>
             <a:p>
-              <a:pPr indent="0" lvl="0" marL="0" rtl="0" algn="l">
+              <a:pPr marL="0" lvl="0" indent="0" algn="l" rtl="0">
                 <a:spcBef>
                   <a:spcPts val="0"/>
                 </a:spcBef>
@@ -6498,9 +6543,6 @@
                 </a:spcAft>
                 <a:buNone/>
               </a:pPr>
-              <a:r>
-                <a:t/>
-              </a:r>
               <a:endParaRPr/>
             </a:p>
           </p:txBody>
@@ -6518,7 +6560,7 @@
             </a:xfrm>
             <a:prstGeom prst="diagStripe">
               <a:avLst>
-                <a:gd fmla="val 50000" name="adj"/>
+                <a:gd name="adj" fmla="val 50000"/>
               </a:avLst>
             </a:prstGeom>
             <a:solidFill>
@@ -6531,12 +6573,12 @@
             </a:ln>
           </p:spPr>
           <p:txBody>
-            <a:bodyPr anchorCtr="0" anchor="ctr" bIns="91425" lIns="91425" spcFirstLastPara="1" rIns="91425" wrap="square" tIns="91425">
+            <a:bodyPr spcFirstLastPara="1" wrap="square" lIns="91425" tIns="91425" rIns="91425" bIns="91425" anchor="ctr" anchorCtr="0">
               <a:noAutofit/>
             </a:bodyPr>
             <a:lstStyle/>
             <a:p>
-              <a:pPr indent="0" lvl="0" marL="0" rtl="0" algn="l">
+              <a:pPr marL="0" lvl="0" indent="0" algn="l" rtl="0">
                 <a:spcBef>
                   <a:spcPts val="0"/>
                 </a:spcBef>
@@ -6545,9 +6587,6 @@
                 </a:spcAft>
                 <a:buNone/>
               </a:pPr>
-              <a:r>
-                <a:t/>
-              </a:r>
               <a:endParaRPr/>
             </a:p>
           </p:txBody>
@@ -6565,7 +6604,7 @@
             </a:xfrm>
             <a:prstGeom prst="diagStripe">
               <a:avLst>
-                <a:gd fmla="val 50000" name="adj"/>
+                <a:gd name="adj" fmla="val 50000"/>
               </a:avLst>
             </a:prstGeom>
             <a:solidFill>
@@ -6578,12 +6617,12 @@
             </a:ln>
           </p:spPr>
           <p:txBody>
-            <a:bodyPr anchorCtr="0" anchor="ctr" bIns="91425" lIns="91425" spcFirstLastPara="1" rIns="91425" wrap="square" tIns="91425">
+            <a:bodyPr spcFirstLastPara="1" wrap="square" lIns="91425" tIns="91425" rIns="91425" bIns="91425" anchor="ctr" anchorCtr="0">
               <a:noAutofit/>
             </a:bodyPr>
             <a:lstStyle/>
             <a:p>
-              <a:pPr indent="0" lvl="0" marL="0" rtl="0" algn="l">
+              <a:pPr marL="0" lvl="0" indent="0" algn="l" rtl="0">
                 <a:spcBef>
                   <a:spcPts val="0"/>
                 </a:spcBef>
@@ -6592,9 +6631,6 @@
                 </a:spcAft>
                 <a:buNone/>
               </a:pPr>
-              <a:r>
-                <a:t/>
-              </a:r>
               <a:endParaRPr/>
             </a:p>
           </p:txBody>
@@ -6612,7 +6648,7 @@
             </a:xfrm>
             <a:prstGeom prst="diagStripe">
               <a:avLst>
-                <a:gd fmla="val 50000" name="adj"/>
+                <a:gd name="adj" fmla="val 50000"/>
               </a:avLst>
             </a:prstGeom>
             <a:solidFill>
@@ -6625,12 +6661,12 @@
             </a:ln>
           </p:spPr>
           <p:txBody>
-            <a:bodyPr anchorCtr="0" anchor="ctr" bIns="91425" lIns="91425" spcFirstLastPara="1" rIns="91425" wrap="square" tIns="91425">
+            <a:bodyPr spcFirstLastPara="1" wrap="square" lIns="91425" tIns="91425" rIns="91425" bIns="91425" anchor="ctr" anchorCtr="0">
               <a:noAutofit/>
             </a:bodyPr>
             <a:lstStyle/>
             <a:p>
-              <a:pPr indent="0" lvl="0" marL="0" rtl="0" algn="l">
+              <a:pPr marL="0" lvl="0" indent="0" algn="l" rtl="0">
                 <a:spcBef>
                   <a:spcPts val="0"/>
                 </a:spcBef>
@@ -6639,9 +6675,6 @@
                 </a:spcAft>
                 <a:buNone/>
               </a:pPr>
-              <a:r>
-                <a:t/>
-              </a:r>
               <a:endParaRPr/>
             </a:p>
           </p:txBody>
@@ -6659,7 +6692,7 @@
             </a:xfrm>
             <a:prstGeom prst="diagStripe">
               <a:avLst>
-                <a:gd fmla="val 50000" name="adj"/>
+                <a:gd name="adj" fmla="val 50000"/>
               </a:avLst>
             </a:prstGeom>
             <a:solidFill>
@@ -6672,12 +6705,12 @@
             </a:ln>
           </p:spPr>
           <p:txBody>
-            <a:bodyPr anchorCtr="0" anchor="ctr" bIns="91425" lIns="91425" spcFirstLastPara="1" rIns="91425" wrap="square" tIns="91425">
+            <a:bodyPr spcFirstLastPara="1" wrap="square" lIns="91425" tIns="91425" rIns="91425" bIns="91425" anchor="ctr" anchorCtr="0">
               <a:noAutofit/>
             </a:bodyPr>
             <a:lstStyle/>
             <a:p>
-              <a:pPr indent="0" lvl="0" marL="0" rtl="0" algn="l">
+              <a:pPr marL="0" lvl="0" indent="0" algn="l" rtl="0">
                 <a:spcBef>
                   <a:spcPts val="0"/>
                 </a:spcBef>
@@ -6686,9 +6719,6 @@
                 </a:spcAft>
                 <a:buNone/>
               </a:pPr>
-              <a:r>
-                <a:t/>
-              </a:r>
               <a:endParaRPr/>
             </a:p>
           </p:txBody>
@@ -6706,7 +6736,7 @@
             </a:xfrm>
             <a:prstGeom prst="diagStripe">
               <a:avLst>
-                <a:gd fmla="val 50000" name="adj"/>
+                <a:gd name="adj" fmla="val 50000"/>
               </a:avLst>
             </a:prstGeom>
             <a:solidFill>
@@ -6717,12 +6747,12 @@
             </a:ln>
           </p:spPr>
           <p:txBody>
-            <a:bodyPr anchorCtr="0" anchor="ctr" bIns="91425" lIns="91425" spcFirstLastPara="1" rIns="91425" wrap="square" tIns="91425">
+            <a:bodyPr spcFirstLastPara="1" wrap="square" lIns="91425" tIns="91425" rIns="91425" bIns="91425" anchor="ctr" anchorCtr="0">
               <a:noAutofit/>
             </a:bodyPr>
             <a:lstStyle/>
             <a:p>
-              <a:pPr indent="0" lvl="0" marL="0" rtl="0" algn="l">
+              <a:pPr marL="0" lvl="0" indent="0" algn="l" rtl="0">
                 <a:spcBef>
                   <a:spcPts val="0"/>
                 </a:spcBef>
@@ -6731,9 +6761,6 @@
                 </a:spcAft>
                 <a:buNone/>
               </a:pPr>
-              <a:r>
-                <a:t/>
-              </a:r>
               <a:endParaRPr/>
             </a:p>
           </p:txBody>
@@ -6751,7 +6778,7 @@
             </a:xfrm>
             <a:prstGeom prst="diagStripe">
               <a:avLst>
-                <a:gd fmla="val 50000" name="adj"/>
+                <a:gd name="adj" fmla="val 50000"/>
               </a:avLst>
             </a:prstGeom>
             <a:solidFill>
@@ -6764,12 +6791,12 @@
             </a:ln>
           </p:spPr>
           <p:txBody>
-            <a:bodyPr anchorCtr="0" anchor="ctr" bIns="91425" lIns="91425" spcFirstLastPara="1" rIns="91425" wrap="square" tIns="91425">
+            <a:bodyPr spcFirstLastPara="1" wrap="square" lIns="91425" tIns="91425" rIns="91425" bIns="91425" anchor="ctr" anchorCtr="0">
               <a:noAutofit/>
             </a:bodyPr>
             <a:lstStyle/>
             <a:p>
-              <a:pPr indent="0" lvl="0" marL="0" rtl="0" algn="l">
+              <a:pPr marL="0" lvl="0" indent="0" algn="l" rtl="0">
                 <a:spcBef>
                   <a:spcPts val="0"/>
                 </a:spcBef>
@@ -6778,9 +6805,6 @@
                 </a:spcAft>
                 <a:buNone/>
               </a:pPr>
-              <a:r>
-                <a:t/>
-              </a:r>
               <a:endParaRPr/>
             </a:p>
           </p:txBody>
@@ -6798,7 +6822,7 @@
             </a:xfrm>
             <a:prstGeom prst="diagStripe">
               <a:avLst>
-                <a:gd fmla="val 50000" name="adj"/>
+                <a:gd name="adj" fmla="val 50000"/>
               </a:avLst>
             </a:prstGeom>
             <a:solidFill>
@@ -6811,12 +6835,12 @@
             </a:ln>
           </p:spPr>
           <p:txBody>
-            <a:bodyPr anchorCtr="0" anchor="ctr" bIns="91425" lIns="91425" spcFirstLastPara="1" rIns="91425" wrap="square" tIns="91425">
+            <a:bodyPr spcFirstLastPara="1" wrap="square" lIns="91425" tIns="91425" rIns="91425" bIns="91425" anchor="ctr" anchorCtr="0">
               <a:noAutofit/>
             </a:bodyPr>
             <a:lstStyle/>
             <a:p>
-              <a:pPr indent="0" lvl="0" marL="0" rtl="0" algn="l">
+              <a:pPr marL="0" lvl="0" indent="0" algn="l" rtl="0">
                 <a:spcBef>
                   <a:spcPts val="0"/>
                 </a:spcBef>
@@ -6825,9 +6849,6 @@
                 </a:spcAft>
                 <a:buNone/>
               </a:pPr>
-              <a:r>
-                <a:t/>
-              </a:r>
               <a:endParaRPr/>
             </a:p>
           </p:txBody>
@@ -6845,7 +6866,7 @@
             </a:xfrm>
             <a:prstGeom prst="diagStripe">
               <a:avLst>
-                <a:gd fmla="val 50000" name="adj"/>
+                <a:gd name="adj" fmla="val 50000"/>
               </a:avLst>
             </a:prstGeom>
             <a:solidFill>
@@ -6858,12 +6879,12 @@
             </a:ln>
           </p:spPr>
           <p:txBody>
-            <a:bodyPr anchorCtr="0" anchor="ctr" bIns="91425" lIns="91425" spcFirstLastPara="1" rIns="91425" wrap="square" tIns="91425">
+            <a:bodyPr spcFirstLastPara="1" wrap="square" lIns="91425" tIns="91425" rIns="91425" bIns="91425" anchor="ctr" anchorCtr="0">
               <a:noAutofit/>
             </a:bodyPr>
             <a:lstStyle/>
             <a:p>
-              <a:pPr indent="0" lvl="0" marL="0" rtl="0" algn="l">
+              <a:pPr marL="0" lvl="0" indent="0" algn="l" rtl="0">
                 <a:spcBef>
                   <a:spcPts val="0"/>
                 </a:spcBef>
@@ -6872,9 +6893,6 @@
                 </a:spcAft>
                 <a:buNone/>
               </a:pPr>
-              <a:r>
-                <a:t/>
-              </a:r>
               <a:endParaRPr/>
             </a:p>
           </p:txBody>
@@ -6892,7 +6910,7 @@
             </a:xfrm>
             <a:prstGeom prst="diagStripe">
               <a:avLst>
-                <a:gd fmla="val 50000" name="adj"/>
+                <a:gd name="adj" fmla="val 50000"/>
               </a:avLst>
             </a:prstGeom>
             <a:solidFill>
@@ -6905,12 +6923,12 @@
             </a:ln>
           </p:spPr>
           <p:txBody>
-            <a:bodyPr anchorCtr="0" anchor="ctr" bIns="91425" lIns="91425" spcFirstLastPara="1" rIns="91425" wrap="square" tIns="91425">
+            <a:bodyPr spcFirstLastPara="1" wrap="square" lIns="91425" tIns="91425" rIns="91425" bIns="91425" anchor="ctr" anchorCtr="0">
               <a:noAutofit/>
             </a:bodyPr>
             <a:lstStyle/>
             <a:p>
-              <a:pPr indent="0" lvl="0" marL="0" rtl="0" algn="l">
+              <a:pPr marL="0" lvl="0" indent="0" algn="l" rtl="0">
                 <a:spcBef>
                   <a:spcPts val="0"/>
                 </a:spcBef>
@@ -6919,9 +6937,6 @@
                 </a:spcAft>
                 <a:buNone/>
               </a:pPr>
-              <a:r>
-                <a:t/>
-              </a:r>
               <a:endParaRPr/>
             </a:p>
           </p:txBody>
@@ -6930,7 +6945,9 @@
       <p:sp>
         <p:nvSpPr>
           <p:cNvPr id="89" name="Google Shape;89;p8"/>
-          <p:cNvSpPr txBox="1"/>
+          <p:cNvSpPr txBox="1">
+            <a:spLocks noGrp="1"/>
+          </p:cNvSpPr>
           <p:nvPr>
             <p:ph type="title"/>
           </p:nvPr>
@@ -6945,7 +6962,7 @@
           </a:prstGeom>
         </p:spPr>
         <p:txBody>
-          <a:bodyPr anchorCtr="0" anchor="ctr" bIns="91425" lIns="91425" spcFirstLastPara="1" rIns="91425" wrap="square" tIns="91425">
+          <a:bodyPr spcFirstLastPara="1" wrap="square" lIns="91425" tIns="91425" rIns="91425" bIns="91425" anchor="ctr" anchorCtr="0">
             <a:normAutofit/>
           </a:bodyPr>
           <a:lstStyle>
@@ -7049,15 +7066,19 @@
               <a:defRPr/>
             </a:lvl9pPr>
           </a:lstStyle>
-          <a:p/>
+          <a:p>
+            <a:endParaRPr/>
+          </a:p>
         </p:txBody>
       </p:sp>
       <p:sp>
         <p:nvSpPr>
           <p:cNvPr id="90" name="Google Shape;90;p8"/>
-          <p:cNvSpPr txBox="1"/>
+          <p:cNvSpPr txBox="1">
+            <a:spLocks noGrp="1"/>
+          </p:cNvSpPr>
           <p:nvPr>
-            <p:ph idx="12" type="sldNum"/>
+            <p:ph type="sldNum" idx="12"/>
           </p:nvPr>
         </p:nvSpPr>
         <p:spPr>
@@ -7070,7 +7091,7 @@
           </a:prstGeom>
         </p:spPr>
         <p:txBody>
-          <a:bodyPr anchorCtr="0" anchor="ctr" bIns="91425" lIns="91425" spcFirstLastPara="1" rIns="91425" wrap="square" tIns="91425">
+          <a:bodyPr spcFirstLastPara="1" wrap="square" lIns="91425" tIns="91425" rIns="91425" bIns="91425" anchor="ctr" anchorCtr="0">
             <a:normAutofit/>
           </a:bodyPr>
           <a:lstStyle>
@@ -7112,7 +7133,7 @@
             </a:lvl9pPr>
           </a:lstStyle>
           <a:p>
-            <a:pPr indent="0" lvl="0" marL="0" rtl="0" algn="r">
+            <a:pPr marL="0" lvl="0" indent="0" algn="r" rtl="0">
               <a:spcBef>
                 <a:spcPts val="0"/>
               </a:spcBef>
@@ -7138,11 +7159,11 @@
 </file>
 
 <file path=ppt/slideLayouts/slideLayout8.xml><?xml version="1.0" encoding="utf-8"?>
-<p:sldLayout xmlns:a="http://schemas.openxmlformats.org/drawingml/2006/main" xmlns:r="http://schemas.openxmlformats.org/officeDocument/2006/relationships" xmlns:mc="http://schemas.openxmlformats.org/markup-compatibility/2006" xmlns:mv="urn:schemas-microsoft-com:mac:vml" xmlns:p="http://schemas.openxmlformats.org/presentationml/2006/main" xmlns:c="http://schemas.openxmlformats.org/drawingml/2006/chart" xmlns:dgm="http://schemas.openxmlformats.org/drawingml/2006/diagram" xmlns:o="urn:schemas-microsoft-com:office:office" xmlns:v="urn:schemas-microsoft-com:vml" xmlns:pvml="urn:schemas-microsoft-com:office:powerpoint" xmlns:com="http://schemas.openxmlformats.org/drawingml/2006/compatibility" xmlns:p14="http://schemas.microsoft.com/office/powerpoint/2010/main" xmlns:p15="http://schemas.microsoft.com/office/powerpoint/2012/main" xmlns:ahyp="http://schemas.microsoft.com/office/drawing/2018/hyperlinkcolor" matchingName="Section title and description">
+<p:sldLayout xmlns:a="http://schemas.openxmlformats.org/drawingml/2006/main" xmlns:r="http://schemas.openxmlformats.org/officeDocument/2006/relationships" xmlns:p="http://schemas.openxmlformats.org/presentationml/2006/main" matchingName="Section title and description">
   <p:cSld name="SECTION_TITLE_AND_DESCRIPTION">
     <p:spTree>
       <p:nvGrpSpPr>
-        <p:cNvPr id="91" name="Shape 91"/>
+        <p:cNvPr id="1" name="Shape 91"/>
         <p:cNvGrpSpPr/>
         <p:nvPr/>
       </p:nvGrpSpPr>
@@ -7181,7 +7202,7 @@
             </a:xfrm>
             <a:prstGeom prst="diagStripe">
               <a:avLst>
-                <a:gd fmla="val 50000" name="adj"/>
+                <a:gd name="adj" fmla="val 50000"/>
               </a:avLst>
             </a:prstGeom>
             <a:solidFill>
@@ -7192,12 +7213,12 @@
             </a:ln>
           </p:spPr>
           <p:txBody>
-            <a:bodyPr anchorCtr="0" anchor="ctr" bIns="91425" lIns="91425" spcFirstLastPara="1" rIns="91425" wrap="square" tIns="91425">
+            <a:bodyPr spcFirstLastPara="1" wrap="square" lIns="91425" tIns="91425" rIns="91425" bIns="91425" anchor="ctr" anchorCtr="0">
               <a:noAutofit/>
             </a:bodyPr>
             <a:lstStyle/>
             <a:p>
-              <a:pPr indent="0" lvl="0" marL="0" rtl="0" algn="l">
+              <a:pPr marL="0" lvl="0" indent="0" algn="l" rtl="0">
                 <a:spcBef>
                   <a:spcPts val="0"/>
                 </a:spcBef>
@@ -7206,9 +7227,6 @@
                 </a:spcAft>
                 <a:buNone/>
               </a:pPr>
-              <a:r>
-                <a:t/>
-              </a:r>
               <a:endParaRPr/>
             </a:p>
           </p:txBody>
@@ -7226,7 +7244,7 @@
             </a:xfrm>
             <a:prstGeom prst="diagStripe">
               <a:avLst>
-                <a:gd fmla="val 50000" name="adj"/>
+                <a:gd name="adj" fmla="val 50000"/>
               </a:avLst>
             </a:prstGeom>
             <a:solidFill>
@@ -7237,12 +7255,12 @@
             </a:ln>
           </p:spPr>
           <p:txBody>
-            <a:bodyPr anchorCtr="0" anchor="ctr" bIns="91425" lIns="91425" spcFirstLastPara="1" rIns="91425" wrap="square" tIns="91425">
+            <a:bodyPr spcFirstLastPara="1" wrap="square" lIns="91425" tIns="91425" rIns="91425" bIns="91425" anchor="ctr" anchorCtr="0">
               <a:noAutofit/>
             </a:bodyPr>
             <a:lstStyle/>
             <a:p>
-              <a:pPr indent="0" lvl="0" marL="0" rtl="0" algn="l">
+              <a:pPr marL="0" lvl="0" indent="0" algn="l" rtl="0">
                 <a:spcBef>
                   <a:spcPts val="0"/>
                 </a:spcBef>
@@ -7251,9 +7269,6 @@
                 </a:spcAft>
                 <a:buNone/>
               </a:pPr>
-              <a:r>
-                <a:t/>
-              </a:r>
               <a:endParaRPr/>
             </a:p>
           </p:txBody>
@@ -7262,7 +7277,9 @@
       <p:sp>
         <p:nvSpPr>
           <p:cNvPr id="95" name="Google Shape;95;p9"/>
-          <p:cNvSpPr txBox="1"/>
+          <p:cNvSpPr txBox="1">
+            <a:spLocks noGrp="1"/>
+          </p:cNvSpPr>
           <p:nvPr>
             <p:ph type="title"/>
           </p:nvPr>
@@ -7277,7 +7294,7 @@
           </a:prstGeom>
         </p:spPr>
         <p:txBody>
-          <a:bodyPr anchorCtr="0" anchor="t" bIns="91425" lIns="91425" spcFirstLastPara="1" rIns="91425" wrap="square" tIns="91425">
+          <a:bodyPr spcFirstLastPara="1" wrap="square" lIns="91425" tIns="91425" rIns="91425" bIns="91425" anchor="t" anchorCtr="0">
             <a:normAutofit/>
           </a:bodyPr>
           <a:lstStyle>
@@ -7381,15 +7398,19 @@
               <a:defRPr sz="2400"/>
             </a:lvl9pPr>
           </a:lstStyle>
-          <a:p/>
+          <a:p>
+            <a:endParaRPr/>
+          </a:p>
         </p:txBody>
       </p:sp>
       <p:sp>
         <p:nvSpPr>
           <p:cNvPr id="96" name="Google Shape;96;p9"/>
-          <p:cNvSpPr txBox="1"/>
+          <p:cNvSpPr txBox="1">
+            <a:spLocks noGrp="1"/>
+          </p:cNvSpPr>
           <p:nvPr>
-            <p:ph idx="1" type="subTitle"/>
+            <p:ph type="subTitle" idx="1"/>
           </p:nvPr>
         </p:nvSpPr>
         <p:spPr>
@@ -7402,7 +7423,7 @@
           </a:prstGeom>
         </p:spPr>
         <p:txBody>
-          <a:bodyPr anchorCtr="0" anchor="t" bIns="91425" lIns="91425" spcFirstLastPara="1" rIns="91425" wrap="square" tIns="91425">
+          <a:bodyPr spcFirstLastPara="1" wrap="square" lIns="91425" tIns="91425" rIns="91425" bIns="91425" anchor="t" anchorCtr="0">
             <a:normAutofit/>
           </a:bodyPr>
           <a:lstStyle>
@@ -7533,15 +7554,19 @@
               <a:defRPr sz="1300"/>
             </a:lvl9pPr>
           </a:lstStyle>
-          <a:p/>
+          <a:p>
+            <a:endParaRPr/>
+          </a:p>
         </p:txBody>
       </p:sp>
       <p:sp>
         <p:nvSpPr>
           <p:cNvPr id="97" name="Google Shape;97;p9"/>
-          <p:cNvSpPr txBox="1"/>
+          <p:cNvSpPr txBox="1">
+            <a:spLocks noGrp="1"/>
+          </p:cNvSpPr>
           <p:nvPr>
-            <p:ph idx="2" type="body"/>
+            <p:ph type="body" idx="2"/>
           </p:nvPr>
         </p:nvSpPr>
         <p:spPr>
@@ -7554,11 +7579,11 @@
           </a:prstGeom>
         </p:spPr>
         <p:txBody>
-          <a:bodyPr anchorCtr="0" anchor="t" bIns="91425" lIns="91425" spcFirstLastPara="1" rIns="91425" wrap="square" tIns="91425">
+          <a:bodyPr spcFirstLastPara="1" wrap="square" lIns="91425" tIns="91425" rIns="91425" bIns="91425" anchor="t" anchorCtr="0">
             <a:normAutofit/>
           </a:bodyPr>
           <a:lstStyle>
-            <a:lvl1pPr indent="-311150" lvl="0" marL="457200">
+            <a:lvl1pPr marL="457200" lvl="0" indent="-311150">
               <a:spcBef>
                 <a:spcPts val="0"/>
               </a:spcBef>
@@ -7569,7 +7594,7 @@
               <a:buChar char="●"/>
               <a:defRPr/>
             </a:lvl1pPr>
-            <a:lvl2pPr indent="-298450" lvl="1" marL="914400">
+            <a:lvl2pPr marL="914400" lvl="1" indent="-298450">
               <a:spcBef>
                 <a:spcPts val="0"/>
               </a:spcBef>
@@ -7580,7 +7605,7 @@
               <a:buChar char="○"/>
               <a:defRPr/>
             </a:lvl2pPr>
-            <a:lvl3pPr indent="-298450" lvl="2" marL="1371600">
+            <a:lvl3pPr marL="1371600" lvl="2" indent="-298450">
               <a:spcBef>
                 <a:spcPts val="0"/>
               </a:spcBef>
@@ -7591,7 +7616,7 @@
               <a:buChar char="■"/>
               <a:defRPr/>
             </a:lvl3pPr>
-            <a:lvl4pPr indent="-298450" lvl="3" marL="1828800">
+            <a:lvl4pPr marL="1828800" lvl="3" indent="-298450">
               <a:spcBef>
                 <a:spcPts val="0"/>
               </a:spcBef>
@@ -7602,7 +7627,7 @@
               <a:buChar char="●"/>
               <a:defRPr/>
             </a:lvl4pPr>
-            <a:lvl5pPr indent="-298450" lvl="4" marL="2286000">
+            <a:lvl5pPr marL="2286000" lvl="4" indent="-298450">
               <a:spcBef>
                 <a:spcPts val="0"/>
               </a:spcBef>
@@ -7613,7 +7638,7 @@
               <a:buChar char="○"/>
               <a:defRPr/>
             </a:lvl5pPr>
-            <a:lvl6pPr indent="-298450" lvl="5" marL="2743200">
+            <a:lvl6pPr marL="2743200" lvl="5" indent="-298450">
               <a:spcBef>
                 <a:spcPts val="0"/>
               </a:spcBef>
@@ -7624,7 +7649,7 @@
               <a:buChar char="■"/>
               <a:defRPr/>
             </a:lvl6pPr>
-            <a:lvl7pPr indent="-298450" lvl="6" marL="3200400">
+            <a:lvl7pPr marL="3200400" lvl="6" indent="-298450">
               <a:spcBef>
                 <a:spcPts val="0"/>
               </a:spcBef>
@@ -7635,7 +7660,7 @@
               <a:buChar char="●"/>
               <a:defRPr/>
             </a:lvl7pPr>
-            <a:lvl8pPr indent="-298450" lvl="7" marL="3657600">
+            <a:lvl8pPr marL="3657600" lvl="7" indent="-298450">
               <a:spcBef>
                 <a:spcPts val="0"/>
               </a:spcBef>
@@ -7646,7 +7671,7 @@
               <a:buChar char="○"/>
               <a:defRPr/>
             </a:lvl8pPr>
-            <a:lvl9pPr indent="-298450" lvl="8" marL="4114800">
+            <a:lvl9pPr marL="4114800" lvl="8" indent="-298450">
               <a:spcBef>
                 <a:spcPts val="0"/>
               </a:spcBef>
@@ -7658,15 +7683,19 @@
               <a:defRPr/>
             </a:lvl9pPr>
           </a:lstStyle>
-          <a:p/>
+          <a:p>
+            <a:endParaRPr/>
+          </a:p>
         </p:txBody>
       </p:sp>
       <p:sp>
         <p:nvSpPr>
           <p:cNvPr id="98" name="Google Shape;98;p9"/>
-          <p:cNvSpPr txBox="1"/>
+          <p:cNvSpPr txBox="1">
+            <a:spLocks noGrp="1"/>
+          </p:cNvSpPr>
           <p:nvPr>
-            <p:ph idx="12" type="sldNum"/>
+            <p:ph type="sldNum" idx="12"/>
           </p:nvPr>
         </p:nvSpPr>
         <p:spPr>
@@ -7679,7 +7708,7 @@
           </a:prstGeom>
         </p:spPr>
         <p:txBody>
-          <a:bodyPr anchorCtr="0" anchor="ctr" bIns="91425" lIns="91425" spcFirstLastPara="1" rIns="91425" wrap="square" tIns="91425">
+          <a:bodyPr spcFirstLastPara="1" wrap="square" lIns="91425" tIns="91425" rIns="91425" bIns="91425" anchor="ctr" anchorCtr="0">
             <a:normAutofit/>
           </a:bodyPr>
           <a:lstStyle>
@@ -7721,7 +7750,7 @@
             </a:lvl9pPr>
           </a:lstStyle>
           <a:p>
-            <a:pPr indent="0" lvl="0" marL="0" rtl="0" algn="r">
+            <a:pPr marL="0" lvl="0" indent="0" algn="r" rtl="0">
               <a:spcBef>
                 <a:spcPts val="0"/>
               </a:spcBef>
@@ -7747,11 +7776,11 @@
 </file>
 
 <file path=ppt/slideLayouts/slideLayout9.xml><?xml version="1.0" encoding="utf-8"?>
-<p:sldLayout xmlns:a="http://schemas.openxmlformats.org/drawingml/2006/main" xmlns:r="http://schemas.openxmlformats.org/officeDocument/2006/relationships" xmlns:mc="http://schemas.openxmlformats.org/markup-compatibility/2006" xmlns:mv="urn:schemas-microsoft-com:mac:vml" xmlns:p="http://schemas.openxmlformats.org/presentationml/2006/main" xmlns:c="http://schemas.openxmlformats.org/drawingml/2006/chart" xmlns:dgm="http://schemas.openxmlformats.org/drawingml/2006/diagram" xmlns:o="urn:schemas-microsoft-com:office:office" xmlns:v="urn:schemas-microsoft-com:vml" xmlns:pvml="urn:schemas-microsoft-com:office:powerpoint" xmlns:com="http://schemas.openxmlformats.org/drawingml/2006/compatibility" xmlns:p14="http://schemas.microsoft.com/office/powerpoint/2010/main" xmlns:p15="http://schemas.microsoft.com/office/powerpoint/2012/main" xmlns:ahyp="http://schemas.microsoft.com/office/drawing/2018/hyperlinkcolor" matchingName="Caption">
+<p:sldLayout xmlns:a="http://schemas.openxmlformats.org/drawingml/2006/main" xmlns:r="http://schemas.openxmlformats.org/officeDocument/2006/relationships" xmlns:p="http://schemas.openxmlformats.org/presentationml/2006/main" matchingName="Caption">
   <p:cSld name="CAPTION_ONLY">
     <p:spTree>
       <p:nvGrpSpPr>
-        <p:cNvPr id="99" name="Shape 99"/>
+        <p:cNvPr id="1" name="Shape 99"/>
         <p:cNvGrpSpPr/>
         <p:nvPr/>
       </p:nvGrpSpPr>
@@ -7790,7 +7819,7 @@
             </a:xfrm>
             <a:prstGeom prst="diagStripe">
               <a:avLst>
-                <a:gd fmla="val 50000" name="adj"/>
+                <a:gd name="adj" fmla="val 50000"/>
               </a:avLst>
             </a:prstGeom>
             <a:solidFill>
@@ -7803,12 +7832,12 @@
             </a:ln>
           </p:spPr>
           <p:txBody>
-            <a:bodyPr anchorCtr="0" anchor="ctr" bIns="91425" lIns="91425" spcFirstLastPara="1" rIns="91425" wrap="square" tIns="91425">
+            <a:bodyPr spcFirstLastPara="1" wrap="square" lIns="91425" tIns="91425" rIns="91425" bIns="91425" anchor="ctr" anchorCtr="0">
               <a:noAutofit/>
             </a:bodyPr>
             <a:lstStyle/>
             <a:p>
-              <a:pPr indent="0" lvl="0" marL="0" rtl="0" algn="l">
+              <a:pPr marL="0" lvl="0" indent="0" algn="l" rtl="0">
                 <a:spcBef>
                   <a:spcPts val="0"/>
                 </a:spcBef>
@@ -7817,9 +7846,6 @@
                 </a:spcAft>
                 <a:buNone/>
               </a:pPr>
-              <a:r>
-                <a:t/>
-              </a:r>
               <a:endParaRPr/>
             </a:p>
           </p:txBody>
@@ -7837,7 +7863,7 @@
             </a:xfrm>
             <a:prstGeom prst="diagStripe">
               <a:avLst>
-                <a:gd fmla="val 50000" name="adj"/>
+                <a:gd name="adj" fmla="val 50000"/>
               </a:avLst>
             </a:prstGeom>
             <a:solidFill>
@@ -7850,12 +7876,12 @@
             </a:ln>
           </p:spPr>
           <p:txBody>
-            <a:bodyPr anchorCtr="0" anchor="ctr" bIns="91425" lIns="91425" spcFirstLastPara="1" rIns="91425" wrap="square" tIns="91425">
+            <a:bodyPr spcFirstLastPara="1" wrap="square" lIns="91425" tIns="91425" rIns="91425" bIns="91425" anchor="ctr" anchorCtr="0">
               <a:noAutofit/>
             </a:bodyPr>
             <a:lstStyle/>
             <a:p>
-              <a:pPr indent="0" lvl="0" marL="0" rtl="0" algn="l">
+              <a:pPr marL="0" lvl="0" indent="0" algn="l" rtl="0">
                 <a:spcBef>
                   <a:spcPts val="0"/>
                 </a:spcBef>
@@ -7864,9 +7890,6 @@
                 </a:spcAft>
                 <a:buNone/>
               </a:pPr>
-              <a:r>
-                <a:t/>
-              </a:r>
               <a:endParaRPr/>
             </a:p>
           </p:txBody>
@@ -7875,9 +7898,11 @@
       <p:sp>
         <p:nvSpPr>
           <p:cNvPr id="103" name="Google Shape;103;p10"/>
-          <p:cNvSpPr txBox="1"/>
+          <p:cNvSpPr txBox="1">
+            <a:spLocks noGrp="1"/>
+          </p:cNvSpPr>
           <p:nvPr>
-            <p:ph idx="1" type="body"/>
+            <p:ph type="body" idx="1"/>
           </p:nvPr>
         </p:nvSpPr>
         <p:spPr>
@@ -7890,11 +7915,11 @@
           </a:prstGeom>
         </p:spPr>
         <p:txBody>
-          <a:bodyPr anchorCtr="0" anchor="ctr" bIns="91425" lIns="91425" spcFirstLastPara="1" rIns="91425" wrap="square" tIns="91425">
+          <a:bodyPr spcFirstLastPara="1" wrap="square" lIns="91425" tIns="91425" rIns="91425" bIns="91425" anchor="ctr" anchorCtr="0">
             <a:normAutofit/>
           </a:bodyPr>
           <a:lstStyle>
-            <a:lvl1pPr indent="-228600" lvl="0" marL="457200">
+            <a:lvl1pPr marL="457200" lvl="0" indent="-228600">
               <a:lnSpc>
                 <a:spcPct val="100000"/>
               </a:lnSpc>
@@ -7909,15 +7934,19 @@
               <a:defRPr/>
             </a:lvl1pPr>
           </a:lstStyle>
-          <a:p/>
+          <a:p>
+            <a:endParaRPr/>
+          </a:p>
         </p:txBody>
       </p:sp>
       <p:sp>
         <p:nvSpPr>
           <p:cNvPr id="104" name="Google Shape;104;p10"/>
-          <p:cNvSpPr txBox="1"/>
+          <p:cNvSpPr txBox="1">
+            <a:spLocks noGrp="1"/>
+          </p:cNvSpPr>
           <p:nvPr>
-            <p:ph idx="12" type="sldNum"/>
+            <p:ph type="sldNum" idx="12"/>
           </p:nvPr>
         </p:nvSpPr>
         <p:spPr>
@@ -7930,7 +7959,7 @@
           </a:prstGeom>
         </p:spPr>
         <p:txBody>
-          <a:bodyPr anchorCtr="0" anchor="ctr" bIns="91425" lIns="91425" spcFirstLastPara="1" rIns="91425" wrap="square" tIns="91425">
+          <a:bodyPr spcFirstLastPara="1" wrap="square" lIns="91425" tIns="91425" rIns="91425" bIns="91425" anchor="ctr" anchorCtr="0">
             <a:normAutofit/>
           </a:bodyPr>
           <a:lstStyle>
@@ -7972,7 +8001,7 @@
             </a:lvl9pPr>
           </a:lstStyle>
           <a:p>
-            <a:pPr indent="0" lvl="0" marL="0" rtl="0" algn="r">
+            <a:pPr marL="0" lvl="0" indent="0" algn="r" rtl="0">
               <a:spcBef>
                 <a:spcPts val="0"/>
               </a:spcBef>
@@ -7998,18 +8027,19 @@
 </file>
 
 <file path=ppt/slideMasters/slideMaster1.xml><?xml version="1.0" encoding="utf-8"?>
-<p:sldMaster xmlns:a="http://schemas.openxmlformats.org/drawingml/2006/main" xmlns:r="http://schemas.openxmlformats.org/officeDocument/2006/relationships" xmlns:mc="http://schemas.openxmlformats.org/markup-compatibility/2006" xmlns:mv="urn:schemas-microsoft-com:mac:vml" xmlns:p="http://schemas.openxmlformats.org/presentationml/2006/main" xmlns:c="http://schemas.openxmlformats.org/drawingml/2006/chart" xmlns:dgm="http://schemas.openxmlformats.org/drawingml/2006/diagram" xmlns:o="urn:schemas-microsoft-com:office:office" xmlns:v="urn:schemas-microsoft-com:vml" xmlns:pvml="urn:schemas-microsoft-com:office:powerpoint" xmlns:com="http://schemas.openxmlformats.org/drawingml/2006/compatibility" xmlns:p14="http://schemas.microsoft.com/office/powerpoint/2010/main" xmlns:p15="http://schemas.microsoft.com/office/powerpoint/2012/main" xmlns:ahyp="http://schemas.microsoft.com/office/drawing/2018/hyperlinkcolor">
+<p:sldMaster xmlns:a="http://schemas.openxmlformats.org/drawingml/2006/main" xmlns:r="http://schemas.openxmlformats.org/officeDocument/2006/relationships" xmlns:p="http://schemas.openxmlformats.org/presentationml/2006/main">
   <p:cSld name="focus">
     <p:bg>
       <p:bgPr>
         <a:solidFill>
           <a:schemeClr val="dk1"/>
         </a:solidFill>
+        <a:effectLst/>
       </p:bgPr>
     </p:bg>
     <p:spTree>
       <p:nvGrpSpPr>
-        <p:cNvPr id="5" name="Shape 5"/>
+        <p:cNvPr id="1" name="Shape 5"/>
         <p:cNvGrpSpPr/>
         <p:nvPr/>
       </p:nvGrpSpPr>
@@ -8024,7 +8054,9 @@
       <p:sp>
         <p:nvSpPr>
           <p:cNvPr id="6" name="Google Shape;6;p1"/>
-          <p:cNvSpPr txBox="1"/>
+          <p:cNvSpPr txBox="1">
+            <a:spLocks noGrp="1"/>
+          </p:cNvSpPr>
           <p:nvPr>
             <p:ph type="title"/>
           </p:nvPr>
@@ -8043,7 +8075,7 @@
           </a:ln>
         </p:spPr>
         <p:txBody>
-          <a:bodyPr anchorCtr="0" anchor="t" bIns="91425" lIns="91425" spcFirstLastPara="1" rIns="91425" wrap="square" tIns="91425">
+          <a:bodyPr spcFirstLastPara="1" wrap="square" lIns="91425" tIns="91425" rIns="91425" bIns="91425" anchor="t" anchorCtr="0">
             <a:normAutofit/>
           </a:bodyPr>
           <a:lstStyle>
@@ -8255,15 +8287,19 @@
               </a:defRPr>
             </a:lvl9pPr>
           </a:lstStyle>
-          <a:p/>
+          <a:p>
+            <a:endParaRPr/>
+          </a:p>
         </p:txBody>
       </p:sp>
       <p:sp>
         <p:nvSpPr>
           <p:cNvPr id="7" name="Google Shape;7;p1"/>
-          <p:cNvSpPr txBox="1"/>
+          <p:cNvSpPr txBox="1">
+            <a:spLocks noGrp="1"/>
+          </p:cNvSpPr>
           <p:nvPr>
-            <p:ph idx="1" type="body"/>
+            <p:ph type="body" idx="1"/>
           </p:nvPr>
         </p:nvSpPr>
         <p:spPr>
@@ -8280,11 +8316,11 @@
           </a:ln>
         </p:spPr>
         <p:txBody>
-          <a:bodyPr anchorCtr="0" anchor="t" bIns="91425" lIns="91425" spcFirstLastPara="1" rIns="91425" wrap="square" tIns="91425">
+          <a:bodyPr spcFirstLastPara="1" wrap="square" lIns="91425" tIns="91425" rIns="91425" bIns="91425" anchor="t" anchorCtr="0">
             <a:normAutofit/>
           </a:bodyPr>
           <a:lstStyle>
-            <a:lvl1pPr indent="-311150" lvl="0" marL="457200">
+            <a:lvl1pPr marL="457200" lvl="0" indent="-311150">
               <a:lnSpc>
                 <a:spcPct val="115000"/>
               </a:lnSpc>
@@ -8310,7 +8346,7 @@
                 <a:sym typeface="Lato"/>
               </a:defRPr>
             </a:lvl1pPr>
-            <a:lvl2pPr indent="-298450" lvl="1" marL="914400">
+            <a:lvl2pPr marL="914400" lvl="1" indent="-298450">
               <a:lnSpc>
                 <a:spcPct val="115000"/>
               </a:lnSpc>
@@ -8336,7 +8372,7 @@
                 <a:sym typeface="Lato"/>
               </a:defRPr>
             </a:lvl2pPr>
-            <a:lvl3pPr indent="-298450" lvl="2" marL="1371600">
+            <a:lvl3pPr marL="1371600" lvl="2" indent="-298450">
               <a:lnSpc>
                 <a:spcPct val="115000"/>
               </a:lnSpc>
@@ -8362,7 +8398,7 @@
                 <a:sym typeface="Lato"/>
               </a:defRPr>
             </a:lvl3pPr>
-            <a:lvl4pPr indent="-298450" lvl="3" marL="1828800">
+            <a:lvl4pPr marL="1828800" lvl="3" indent="-298450">
               <a:lnSpc>
                 <a:spcPct val="115000"/>
               </a:lnSpc>
@@ -8388,7 +8424,7 @@
                 <a:sym typeface="Lato"/>
               </a:defRPr>
             </a:lvl4pPr>
-            <a:lvl5pPr indent="-298450" lvl="4" marL="2286000">
+            <a:lvl5pPr marL="2286000" lvl="4" indent="-298450">
               <a:lnSpc>
                 <a:spcPct val="115000"/>
               </a:lnSpc>
@@ -8414,7 +8450,7 @@
                 <a:sym typeface="Lato"/>
               </a:defRPr>
             </a:lvl5pPr>
-            <a:lvl6pPr indent="-298450" lvl="5" marL="2743200">
+            <a:lvl6pPr marL="2743200" lvl="5" indent="-298450">
               <a:lnSpc>
                 <a:spcPct val="115000"/>
               </a:lnSpc>
@@ -8440,7 +8476,7 @@
                 <a:sym typeface="Lato"/>
               </a:defRPr>
             </a:lvl6pPr>
-            <a:lvl7pPr indent="-298450" lvl="6" marL="3200400">
+            <a:lvl7pPr marL="3200400" lvl="6" indent="-298450">
               <a:lnSpc>
                 <a:spcPct val="115000"/>
               </a:lnSpc>
@@ -8466,7 +8502,7 @@
                 <a:sym typeface="Lato"/>
               </a:defRPr>
             </a:lvl7pPr>
-            <a:lvl8pPr indent="-298450" lvl="7" marL="3657600">
+            <a:lvl8pPr marL="3657600" lvl="7" indent="-298450">
               <a:lnSpc>
                 <a:spcPct val="115000"/>
               </a:lnSpc>
@@ -8492,7 +8528,7 @@
                 <a:sym typeface="Lato"/>
               </a:defRPr>
             </a:lvl8pPr>
-            <a:lvl9pPr indent="-298450" lvl="8" marL="4114800">
+            <a:lvl9pPr marL="4114800" lvl="8" indent="-298450">
               <a:lnSpc>
                 <a:spcPct val="115000"/>
               </a:lnSpc>
@@ -8519,15 +8555,19 @@
               </a:defRPr>
             </a:lvl9pPr>
           </a:lstStyle>
-          <a:p/>
+          <a:p>
+            <a:endParaRPr/>
+          </a:p>
         </p:txBody>
       </p:sp>
       <p:sp>
         <p:nvSpPr>
           <p:cNvPr id="8" name="Google Shape;8;p1"/>
-          <p:cNvSpPr txBox="1"/>
+          <p:cNvSpPr txBox="1">
+            <a:spLocks noGrp="1"/>
+          </p:cNvSpPr>
           <p:nvPr>
-            <p:ph idx="12" type="sldNum"/>
+            <p:ph type="sldNum" idx="12"/>
           </p:nvPr>
         </p:nvSpPr>
         <p:spPr>
@@ -8544,7 +8584,7 @@
           </a:ln>
         </p:spPr>
         <p:txBody>
-          <a:bodyPr anchorCtr="0" anchor="ctr" bIns="91425" lIns="91425" spcFirstLastPara="1" rIns="91425" wrap="square" tIns="91425">
+          <a:bodyPr spcFirstLastPara="1" wrap="square" lIns="91425" tIns="91425" rIns="91425" bIns="91425" anchor="ctr" anchorCtr="0">
             <a:normAutofit/>
           </a:bodyPr>
           <a:lstStyle>
@@ -8658,7 +8698,7 @@
             </a:lvl9pPr>
           </a:lstStyle>
           <a:p>
-            <a:pPr indent="0" lvl="0" marL="0" rtl="0" algn="r">
+            <a:pPr marL="0" lvl="0" indent="0" algn="r" rtl="0">
               <a:spcBef>
                 <a:spcPts val="0"/>
               </a:spcBef>
@@ -8677,7 +8717,7 @@
       </p:sp>
     </p:spTree>
   </p:cSld>
-  <p:clrMap accent1="accent1" accent2="accent2" accent3="accent3" accent4="accent4" accent5="accent5" accent6="accent6" bg1="lt1" bg2="dk2" tx1="dk1" tx2="lt2" folHlink="folHlink" hlink="hlink"/>
+  <p:clrMap bg1="lt1" tx1="dk1" bg2="dk2" tx2="lt2" accent1="accent1" accent2="accent2" accent3="accent3" accent4="accent4" accent5="accent5" accent6="accent6" hlink="hlink" folHlink="folHlink"/>
   <p:sldLayoutIdLst>
     <p:sldLayoutId id="2147483648" r:id="rId1"/>
     <p:sldLayoutId id="2147483649" r:id="rId2"/>
@@ -8691,10 +8731,10 @@
     <p:sldLayoutId id="2147483657" r:id="rId10"/>
     <p:sldLayoutId id="2147483658" r:id="rId11"/>
   </p:sldLayoutIdLst>
-  <p:hf dt="0" ftr="0" hdr="0" sldNum="0"/>
+  <p:hf sldNum="0" hdr="0" ftr="0" dt="0"/>
   <p:txStyles>
     <p:titleStyle>
-      <a:defPPr lvl="0" marR="0" rtl="0" algn="l">
+      <a:defPPr marR="0" lvl="0" algn="l" rtl="0">
         <a:lnSpc>
           <a:spcPct val="100000"/>
         </a:lnSpc>
@@ -8705,7 +8745,7 @@
           <a:spcPts val="0"/>
         </a:spcAft>
       </a:defPPr>
-      <a:lvl1pPr lvl="0" marR="0" rtl="0" algn="l">
+      <a:lvl1pPr marR="0" lvl="0" algn="l" rtl="0">
         <a:lnSpc>
           <a:spcPct val="100000"/>
         </a:lnSpc>
@@ -8719,7 +8759,7 @@
           <a:srgbClr val="000000"/>
         </a:buClr>
         <a:buFont typeface="Arial"/>
-        <a:defRPr b="0" i="0" sz="1400" u="none" cap="none" strike="noStrike">
+        <a:defRPr sz="1400" b="0" i="0" u="none" strike="noStrike" cap="none">
           <a:solidFill>
             <a:srgbClr val="000000"/>
           </a:solidFill>
@@ -8729,7 +8769,7 @@
           <a:sym typeface="Arial"/>
         </a:defRPr>
       </a:lvl1pPr>
-      <a:lvl2pPr lvl="1" marR="0" rtl="0" algn="l">
+      <a:lvl2pPr marR="0" lvl="1" algn="l" rtl="0">
         <a:lnSpc>
           <a:spcPct val="100000"/>
         </a:lnSpc>
@@ -8743,7 +8783,7 @@
           <a:srgbClr val="000000"/>
         </a:buClr>
         <a:buFont typeface="Arial"/>
-        <a:defRPr b="0" i="0" sz="1400" u="none" cap="none" strike="noStrike">
+        <a:defRPr sz="1400" b="0" i="0" u="none" strike="noStrike" cap="none">
           <a:solidFill>
             <a:srgbClr val="000000"/>
           </a:solidFill>
@@ -8753,7 +8793,7 @@
           <a:sym typeface="Arial"/>
         </a:defRPr>
       </a:lvl2pPr>
-      <a:lvl3pPr lvl="2" marR="0" rtl="0" algn="l">
+      <a:lvl3pPr marR="0" lvl="2" algn="l" rtl="0">
         <a:lnSpc>
           <a:spcPct val="100000"/>
         </a:lnSpc>
@@ -8767,7 +8807,7 @@
           <a:srgbClr val="000000"/>
         </a:buClr>
         <a:buFont typeface="Arial"/>
-        <a:defRPr b="0" i="0" sz="1400" u="none" cap="none" strike="noStrike">
+        <a:defRPr sz="1400" b="0" i="0" u="none" strike="noStrike" cap="none">
           <a:solidFill>
             <a:srgbClr val="000000"/>
           </a:solidFill>
@@ -8777,7 +8817,7 @@
           <a:sym typeface="Arial"/>
         </a:defRPr>
       </a:lvl3pPr>
-      <a:lvl4pPr lvl="3" marR="0" rtl="0" algn="l">
+      <a:lvl4pPr marR="0" lvl="3" algn="l" rtl="0">
         <a:lnSpc>
           <a:spcPct val="100000"/>
         </a:lnSpc>
@@ -8791,7 +8831,7 @@
           <a:srgbClr val="000000"/>
         </a:buClr>
         <a:buFont typeface="Arial"/>
-        <a:defRPr b="0" i="0" sz="1400" u="none" cap="none" strike="noStrike">
+        <a:defRPr sz="1400" b="0" i="0" u="none" strike="noStrike" cap="none">
           <a:solidFill>
             <a:srgbClr val="000000"/>
           </a:solidFill>
@@ -8801,7 +8841,7 @@
           <a:sym typeface="Arial"/>
         </a:defRPr>
       </a:lvl4pPr>
-      <a:lvl5pPr lvl="4" marR="0" rtl="0" algn="l">
+      <a:lvl5pPr marR="0" lvl="4" algn="l" rtl="0">
         <a:lnSpc>
           <a:spcPct val="100000"/>
         </a:lnSpc>
@@ -8815,7 +8855,7 @@
           <a:srgbClr val="000000"/>
         </a:buClr>
         <a:buFont typeface="Arial"/>
-        <a:defRPr b="0" i="0" sz="1400" u="none" cap="none" strike="noStrike">
+        <a:defRPr sz="1400" b="0" i="0" u="none" strike="noStrike" cap="none">
           <a:solidFill>
             <a:srgbClr val="000000"/>
           </a:solidFill>
@@ -8825,7 +8865,7 @@
           <a:sym typeface="Arial"/>
         </a:defRPr>
       </a:lvl5pPr>
-      <a:lvl6pPr lvl="5" marR="0" rtl="0" algn="l">
+      <a:lvl6pPr marR="0" lvl="5" algn="l" rtl="0">
         <a:lnSpc>
           <a:spcPct val="100000"/>
         </a:lnSpc>
@@ -8839,7 +8879,7 @@
           <a:srgbClr val="000000"/>
         </a:buClr>
         <a:buFont typeface="Arial"/>
-        <a:defRPr b="0" i="0" sz="1400" u="none" cap="none" strike="noStrike">
+        <a:defRPr sz="1400" b="0" i="0" u="none" strike="noStrike" cap="none">
           <a:solidFill>
             <a:srgbClr val="000000"/>
           </a:solidFill>
@@ -8849,7 +8889,7 @@
           <a:sym typeface="Arial"/>
         </a:defRPr>
       </a:lvl6pPr>
-      <a:lvl7pPr lvl="6" marR="0" rtl="0" algn="l">
+      <a:lvl7pPr marR="0" lvl="6" algn="l" rtl="0">
         <a:lnSpc>
           <a:spcPct val="100000"/>
         </a:lnSpc>
@@ -8863,7 +8903,7 @@
           <a:srgbClr val="000000"/>
         </a:buClr>
         <a:buFont typeface="Arial"/>
-        <a:defRPr b="0" i="0" sz="1400" u="none" cap="none" strike="noStrike">
+        <a:defRPr sz="1400" b="0" i="0" u="none" strike="noStrike" cap="none">
           <a:solidFill>
             <a:srgbClr val="000000"/>
           </a:solidFill>
@@ -8873,7 +8913,7 @@
           <a:sym typeface="Arial"/>
         </a:defRPr>
       </a:lvl7pPr>
-      <a:lvl8pPr lvl="7" marR="0" rtl="0" algn="l">
+      <a:lvl8pPr marR="0" lvl="7" algn="l" rtl="0">
         <a:lnSpc>
           <a:spcPct val="100000"/>
         </a:lnSpc>
@@ -8887,7 +8927,7 @@
           <a:srgbClr val="000000"/>
         </a:buClr>
         <a:buFont typeface="Arial"/>
-        <a:defRPr b="0" i="0" sz="1400" u="none" cap="none" strike="noStrike">
+        <a:defRPr sz="1400" b="0" i="0" u="none" strike="noStrike" cap="none">
           <a:solidFill>
             <a:srgbClr val="000000"/>
           </a:solidFill>
@@ -8897,7 +8937,7 @@
           <a:sym typeface="Arial"/>
         </a:defRPr>
       </a:lvl8pPr>
-      <a:lvl9pPr lvl="8" marR="0" rtl="0" algn="l">
+      <a:lvl9pPr marR="0" lvl="8" algn="l" rtl="0">
         <a:lnSpc>
           <a:spcPct val="100000"/>
         </a:lnSpc>
@@ -8911,7 +8951,7 @@
           <a:srgbClr val="000000"/>
         </a:buClr>
         <a:buFont typeface="Arial"/>
-        <a:defRPr b="0" i="0" sz="1400" u="none" cap="none" strike="noStrike">
+        <a:defRPr sz="1400" b="0" i="0" u="none" strike="noStrike" cap="none">
           <a:solidFill>
             <a:srgbClr val="000000"/>
           </a:solidFill>
@@ -8923,7 +8963,7 @@
       </a:lvl9pPr>
     </p:titleStyle>
     <p:bodyStyle>
-      <a:defPPr lvl="0" marR="0" rtl="0" algn="l">
+      <a:defPPr marR="0" lvl="0" algn="l" rtl="0">
         <a:lnSpc>
           <a:spcPct val="100000"/>
         </a:lnSpc>
@@ -8934,7 +8974,7 @@
           <a:spcPts val="0"/>
         </a:spcAft>
       </a:defPPr>
-      <a:lvl1pPr lvl="0" marR="0" rtl="0" algn="l">
+      <a:lvl1pPr marR="0" lvl="0" algn="l" rtl="0">
         <a:lnSpc>
           <a:spcPct val="100000"/>
         </a:lnSpc>
@@ -8948,7 +8988,7 @@
           <a:srgbClr val="000000"/>
         </a:buClr>
         <a:buFont typeface="Arial"/>
-        <a:defRPr b="0" i="0" sz="1400" u="none" cap="none" strike="noStrike">
+        <a:defRPr sz="1400" b="0" i="0" u="none" strike="noStrike" cap="none">
           <a:solidFill>
             <a:srgbClr val="000000"/>
           </a:solidFill>
@@ -8958,7 +8998,7 @@
           <a:sym typeface="Arial"/>
         </a:defRPr>
       </a:lvl1pPr>
-      <a:lvl2pPr lvl="1" marR="0" rtl="0" algn="l">
+      <a:lvl2pPr marR="0" lvl="1" algn="l" rtl="0">
         <a:lnSpc>
           <a:spcPct val="100000"/>
         </a:lnSpc>
@@ -8972,7 +9012,7 @@
           <a:srgbClr val="000000"/>
         </a:buClr>
         <a:buFont typeface="Arial"/>
-        <a:defRPr b="0" i="0" sz="1400" u="none" cap="none" strike="noStrike">
+        <a:defRPr sz="1400" b="0" i="0" u="none" strike="noStrike" cap="none">
           <a:solidFill>
             <a:srgbClr val="000000"/>
           </a:solidFill>
@@ -8982,7 +9022,7 @@
           <a:sym typeface="Arial"/>
         </a:defRPr>
       </a:lvl2pPr>
-      <a:lvl3pPr lvl="2" marR="0" rtl="0" algn="l">
+      <a:lvl3pPr marR="0" lvl="2" algn="l" rtl="0">
         <a:lnSpc>
           <a:spcPct val="100000"/>
         </a:lnSpc>
@@ -8996,7 +9036,7 @@
           <a:srgbClr val="000000"/>
         </a:buClr>
         <a:buFont typeface="Arial"/>
-        <a:defRPr b="0" i="0" sz="1400" u="none" cap="none" strike="noStrike">
+        <a:defRPr sz="1400" b="0" i="0" u="none" strike="noStrike" cap="none">
           <a:solidFill>
             <a:srgbClr val="000000"/>
           </a:solidFill>
@@ -9006,7 +9046,7 @@
           <a:sym typeface="Arial"/>
         </a:defRPr>
       </a:lvl3pPr>
-      <a:lvl4pPr lvl="3" marR="0" rtl="0" algn="l">
+      <a:lvl4pPr marR="0" lvl="3" algn="l" rtl="0">
         <a:lnSpc>
           <a:spcPct val="100000"/>
         </a:lnSpc>
@@ -9020,7 +9060,7 @@
           <a:srgbClr val="000000"/>
         </a:buClr>
         <a:buFont typeface="Arial"/>
-        <a:defRPr b="0" i="0" sz="1400" u="none" cap="none" strike="noStrike">
+        <a:defRPr sz="1400" b="0" i="0" u="none" strike="noStrike" cap="none">
           <a:solidFill>
             <a:srgbClr val="000000"/>
           </a:solidFill>
@@ -9030,7 +9070,7 @@
           <a:sym typeface="Arial"/>
         </a:defRPr>
       </a:lvl4pPr>
-      <a:lvl5pPr lvl="4" marR="0" rtl="0" algn="l">
+      <a:lvl5pPr marR="0" lvl="4" algn="l" rtl="0">
         <a:lnSpc>
           <a:spcPct val="100000"/>
         </a:lnSpc>
@@ -9044,7 +9084,7 @@
           <a:srgbClr val="000000"/>
         </a:buClr>
         <a:buFont typeface="Arial"/>
-        <a:defRPr b="0" i="0" sz="1400" u="none" cap="none" strike="noStrike">
+        <a:defRPr sz="1400" b="0" i="0" u="none" strike="noStrike" cap="none">
           <a:solidFill>
             <a:srgbClr val="000000"/>
           </a:solidFill>
@@ -9054,7 +9094,7 @@
           <a:sym typeface="Arial"/>
         </a:defRPr>
       </a:lvl5pPr>
-      <a:lvl6pPr lvl="5" marR="0" rtl="0" algn="l">
+      <a:lvl6pPr marR="0" lvl="5" algn="l" rtl="0">
         <a:lnSpc>
           <a:spcPct val="100000"/>
         </a:lnSpc>
@@ -9068,7 +9108,7 @@
           <a:srgbClr val="000000"/>
         </a:buClr>
         <a:buFont typeface="Arial"/>
-        <a:defRPr b="0" i="0" sz="1400" u="none" cap="none" strike="noStrike">
+        <a:defRPr sz="1400" b="0" i="0" u="none" strike="noStrike" cap="none">
           <a:solidFill>
             <a:srgbClr val="000000"/>
           </a:solidFill>
@@ -9078,7 +9118,7 @@
           <a:sym typeface="Arial"/>
         </a:defRPr>
       </a:lvl6pPr>
-      <a:lvl7pPr lvl="6" marR="0" rtl="0" algn="l">
+      <a:lvl7pPr marR="0" lvl="6" algn="l" rtl="0">
         <a:lnSpc>
           <a:spcPct val="100000"/>
         </a:lnSpc>
@@ -9092,7 +9132,7 @@
           <a:srgbClr val="000000"/>
         </a:buClr>
         <a:buFont typeface="Arial"/>
-        <a:defRPr b="0" i="0" sz="1400" u="none" cap="none" strike="noStrike">
+        <a:defRPr sz="1400" b="0" i="0" u="none" strike="noStrike" cap="none">
           <a:solidFill>
             <a:srgbClr val="000000"/>
           </a:solidFill>
@@ -9102,7 +9142,7 @@
           <a:sym typeface="Arial"/>
         </a:defRPr>
       </a:lvl7pPr>
-      <a:lvl8pPr lvl="7" marR="0" rtl="0" algn="l">
+      <a:lvl8pPr marR="0" lvl="7" algn="l" rtl="0">
         <a:lnSpc>
           <a:spcPct val="100000"/>
         </a:lnSpc>
@@ -9116,7 +9156,7 @@
           <a:srgbClr val="000000"/>
         </a:buClr>
         <a:buFont typeface="Arial"/>
-        <a:defRPr b="0" i="0" sz="1400" u="none" cap="none" strike="noStrike">
+        <a:defRPr sz="1400" b="0" i="0" u="none" strike="noStrike" cap="none">
           <a:solidFill>
             <a:srgbClr val="000000"/>
           </a:solidFill>
@@ -9126,7 +9166,7 @@
           <a:sym typeface="Arial"/>
         </a:defRPr>
       </a:lvl8pPr>
-      <a:lvl9pPr lvl="8" marR="0" rtl="0" algn="l">
+      <a:lvl9pPr marR="0" lvl="8" algn="l" rtl="0">
         <a:lnSpc>
           <a:spcPct val="100000"/>
         </a:lnSpc>
@@ -9140,7 +9180,7 @@
           <a:srgbClr val="000000"/>
         </a:buClr>
         <a:buFont typeface="Arial"/>
-        <a:defRPr b="0" i="0" sz="1400" u="none" cap="none" strike="noStrike">
+        <a:defRPr sz="1400" b="0" i="0" u="none" strike="noStrike" cap="none">
           <a:solidFill>
             <a:srgbClr val="000000"/>
           </a:solidFill>
@@ -9152,7 +9192,7 @@
       </a:lvl9pPr>
     </p:bodyStyle>
     <p:otherStyle>
-      <a:defPPr lvl="0" marR="0" rtl="0" algn="l">
+      <a:defPPr marR="0" lvl="0" algn="l" rtl="0">
         <a:lnSpc>
           <a:spcPct val="100000"/>
         </a:lnSpc>
@@ -9163,7 +9203,7 @@
           <a:spcPts val="0"/>
         </a:spcAft>
       </a:defPPr>
-      <a:lvl1pPr lvl="0" marR="0" rtl="0" algn="l">
+      <a:lvl1pPr marR="0" lvl="0" algn="l" rtl="0">
         <a:lnSpc>
           <a:spcPct val="100000"/>
         </a:lnSpc>
@@ -9177,7 +9217,7 @@
           <a:srgbClr val="000000"/>
         </a:buClr>
         <a:buFont typeface="Arial"/>
-        <a:defRPr b="0" i="0" sz="1400" u="none" cap="none" strike="noStrike">
+        <a:defRPr sz="1400" b="0" i="0" u="none" strike="noStrike" cap="none">
           <a:solidFill>
             <a:srgbClr val="000000"/>
           </a:solidFill>
@@ -9187,7 +9227,7 @@
           <a:sym typeface="Arial"/>
         </a:defRPr>
       </a:lvl1pPr>
-      <a:lvl2pPr lvl="1" marR="0" rtl="0" algn="l">
+      <a:lvl2pPr marR="0" lvl="1" algn="l" rtl="0">
         <a:lnSpc>
           <a:spcPct val="100000"/>
         </a:lnSpc>
@@ -9201,7 +9241,7 @@
           <a:srgbClr val="000000"/>
         </a:buClr>
         <a:buFont typeface="Arial"/>
-        <a:defRPr b="0" i="0" sz="1400" u="none" cap="none" strike="noStrike">
+        <a:defRPr sz="1400" b="0" i="0" u="none" strike="noStrike" cap="none">
           <a:solidFill>
             <a:srgbClr val="000000"/>
           </a:solidFill>
@@ -9211,7 +9251,7 @@
           <a:sym typeface="Arial"/>
         </a:defRPr>
       </a:lvl2pPr>
-      <a:lvl3pPr lvl="2" marR="0" rtl="0" algn="l">
+      <a:lvl3pPr marR="0" lvl="2" algn="l" rtl="0">
         <a:lnSpc>
           <a:spcPct val="100000"/>
         </a:lnSpc>
@@ -9225,7 +9265,7 @@
           <a:srgbClr val="000000"/>
         </a:buClr>
         <a:buFont typeface="Arial"/>
-        <a:defRPr b="0" i="0" sz="1400" u="none" cap="none" strike="noStrike">
+        <a:defRPr sz="1400" b="0" i="0" u="none" strike="noStrike" cap="none">
           <a:solidFill>
             <a:srgbClr val="000000"/>
           </a:solidFill>
@@ -9235,7 +9275,7 @@
           <a:sym typeface="Arial"/>
         </a:defRPr>
       </a:lvl3pPr>
-      <a:lvl4pPr lvl="3" marR="0" rtl="0" algn="l">
+      <a:lvl4pPr marR="0" lvl="3" algn="l" rtl="0">
         <a:lnSpc>
           <a:spcPct val="100000"/>
         </a:lnSpc>
@@ -9249,7 +9289,7 @@
           <a:srgbClr val="000000"/>
         </a:buClr>
         <a:buFont typeface="Arial"/>
-        <a:defRPr b="0" i="0" sz="1400" u="none" cap="none" strike="noStrike">
+        <a:defRPr sz="1400" b="0" i="0" u="none" strike="noStrike" cap="none">
           <a:solidFill>
             <a:srgbClr val="000000"/>
           </a:solidFill>
@@ -9259,7 +9299,7 @@
           <a:sym typeface="Arial"/>
         </a:defRPr>
       </a:lvl4pPr>
-      <a:lvl5pPr lvl="4" marR="0" rtl="0" algn="l">
+      <a:lvl5pPr marR="0" lvl="4" algn="l" rtl="0">
         <a:lnSpc>
           <a:spcPct val="100000"/>
         </a:lnSpc>
@@ -9273,7 +9313,7 @@
           <a:srgbClr val="000000"/>
         </a:buClr>
         <a:buFont typeface="Arial"/>
-        <a:defRPr b="0" i="0" sz="1400" u="none" cap="none" strike="noStrike">
+        <a:defRPr sz="1400" b="0" i="0" u="none" strike="noStrike" cap="none">
           <a:solidFill>
             <a:srgbClr val="000000"/>
           </a:solidFill>
@@ -9283,7 +9323,7 @@
           <a:sym typeface="Arial"/>
         </a:defRPr>
       </a:lvl5pPr>
-      <a:lvl6pPr lvl="5" marR="0" rtl="0" algn="l">
+      <a:lvl6pPr marR="0" lvl="5" algn="l" rtl="0">
         <a:lnSpc>
           <a:spcPct val="100000"/>
         </a:lnSpc>
@@ -9297,7 +9337,7 @@
           <a:srgbClr val="000000"/>
         </a:buClr>
         <a:buFont typeface="Arial"/>
-        <a:defRPr b="0" i="0" sz="1400" u="none" cap="none" strike="noStrike">
+        <a:defRPr sz="1400" b="0" i="0" u="none" strike="noStrike" cap="none">
           <a:solidFill>
             <a:srgbClr val="000000"/>
           </a:solidFill>
@@ -9307,7 +9347,7 @@
           <a:sym typeface="Arial"/>
         </a:defRPr>
       </a:lvl6pPr>
-      <a:lvl7pPr lvl="6" marR="0" rtl="0" algn="l">
+      <a:lvl7pPr marR="0" lvl="6" algn="l" rtl="0">
         <a:lnSpc>
           <a:spcPct val="100000"/>
         </a:lnSpc>
@@ -9321,7 +9361,7 @@
           <a:srgbClr val="000000"/>
         </a:buClr>
         <a:buFont typeface="Arial"/>
-        <a:defRPr b="0" i="0" sz="1400" u="none" cap="none" strike="noStrike">
+        <a:defRPr sz="1400" b="0" i="0" u="none" strike="noStrike" cap="none">
           <a:solidFill>
             <a:srgbClr val="000000"/>
           </a:solidFill>
@@ -9331,7 +9371,7 @@
           <a:sym typeface="Arial"/>
         </a:defRPr>
       </a:lvl7pPr>
-      <a:lvl8pPr lvl="7" marR="0" rtl="0" algn="l">
+      <a:lvl8pPr marR="0" lvl="7" algn="l" rtl="0">
         <a:lnSpc>
           <a:spcPct val="100000"/>
         </a:lnSpc>
@@ -9345,7 +9385,7 @@
           <a:srgbClr val="000000"/>
         </a:buClr>
         <a:buFont typeface="Arial"/>
-        <a:defRPr b="0" i="0" sz="1400" u="none" cap="none" strike="noStrike">
+        <a:defRPr sz="1400" b="0" i="0" u="none" strike="noStrike" cap="none">
           <a:solidFill>
             <a:srgbClr val="000000"/>
           </a:solidFill>
@@ -9355,7 +9395,7 @@
           <a:sym typeface="Arial"/>
         </a:defRPr>
       </a:lvl8pPr>
-      <a:lvl9pPr lvl="8" marR="0" rtl="0" algn="l">
+      <a:lvl9pPr marR="0" lvl="8" algn="l" rtl="0">
         <a:lnSpc>
           <a:spcPct val="100000"/>
         </a:lnSpc>
@@ -9369,7 +9409,7 @@
           <a:srgbClr val="000000"/>
         </a:buClr>
         <a:buFont typeface="Arial"/>
-        <a:defRPr b="0" i="0" sz="1400" u="none" cap="none" strike="noStrike">
+        <a:defRPr sz="1400" b="0" i="0" u="none" strike="noStrike" cap="none">
           <a:solidFill>
             <a:srgbClr val="000000"/>
           </a:solidFill>
@@ -9385,18 +9425,19 @@
 </file>
 
 <file path=ppt/slides/slide1.xml><?xml version="1.0" encoding="utf-8"?>
-<p:sld xmlns:a="http://schemas.openxmlformats.org/drawingml/2006/main" xmlns:r="http://schemas.openxmlformats.org/officeDocument/2006/relationships" xmlns:mc="http://schemas.openxmlformats.org/markup-compatibility/2006" xmlns:mv="urn:schemas-microsoft-com:mac:vml" xmlns:p="http://schemas.openxmlformats.org/presentationml/2006/main" xmlns:c="http://schemas.openxmlformats.org/drawingml/2006/chart" xmlns:dgm="http://schemas.openxmlformats.org/drawingml/2006/diagram" xmlns:o="urn:schemas-microsoft-com:office:office" xmlns:v="urn:schemas-microsoft-com:vml" xmlns:pvml="urn:schemas-microsoft-com:office:powerpoint" xmlns:com="http://schemas.openxmlformats.org/drawingml/2006/compatibility" xmlns:p14="http://schemas.microsoft.com/office/powerpoint/2010/main" xmlns:p15="http://schemas.microsoft.com/office/powerpoint/2012/main" xmlns:ahyp="http://schemas.microsoft.com/office/drawing/2018/hyperlinkcolor">
+<p:sld xmlns:a="http://schemas.openxmlformats.org/drawingml/2006/main" xmlns:r="http://schemas.openxmlformats.org/officeDocument/2006/relationships" xmlns:p="http://schemas.openxmlformats.org/presentationml/2006/main">
   <p:cSld>
     <p:bg>
       <p:bgPr>
         <a:solidFill>
           <a:srgbClr val="3C78D8"/>
         </a:solidFill>
+        <a:effectLst/>
       </p:bgPr>
     </p:bg>
     <p:spTree>
       <p:nvGrpSpPr>
-        <p:cNvPr id="133" name="Shape 133"/>
+        <p:cNvPr id="1" name="Shape 133"/>
         <p:cNvGrpSpPr/>
         <p:nvPr/>
       </p:nvGrpSpPr>
@@ -9411,7 +9452,9 @@
       <p:sp>
         <p:nvSpPr>
           <p:cNvPr id="134" name="Google Shape;134;p13"/>
-          <p:cNvSpPr txBox="1"/>
+          <p:cNvSpPr txBox="1">
+            <a:spLocks noGrp="1"/>
+          </p:cNvSpPr>
           <p:nvPr>
             <p:ph type="ctrTitle"/>
           </p:nvPr>
@@ -9426,12 +9469,12 @@
           </a:prstGeom>
         </p:spPr>
         <p:txBody>
-          <a:bodyPr anchorCtr="0" anchor="t" bIns="91425" lIns="91425" spcFirstLastPara="1" rIns="91425" wrap="square" tIns="91425">
+          <a:bodyPr spcFirstLastPara="1" wrap="square" lIns="91425" tIns="91425" rIns="91425" bIns="91425" anchor="t" anchorCtr="0">
             <a:normAutofit/>
           </a:bodyPr>
           <a:lstStyle/>
           <a:p>
-            <a:pPr indent="0" lvl="0" marL="0" rtl="0" algn="l">
+            <a:pPr marL="0" lvl="0" indent="0" algn="l" rtl="0">
               <a:spcBef>
                 <a:spcPts val="0"/>
               </a:spcBef>
@@ -9451,9 +9494,11 @@
       <p:sp>
         <p:nvSpPr>
           <p:cNvPr id="135" name="Google Shape;135;p13"/>
-          <p:cNvSpPr txBox="1"/>
+          <p:cNvSpPr txBox="1">
+            <a:spLocks noGrp="1"/>
+          </p:cNvSpPr>
           <p:nvPr>
-            <p:ph idx="1" type="subTitle"/>
+            <p:ph type="subTitle" idx="1"/>
           </p:nvPr>
         </p:nvSpPr>
         <p:spPr>
@@ -9466,12 +9511,12 @@
           </a:prstGeom>
         </p:spPr>
         <p:txBody>
-          <a:bodyPr anchorCtr="0" anchor="t" bIns="91425" lIns="91425" spcFirstLastPara="1" rIns="91425" wrap="square" tIns="91425">
+          <a:bodyPr spcFirstLastPara="1" wrap="square" lIns="91425" tIns="91425" rIns="91425" bIns="91425" anchor="t" anchorCtr="0">
             <a:normAutofit/>
           </a:bodyPr>
           <a:lstStyle/>
           <a:p>
-            <a:pPr indent="0" lvl="0" marL="0" rtl="0" algn="l">
+            <a:pPr marL="0" lvl="0" indent="0" algn="l" rtl="0">
               <a:spcBef>
                 <a:spcPts val="0"/>
               </a:spcBef>
@@ -9507,18 +9552,19 @@
 </file>
 
 <file path=ppt/slides/slide2.xml><?xml version="1.0" encoding="utf-8"?>
-<p:sld xmlns:a="http://schemas.openxmlformats.org/drawingml/2006/main" xmlns:r="http://schemas.openxmlformats.org/officeDocument/2006/relationships" xmlns:mc="http://schemas.openxmlformats.org/markup-compatibility/2006" xmlns:mv="urn:schemas-microsoft-com:mac:vml" xmlns:p="http://schemas.openxmlformats.org/presentationml/2006/main" xmlns:c="http://schemas.openxmlformats.org/drawingml/2006/chart" xmlns:dgm="http://schemas.openxmlformats.org/drawingml/2006/diagram" xmlns:o="urn:schemas-microsoft-com:office:office" xmlns:v="urn:schemas-microsoft-com:vml" xmlns:pvml="urn:schemas-microsoft-com:office:powerpoint" xmlns:com="http://schemas.openxmlformats.org/drawingml/2006/compatibility" xmlns:p14="http://schemas.microsoft.com/office/powerpoint/2010/main" xmlns:p15="http://schemas.microsoft.com/office/powerpoint/2012/main" xmlns:ahyp="http://schemas.microsoft.com/office/drawing/2018/hyperlinkcolor">
+<p:sld xmlns:a="http://schemas.openxmlformats.org/drawingml/2006/main" xmlns:r="http://schemas.openxmlformats.org/officeDocument/2006/relationships" xmlns:p="http://schemas.openxmlformats.org/presentationml/2006/main">
   <p:cSld>
     <p:bg>
       <p:bgPr>
         <a:solidFill>
           <a:srgbClr val="3C78D8"/>
         </a:solidFill>
+        <a:effectLst/>
       </p:bgPr>
     </p:bg>
     <p:spTree>
       <p:nvGrpSpPr>
-        <p:cNvPr id="139" name="Shape 139"/>
+        <p:cNvPr id="1" name="Shape 139"/>
         <p:cNvGrpSpPr/>
         <p:nvPr/>
       </p:nvGrpSpPr>
@@ -9533,7 +9579,9 @@
       <p:sp>
         <p:nvSpPr>
           <p:cNvPr id="140" name="Google Shape;140;p14"/>
-          <p:cNvSpPr txBox="1"/>
+          <p:cNvSpPr txBox="1">
+            <a:spLocks noGrp="1"/>
+          </p:cNvSpPr>
           <p:nvPr>
             <p:ph type="title"/>
           </p:nvPr>
@@ -9548,12 +9596,12 @@
           </a:prstGeom>
         </p:spPr>
         <p:txBody>
-          <a:bodyPr anchorCtr="0" anchor="t" bIns="91425" lIns="91425" spcFirstLastPara="1" rIns="91425" wrap="square" tIns="91425">
+          <a:bodyPr spcFirstLastPara="1" wrap="square" lIns="91425" tIns="91425" rIns="91425" bIns="91425" anchor="t" anchorCtr="0">
             <a:normAutofit/>
           </a:bodyPr>
           <a:lstStyle/>
           <a:p>
-            <a:pPr indent="0" lvl="0" marL="0" rtl="0" algn="l">
+            <a:pPr marL="0" lvl="0" indent="0" algn="l" rtl="0">
               <a:spcBef>
                 <a:spcPts val="0"/>
               </a:spcBef>
@@ -9573,9 +9621,11 @@
       <p:sp>
         <p:nvSpPr>
           <p:cNvPr id="141" name="Google Shape;141;p14"/>
-          <p:cNvSpPr txBox="1"/>
+          <p:cNvSpPr txBox="1">
+            <a:spLocks noGrp="1"/>
+          </p:cNvSpPr>
           <p:nvPr>
-            <p:ph idx="1" type="body"/>
+            <p:ph type="body" idx="1"/>
           </p:nvPr>
         </p:nvSpPr>
         <p:spPr>
@@ -9591,12 +9641,12 @@
           </a:solidFill>
         </p:spPr>
         <p:txBody>
-          <a:bodyPr anchorCtr="0" anchor="t" bIns="91425" lIns="91425" spcFirstLastPara="1" rIns="91425" wrap="square" tIns="91425">
+          <a:bodyPr spcFirstLastPara="1" wrap="square" lIns="91425" tIns="91425" rIns="91425" bIns="91425" anchor="t" anchorCtr="0">
             <a:normAutofit/>
           </a:bodyPr>
           <a:lstStyle/>
           <a:p>
-            <a:pPr indent="0" lvl="0" marL="0" rtl="0" algn="l">
+            <a:pPr marL="0" lvl="0" indent="0" algn="l" rtl="0">
               <a:spcBef>
                 <a:spcPts val="0"/>
               </a:spcBef>
@@ -9612,25 +9662,7 @@
                 <a:cs typeface="Montserrat"/>
                 <a:sym typeface="Montserrat"/>
               </a:rPr>
-              <a:t>При разработке данного проекта мы использовали библиотеки Flask, Flask_wtf,  SQL</a:t>
-            </a:r>
-            <a:r>
-              <a:rPr lang="ru">
-                <a:latin typeface="Montserrat"/>
-                <a:ea typeface="Montserrat"/>
-                <a:cs typeface="Montserrat"/>
-                <a:sym typeface="Montserrat"/>
-              </a:rPr>
-              <a:t>alchemy</a:t>
-            </a:r>
-            <a:r>
-              <a:rPr lang="ru">
-                <a:latin typeface="Montserrat"/>
-                <a:ea typeface="Montserrat"/>
-                <a:cs typeface="Montserrat"/>
-                <a:sym typeface="Montserrat"/>
-              </a:rPr>
-              <a:t>, </a:t>
+              <a:t>При разработке данного проекта мы использовали библиотеки Flask, Flask_wtf,  SQLalchemy, </a:t>
             </a:r>
             <a:r>
               <a:rPr lang="ru" sz="1200">
@@ -9661,7 +9693,7 @@
             </a:endParaRPr>
           </a:p>
           <a:p>
-            <a:pPr indent="0" lvl="0" marL="0" rtl="0" algn="l">
+            <a:pPr marL="0" lvl="0" indent="0" algn="l" rtl="0">
               <a:spcBef>
                 <a:spcPts val="1200"/>
               </a:spcBef>
@@ -9670,9 +9702,6 @@
               </a:spcAft>
               <a:buNone/>
             </a:pPr>
-            <a:r>
-              <a:t/>
-            </a:r>
             <a:endParaRPr>
               <a:latin typeface="Montserrat"/>
               <a:ea typeface="Montserrat"/>
@@ -9747,18 +9776,19 @@
 </file>
 
 <file path=ppt/slides/slide3.xml><?xml version="1.0" encoding="utf-8"?>
-<p:sld xmlns:a="http://schemas.openxmlformats.org/drawingml/2006/main" xmlns:r="http://schemas.openxmlformats.org/officeDocument/2006/relationships" xmlns:mc="http://schemas.openxmlformats.org/markup-compatibility/2006" xmlns:mv="urn:schemas-microsoft-com:mac:vml" xmlns:p="http://schemas.openxmlformats.org/presentationml/2006/main" xmlns:c="http://schemas.openxmlformats.org/drawingml/2006/chart" xmlns:dgm="http://schemas.openxmlformats.org/drawingml/2006/diagram" xmlns:o="urn:schemas-microsoft-com:office:office" xmlns:v="urn:schemas-microsoft-com:vml" xmlns:pvml="urn:schemas-microsoft-com:office:powerpoint" xmlns:com="http://schemas.openxmlformats.org/drawingml/2006/compatibility" xmlns:p14="http://schemas.microsoft.com/office/powerpoint/2010/main" xmlns:p15="http://schemas.microsoft.com/office/powerpoint/2012/main" xmlns:ahyp="http://schemas.microsoft.com/office/drawing/2018/hyperlinkcolor">
+<p:sld xmlns:a="http://schemas.openxmlformats.org/drawingml/2006/main" xmlns:r="http://schemas.openxmlformats.org/officeDocument/2006/relationships" xmlns:p="http://schemas.openxmlformats.org/presentationml/2006/main">
   <p:cSld>
     <p:bg>
       <p:bgPr>
         <a:solidFill>
           <a:srgbClr val="3C78D8"/>
         </a:solidFill>
+        <a:effectLst/>
       </p:bgPr>
     </p:bg>
     <p:spTree>
       <p:nvGrpSpPr>
-        <p:cNvPr id="147" name="Shape 147"/>
+        <p:cNvPr id="1" name="Shape 147"/>
         <p:cNvGrpSpPr/>
         <p:nvPr/>
       </p:nvGrpSpPr>
@@ -9773,7 +9803,9 @@
       <p:sp>
         <p:nvSpPr>
           <p:cNvPr id="148" name="Google Shape;148;p15"/>
-          <p:cNvSpPr txBox="1"/>
+          <p:cNvSpPr txBox="1">
+            <a:spLocks noGrp="1"/>
+          </p:cNvSpPr>
           <p:nvPr>
             <p:ph type="title"/>
           </p:nvPr>
@@ -9788,12 +9820,12 @@
           </a:prstGeom>
         </p:spPr>
         <p:txBody>
-          <a:bodyPr anchorCtr="0" anchor="t" bIns="91425" lIns="91425" spcFirstLastPara="1" rIns="91425" wrap="square" tIns="91425">
+          <a:bodyPr spcFirstLastPara="1" wrap="square" lIns="91425" tIns="91425" rIns="91425" bIns="91425" anchor="t" anchorCtr="0">
             <a:normAutofit/>
           </a:bodyPr>
           <a:lstStyle/>
           <a:p>
-            <a:pPr indent="0" lvl="0" marL="0" rtl="0" algn="l">
+            <a:pPr marL="0" lvl="0" indent="0" algn="l" rtl="0">
               <a:spcBef>
                 <a:spcPts val="0"/>
               </a:spcBef>
@@ -9803,19 +9835,21 @@
               <a:buNone/>
             </a:pPr>
             <a:r>
-              <a:rPr lang="ru"/>
-              <a:t>Приобритёные знания</a:t>
+              <a:rPr lang="ru" dirty="0"/>
+              <a:t>Приобретённые знания</a:t>
             </a:r>
-            <a:endParaRPr/>
+            <a:endParaRPr dirty="0"/>
           </a:p>
         </p:txBody>
       </p:sp>
       <p:sp>
         <p:nvSpPr>
           <p:cNvPr id="149" name="Google Shape;149;p15"/>
-          <p:cNvSpPr txBox="1"/>
+          <p:cNvSpPr txBox="1">
+            <a:spLocks noGrp="1"/>
+          </p:cNvSpPr>
           <p:nvPr>
-            <p:ph idx="1" type="body"/>
+            <p:ph type="body" idx="1"/>
           </p:nvPr>
         </p:nvSpPr>
         <p:spPr>
@@ -9828,12 +9862,12 @@
           </a:prstGeom>
         </p:spPr>
         <p:txBody>
-          <a:bodyPr anchorCtr="0" anchor="t" bIns="91425" lIns="91425" spcFirstLastPara="1" rIns="91425" wrap="square" tIns="91425">
+          <a:bodyPr spcFirstLastPara="1" wrap="square" lIns="91425" tIns="91425" rIns="91425" bIns="91425" anchor="t" anchorCtr="0">
             <a:normAutofit/>
           </a:bodyPr>
           <a:lstStyle/>
           <a:p>
-            <a:pPr indent="0" lvl="0" marL="0" rtl="0" algn="l">
+            <a:pPr marL="0" lvl="0" indent="0" algn="l" rtl="0">
               <a:spcBef>
                 <a:spcPts val="0"/>
               </a:spcBef>
@@ -9843,7 +9877,7 @@
               <a:buNone/>
             </a:pPr>
             <a:r>
-              <a:rPr lang="ru">
+              <a:rPr lang="ru" sz="1500">
                 <a:latin typeface="Montserrat"/>
                 <a:ea typeface="Montserrat"/>
                 <a:cs typeface="Montserrat"/>
@@ -9852,11 +9886,11 @@
               <a:t>За время работы над проектом мы научились создавать дизайн страниц, а также их</a:t>
             </a:r>
             <a:r>
-              <a:rPr lang="ru"/>
+              <a:rPr lang="ru" sz="1500"/>
               <a:t>  </a:t>
             </a:r>
             <a:r>
-              <a:rPr lang="ru">
+              <a:rPr lang="ru" sz="1500">
                 <a:latin typeface="Montserrat"/>
                 <a:ea typeface="Montserrat"/>
                 <a:cs typeface="Montserrat"/>
@@ -9865,14 +9899,23 @@
               <a:t>работать с их</a:t>
             </a:r>
             <a:r>
-              <a:rPr lang="ru"/>
-              <a:t> ‘</a:t>
+              <a:rPr lang="ru" sz="1500"/>
+              <a:t> ‘background’. </a:t>
             </a:r>
             <a:r>
-              <a:rPr lang="ru"/>
-              <a:t>background’.</a:t>
+              <a:rPr lang="ru" sz="1500">
+                <a:latin typeface="Montserrat"/>
+                <a:ea typeface="Montserrat"/>
+                <a:cs typeface="Montserrat"/>
+                <a:sym typeface="Montserrat"/>
+              </a:rPr>
+              <a:t>Также мы получили знания о работе с библиотеками </a:t>
             </a:r>
-            <a:endParaRPr/>
+            <a:r>
+              <a:rPr lang="ru" sz="1500"/>
+              <a:t>Flask, SQLAlchemy, Jinja.</a:t>
+            </a:r>
+            <a:endParaRPr sz="1500"/>
           </a:p>
         </p:txBody>
       </p:sp>
@@ -9885,18 +9928,19 @@
 </file>
 
 <file path=ppt/slides/slide4.xml><?xml version="1.0" encoding="utf-8"?>
-<p:sld xmlns:a="http://schemas.openxmlformats.org/drawingml/2006/main" xmlns:r="http://schemas.openxmlformats.org/officeDocument/2006/relationships" xmlns:mc="http://schemas.openxmlformats.org/markup-compatibility/2006" xmlns:mv="urn:schemas-microsoft-com:mac:vml" xmlns:p="http://schemas.openxmlformats.org/presentationml/2006/main" xmlns:c="http://schemas.openxmlformats.org/drawingml/2006/chart" xmlns:dgm="http://schemas.openxmlformats.org/drawingml/2006/diagram" xmlns:o="urn:schemas-microsoft-com:office:office" xmlns:v="urn:schemas-microsoft-com:vml" xmlns:pvml="urn:schemas-microsoft-com:office:powerpoint" xmlns:com="http://schemas.openxmlformats.org/drawingml/2006/compatibility" xmlns:p14="http://schemas.microsoft.com/office/powerpoint/2010/main" xmlns:p15="http://schemas.microsoft.com/office/powerpoint/2012/main" xmlns:ahyp="http://schemas.microsoft.com/office/drawing/2018/hyperlinkcolor">
+<p:sld xmlns:a="http://schemas.openxmlformats.org/drawingml/2006/main" xmlns:r="http://schemas.openxmlformats.org/officeDocument/2006/relationships" xmlns:p="http://schemas.openxmlformats.org/presentationml/2006/main">
   <p:cSld>
     <p:bg>
       <p:bgPr>
         <a:solidFill>
           <a:srgbClr val="3C78D8"/>
         </a:solidFill>
+        <a:effectLst/>
       </p:bgPr>
     </p:bg>
     <p:spTree>
       <p:nvGrpSpPr>
-        <p:cNvPr id="153" name="Shape 153"/>
+        <p:cNvPr id="1" name="Shape 153"/>
         <p:cNvGrpSpPr/>
         <p:nvPr/>
       </p:nvGrpSpPr>
@@ -9911,7 +9955,9 @@
       <p:sp>
         <p:nvSpPr>
           <p:cNvPr id="154" name="Google Shape;154;p16"/>
-          <p:cNvSpPr txBox="1"/>
+          <p:cNvSpPr txBox="1">
+            <a:spLocks noGrp="1"/>
+          </p:cNvSpPr>
           <p:nvPr>
             <p:ph type="title"/>
           </p:nvPr>
@@ -9926,12 +9972,12 @@
           </a:prstGeom>
         </p:spPr>
         <p:txBody>
-          <a:bodyPr anchorCtr="0" anchor="t" bIns="91425" lIns="91425" spcFirstLastPara="1" rIns="91425" wrap="square" tIns="91425">
+          <a:bodyPr spcFirstLastPara="1" wrap="square" lIns="91425" tIns="91425" rIns="91425" bIns="91425" anchor="t" anchorCtr="0">
             <a:normAutofit/>
           </a:bodyPr>
           <a:lstStyle/>
           <a:p>
-            <a:pPr indent="0" lvl="0" marL="0" rtl="0" algn="l">
+            <a:pPr marL="0" lvl="0" indent="0" algn="l" rtl="0">
               <a:spcBef>
                 <a:spcPts val="0"/>
               </a:spcBef>
@@ -9951,14 +9997,16 @@
       <p:sp>
         <p:nvSpPr>
           <p:cNvPr id="155" name="Google Shape;155;p16"/>
-          <p:cNvSpPr txBox="1"/>
+          <p:cNvSpPr txBox="1">
+            <a:spLocks noGrp="1"/>
+          </p:cNvSpPr>
           <p:nvPr>
-            <p:ph idx="1" type="body"/>
+            <p:ph type="body" idx="1"/>
           </p:nvPr>
         </p:nvSpPr>
         <p:spPr>
           <a:xfrm>
-            <a:off x="486450" y="1554025"/>
+            <a:off x="243125" y="1614850"/>
             <a:ext cx="7038900" cy="2911200"/>
           </a:xfrm>
           <a:prstGeom prst="rect">
@@ -9966,12 +10014,12 @@
           </a:prstGeom>
         </p:spPr>
         <p:txBody>
-          <a:bodyPr anchorCtr="0" anchor="t" bIns="91425" lIns="91425" spcFirstLastPara="1" rIns="91425" wrap="square" tIns="91425">
+          <a:bodyPr spcFirstLastPara="1" wrap="square" lIns="91425" tIns="91425" rIns="91425" bIns="91425" anchor="t" anchorCtr="0">
             <a:normAutofit/>
           </a:bodyPr>
           <a:lstStyle/>
           <a:p>
-            <a:pPr indent="0" lvl="0" marL="0" rtl="0" algn="l">
+            <a:pPr marL="0" lvl="0" indent="0" algn="l" rtl="0">
               <a:spcBef>
                 <a:spcPts val="0"/>
               </a:spcBef>
@@ -9981,15 +10029,15 @@
               <a:buNone/>
             </a:pPr>
             <a:r>
-              <a:rPr lang="ru">
+              <a:rPr lang="ru" dirty="0">
                 <a:latin typeface="Montserrat"/>
                 <a:ea typeface="Montserrat"/>
                 <a:cs typeface="Montserrat"/>
                 <a:sym typeface="Montserrat"/>
               </a:rPr>
-              <a:t>Весь проект</a:t>
+              <a:t>Можно добавить: оплату товара, поиск по сайту, пагинация.</a:t>
             </a:r>
-            <a:endParaRPr>
+            <a:endParaRPr dirty="0">
               <a:latin typeface="Montserrat"/>
               <a:ea typeface="Montserrat"/>
               <a:cs typeface="Montserrat"/>
@@ -9998,6 +10046,90 @@
           </a:p>
         </p:txBody>
       </p:sp>
+      <p:pic>
+        <p:nvPicPr>
+          <p:cNvPr id="156" name="Google Shape;156;p16"/>
+          <p:cNvPicPr preferRelativeResize="0"/>
+          <p:nvPr/>
+        </p:nvPicPr>
+        <p:blipFill>
+          <a:blip r:embed="rId3">
+            <a:alphaModFix/>
+          </a:blip>
+          <a:stretch>
+            <a:fillRect/>
+          </a:stretch>
+        </p:blipFill>
+        <p:spPr>
+          <a:xfrm>
+            <a:off x="1664025" y="3689975"/>
+            <a:ext cx="6874125" cy="1135725"/>
+          </a:xfrm>
+          <a:prstGeom prst="rect">
+            <a:avLst/>
+          </a:prstGeom>
+          <a:noFill/>
+          <a:ln>
+            <a:noFill/>
+          </a:ln>
+        </p:spPr>
+      </p:pic>
+      <p:pic>
+        <p:nvPicPr>
+          <p:cNvPr id="157" name="Google Shape;157;p16"/>
+          <p:cNvPicPr preferRelativeResize="0"/>
+          <p:nvPr/>
+        </p:nvPicPr>
+        <p:blipFill>
+          <a:blip r:embed="rId4">
+            <a:alphaModFix/>
+          </a:blip>
+          <a:stretch>
+            <a:fillRect/>
+          </a:stretch>
+        </p:blipFill>
+        <p:spPr>
+          <a:xfrm>
+            <a:off x="310697" y="2173200"/>
+            <a:ext cx="4016924" cy="1276400"/>
+          </a:xfrm>
+          <a:prstGeom prst="rect">
+            <a:avLst/>
+          </a:prstGeom>
+          <a:noFill/>
+          <a:ln>
+            <a:noFill/>
+          </a:ln>
+        </p:spPr>
+      </p:pic>
+      <p:pic>
+        <p:nvPicPr>
+          <p:cNvPr id="158" name="Google Shape;158;p16"/>
+          <p:cNvPicPr preferRelativeResize="0"/>
+          <p:nvPr/>
+        </p:nvPicPr>
+        <p:blipFill>
+          <a:blip r:embed="rId5">
+            <a:alphaModFix/>
+          </a:blip>
+          <a:stretch>
+            <a:fillRect/>
+          </a:stretch>
+        </p:blipFill>
+        <p:spPr>
+          <a:xfrm>
+            <a:off x="5726126" y="1307850"/>
+            <a:ext cx="3304675" cy="2081650"/>
+          </a:xfrm>
+          <a:prstGeom prst="rect">
+            <a:avLst/>
+          </a:prstGeom>
+          <a:noFill/>
+          <a:ln>
+            <a:noFill/>
+          </a:ln>
+        </p:spPr>
+      </p:pic>
     </p:spTree>
   </p:cSld>
   <p:clrMapOvr>
@@ -10007,18 +10139,19 @@
 </file>
 
 <file path=ppt/slides/slide5.xml><?xml version="1.0" encoding="utf-8"?>
-<p:sld xmlns:a="http://schemas.openxmlformats.org/drawingml/2006/main" xmlns:r="http://schemas.openxmlformats.org/officeDocument/2006/relationships" xmlns:mc="http://schemas.openxmlformats.org/markup-compatibility/2006" xmlns:mv="urn:schemas-microsoft-com:mac:vml" xmlns:p="http://schemas.openxmlformats.org/presentationml/2006/main" xmlns:c="http://schemas.openxmlformats.org/drawingml/2006/chart" xmlns:dgm="http://schemas.openxmlformats.org/drawingml/2006/diagram" xmlns:o="urn:schemas-microsoft-com:office:office" xmlns:v="urn:schemas-microsoft-com:vml" xmlns:pvml="urn:schemas-microsoft-com:office:powerpoint" xmlns:com="http://schemas.openxmlformats.org/drawingml/2006/compatibility" xmlns:p14="http://schemas.microsoft.com/office/powerpoint/2010/main" xmlns:p15="http://schemas.microsoft.com/office/powerpoint/2012/main" xmlns:ahyp="http://schemas.microsoft.com/office/drawing/2018/hyperlinkcolor">
+<p:sld xmlns:a="http://schemas.openxmlformats.org/drawingml/2006/main" xmlns:r="http://schemas.openxmlformats.org/officeDocument/2006/relationships" xmlns:p="http://schemas.openxmlformats.org/presentationml/2006/main">
   <p:cSld>
     <p:bg>
       <p:bgPr>
         <a:solidFill>
           <a:srgbClr val="3C78D8"/>
         </a:solidFill>
+        <a:effectLst/>
       </p:bgPr>
     </p:bg>
     <p:spTree>
       <p:nvGrpSpPr>
-        <p:cNvPr id="159" name="Shape 159"/>
+        <p:cNvPr id="1" name="Shape 162"/>
         <p:cNvGrpSpPr/>
         <p:nvPr/>
       </p:nvGrpSpPr>
@@ -10032,8 +10165,10 @@
       </p:grpSpPr>
       <p:sp>
         <p:nvSpPr>
-          <p:cNvPr id="160" name="Google Shape;160;p17"/>
-          <p:cNvSpPr txBox="1"/>
+          <p:cNvPr id="163" name="Google Shape;163;p17"/>
+          <p:cNvSpPr txBox="1">
+            <a:spLocks noGrp="1"/>
+          </p:cNvSpPr>
           <p:nvPr>
             <p:ph type="title"/>
           </p:nvPr>
@@ -10048,12 +10183,12 @@
           </a:prstGeom>
         </p:spPr>
         <p:txBody>
-          <a:bodyPr anchorCtr="0" anchor="t" bIns="91425" lIns="91425" spcFirstLastPara="1" rIns="91425" wrap="square" tIns="91425">
+          <a:bodyPr spcFirstLastPara="1" wrap="square" lIns="91425" tIns="91425" rIns="91425" bIns="91425" anchor="t" anchorCtr="0">
             <a:normAutofit/>
           </a:bodyPr>
           <a:lstStyle/>
           <a:p>
-            <a:pPr indent="0" lvl="0" marL="0" rtl="0" algn="l">
+            <a:pPr marL="0" lvl="0" indent="0" algn="l" rtl="0">
               <a:spcBef>
                 <a:spcPts val="0"/>
               </a:spcBef>
@@ -10072,10 +10207,12 @@
       </p:sp>
       <p:sp>
         <p:nvSpPr>
-          <p:cNvPr id="161" name="Google Shape;161;p17"/>
-          <p:cNvSpPr txBox="1"/>
+          <p:cNvPr id="164" name="Google Shape;164;p17"/>
+          <p:cNvSpPr txBox="1">
+            <a:spLocks noGrp="1"/>
+          </p:cNvSpPr>
           <p:nvPr>
-            <p:ph idx="1" type="body"/>
+            <p:ph type="body" idx="1"/>
           </p:nvPr>
         </p:nvSpPr>
         <p:spPr>
@@ -10088,12 +10225,12 @@
           </a:prstGeom>
         </p:spPr>
         <p:txBody>
-          <a:bodyPr anchorCtr="0" anchor="t" bIns="91425" lIns="91425" spcFirstLastPara="1" rIns="91425" wrap="square" tIns="91425">
+          <a:bodyPr spcFirstLastPara="1" wrap="square" lIns="91425" tIns="91425" rIns="91425" bIns="91425" anchor="t" anchorCtr="0">
             <a:normAutofit/>
           </a:bodyPr>
           <a:lstStyle/>
           <a:p>
-            <a:pPr indent="0" lvl="0" marL="0" rtl="0" algn="l">
+            <a:pPr marL="0" lvl="0" indent="0" algn="l" rtl="0">
               <a:spcBef>
                 <a:spcPts val="0"/>
               </a:spcBef>
@@ -10122,7 +10259,7 @@
       </p:sp>
       <p:pic>
         <p:nvPicPr>
-          <p:cNvPr id="162" name="Google Shape;162;p17"/>
+          <p:cNvPr id="165" name="Google Shape;165;p17"/>
           <p:cNvPicPr preferRelativeResize="0"/>
           <p:nvPr/>
         </p:nvPicPr>
@@ -10156,8 +10293,170 @@
 </p:sld>
 </file>
 
+<file path=ppt/slides/slide6.xml><?xml version="1.0" encoding="utf-8"?>
+<p:sld xmlns:a="http://schemas.openxmlformats.org/drawingml/2006/main" xmlns:r="http://schemas.openxmlformats.org/officeDocument/2006/relationships" xmlns:p="http://schemas.openxmlformats.org/presentationml/2006/main">
+  <p:cSld>
+    <p:bg>
+      <p:bgPr>
+        <a:solidFill>
+          <a:srgbClr val="3C78D8"/>
+        </a:solidFill>
+        <a:effectLst/>
+      </p:bgPr>
+    </p:bg>
+    <p:spTree>
+      <p:nvGrpSpPr>
+        <p:cNvPr id="1" name="Shape 162"/>
+        <p:cNvGrpSpPr/>
+        <p:nvPr/>
+      </p:nvGrpSpPr>
+      <p:grpSpPr>
+        <a:xfrm>
+          <a:off x="0" y="0"/>
+          <a:ext cx="0" cy="0"/>
+          <a:chOff x="0" y="0"/>
+          <a:chExt cx="0" cy="0"/>
+        </a:xfrm>
+      </p:grpSpPr>
+      <p:sp>
+        <p:nvSpPr>
+          <p:cNvPr id="163" name="Google Shape;163;p17"/>
+          <p:cNvSpPr txBox="1">
+            <a:spLocks noGrp="1"/>
+          </p:cNvSpPr>
+          <p:nvPr>
+            <p:ph type="title"/>
+          </p:nvPr>
+        </p:nvSpPr>
+        <p:spPr>
+          <a:xfrm>
+            <a:off x="1297500" y="155842"/>
+            <a:ext cx="7038900" cy="1152008"/>
+          </a:xfrm>
+          <a:prstGeom prst="rect">
+            <a:avLst/>
+          </a:prstGeom>
+        </p:spPr>
+        <p:txBody>
+          <a:bodyPr spcFirstLastPara="1" wrap="square" lIns="91425" tIns="91425" rIns="91425" bIns="91425" anchor="t" anchorCtr="0">
+            <a:normAutofit/>
+          </a:bodyPr>
+          <a:lstStyle/>
+          <a:p>
+            <a:pPr marL="0" lvl="0" indent="0" algn="l" rtl="0">
+              <a:spcBef>
+                <a:spcPts val="0"/>
+              </a:spcBef>
+              <a:spcAft>
+                <a:spcPts val="0"/>
+              </a:spcAft>
+              <a:buNone/>
+            </a:pPr>
+            <a:r>
+              <a:rPr lang="en-US" dirty="0"/>
+              <a:t>Feedback</a:t>
+            </a:r>
+            <a:endParaRPr dirty="0"/>
+          </a:p>
+        </p:txBody>
+      </p:sp>
+      <p:sp>
+        <p:nvSpPr>
+          <p:cNvPr id="164" name="Google Shape;164;p17"/>
+          <p:cNvSpPr txBox="1">
+            <a:spLocks noGrp="1"/>
+          </p:cNvSpPr>
+          <p:nvPr>
+            <p:ph type="body" idx="1"/>
+          </p:nvPr>
+        </p:nvSpPr>
+        <p:spPr>
+          <a:xfrm>
+            <a:off x="807600" y="745067"/>
+            <a:ext cx="9521732" cy="3679608"/>
+          </a:xfrm>
+          <a:prstGeom prst="rect">
+            <a:avLst/>
+          </a:prstGeom>
+        </p:spPr>
+        <p:txBody>
+          <a:bodyPr spcFirstLastPara="1" wrap="square" lIns="91425" tIns="91425" rIns="91425" bIns="91425" anchor="t" anchorCtr="0">
+            <a:normAutofit/>
+          </a:bodyPr>
+          <a:lstStyle/>
+          <a:p>
+            <a:pPr marL="0" lvl="0" indent="0" algn="l" rtl="0">
+              <a:spcBef>
+                <a:spcPts val="0"/>
+              </a:spcBef>
+              <a:spcAft>
+                <a:spcPts val="1200"/>
+              </a:spcAft>
+              <a:buNone/>
+            </a:pPr>
+            <a:r>
+              <a:rPr lang="en-US" sz="3200" dirty="0">
+                <a:latin typeface="Montserrat"/>
+                <a:ea typeface="Montserrat"/>
+                <a:cs typeface="Montserrat"/>
+                <a:sym typeface="Montserrat"/>
+              </a:rPr>
+              <a:t>https://sheer-pie-peripheral.glitch.me</a:t>
+            </a:r>
+            <a:endParaRPr sz="3200" dirty="0">
+              <a:latin typeface="Montserrat"/>
+              <a:ea typeface="Montserrat"/>
+              <a:cs typeface="Montserrat"/>
+              <a:sym typeface="Montserrat"/>
+            </a:endParaRPr>
+          </a:p>
+        </p:txBody>
+      </p:sp>
+      <p:pic>
+        <p:nvPicPr>
+          <p:cNvPr id="4" name="Рисунок 3">
+            <a:extLst>
+              <a:ext uri="{FF2B5EF4-FFF2-40B4-BE49-F238E27FC236}">
+                <a16:creationId xmlns:a16="http://schemas.microsoft.com/office/drawing/2014/main" id="{83C4E7F5-890F-4FD9-A902-27FA8CB27445}"/>
+              </a:ext>
+            </a:extLst>
+          </p:cNvPr>
+          <p:cNvPicPr>
+            <a:picLocks noChangeAspect="1"/>
+          </p:cNvPicPr>
+          <p:nvPr/>
+        </p:nvPicPr>
+        <p:blipFill>
+          <a:blip r:embed="rId3"/>
+          <a:stretch>
+            <a:fillRect/>
+          </a:stretch>
+        </p:blipFill>
+        <p:spPr>
+          <a:xfrm>
+            <a:off x="2900891" y="1484575"/>
+            <a:ext cx="3342217" cy="3342217"/>
+          </a:xfrm>
+          <a:prstGeom prst="rect">
+            <a:avLst/>
+          </a:prstGeom>
+        </p:spPr>
+      </p:pic>
+    </p:spTree>
+    <p:extLst>
+      <p:ext uri="{BB962C8B-B14F-4D97-AF65-F5344CB8AC3E}">
+        <p14:creationId xmlns:p14="http://schemas.microsoft.com/office/powerpoint/2010/main" val="135940776"/>
+      </p:ext>
+    </p:extLst>
+  </p:cSld>
+  <p:clrMapOvr>
+    <a:masterClrMapping/>
+  </p:clrMapOvr>
+</p:sld>
+</file>
+
 <file path=ppt/theme/theme1.xml><?xml version="1.0" encoding="utf-8"?>
-<a:theme xmlns:a="http://schemas.openxmlformats.org/drawingml/2006/main" xmlns:r="http://schemas.openxmlformats.org/officeDocument/2006/relationships" name="Focus">
+<a:theme xmlns:a="http://schemas.openxmlformats.org/drawingml/2006/main" name="Focus">
   <a:themeElements>
     <a:clrScheme name="Focus">
       <a:dk1>
@@ -10432,11 +10731,13 @@
       </a:bgFillStyleLst>
     </a:fmtScheme>
   </a:themeElements>
+  <a:objectDefaults/>
+  <a:extraClrSchemeLst/>
 </a:theme>
 </file>
 
 <file path=ppt/theme/theme2.xml><?xml version="1.0" encoding="utf-8"?>
-<a:theme xmlns:a="http://schemas.openxmlformats.org/drawingml/2006/main" xmlns:r="http://schemas.openxmlformats.org/officeDocument/2006/relationships">
+<a:theme xmlns:a="http://schemas.openxmlformats.org/drawingml/2006/main">
   <a:themeElements>
     <a:clrScheme name="Default">
       <a:dk1>
@@ -10711,5 +11012,7 @@
       </a:bgFillStyleLst>
     </a:fmtScheme>
   </a:themeElements>
+  <a:objectDefaults/>
+  <a:extraClrSchemeLst/>
 </a:theme>
 </file>
--- a/Интернет магазин.pptx
+++ b/Интернет магазин.pptx
@@ -10373,7 +10373,7 @@
         <p:spPr>
           <a:xfrm>
             <a:off x="807600" y="745067"/>
-            <a:ext cx="9521732" cy="3679608"/>
+            <a:ext cx="7845333" cy="804333"/>
           </a:xfrm>
           <a:prstGeom prst="rect">
             <a:avLst/>
@@ -10381,7 +10381,7 @@
         </p:spPr>
         <p:txBody>
           <a:bodyPr spcFirstLastPara="1" wrap="square" lIns="91425" tIns="91425" rIns="91425" bIns="91425" anchor="t" anchorCtr="0">
-            <a:normAutofit/>
+            <a:normAutofit fontScale="92500" lnSpcReduction="20000"/>
           </a:bodyPr>
           <a:lstStyle/>
           <a:p>
@@ -10401,7 +10401,7 @@
                 <a:cs typeface="Montserrat"/>
                 <a:sym typeface="Montserrat"/>
               </a:rPr>
-              <a:t>https://sheer-pie-peripheral.glitch.me</a:t>
+              <a:t>https://global-childish-pair.glitch.me</a:t>
             </a:r>
             <a:endParaRPr sz="3200" dirty="0">
               <a:latin typeface="Montserrat"/>
@@ -10414,10 +10414,10 @@
       </p:sp>
       <p:pic>
         <p:nvPicPr>
-          <p:cNvPr id="4" name="Рисунок 3">
+          <p:cNvPr id="3" name="Рисунок 2">
             <a:extLst>
               <a:ext uri="{FF2B5EF4-FFF2-40B4-BE49-F238E27FC236}">
-                <a16:creationId xmlns:a16="http://schemas.microsoft.com/office/drawing/2014/main" id="{83C4E7F5-890F-4FD9-A902-27FA8CB27445}"/>
+                <a16:creationId xmlns:a16="http://schemas.microsoft.com/office/drawing/2014/main" id="{5420A018-A022-4F67-A7DE-AE96A05EC9BD}"/>
               </a:ext>
             </a:extLst>
           </p:cNvPr>
@@ -10434,8 +10434,8 @@
         </p:blipFill>
         <p:spPr>
           <a:xfrm>
-            <a:off x="2900891" y="1484575"/>
-            <a:ext cx="3342217" cy="3342217"/>
+            <a:off x="2508250" y="1266558"/>
+            <a:ext cx="3721100" cy="3721100"/>
           </a:xfrm>
           <a:prstGeom prst="rect">
             <a:avLst/>
